--- a/spring cloud/spring cloud.pptx
+++ b/spring cloud/spring cloud.pptx
@@ -6,37 +6,39 @@
     <p:sldMasterId id="2147483655" r:id="rId2"/>
   </p:sldMasterIdLst>
   <p:notesMasterIdLst>
-    <p:notesMasterId r:id="rId28"/>
+    <p:notesMasterId r:id="rId30"/>
   </p:notesMasterIdLst>
   <p:handoutMasterIdLst>
-    <p:handoutMasterId r:id="rId29"/>
+    <p:handoutMasterId r:id="rId31"/>
   </p:handoutMasterIdLst>
   <p:sldIdLst>
     <p:sldId id="449" r:id="rId3"/>
     <p:sldId id="466" r:id="rId4"/>
-    <p:sldId id="489" r:id="rId5"/>
-    <p:sldId id="488" r:id="rId6"/>
-    <p:sldId id="490" r:id="rId7"/>
-    <p:sldId id="491" r:id="rId8"/>
-    <p:sldId id="493" r:id="rId9"/>
-    <p:sldId id="494" r:id="rId10"/>
-    <p:sldId id="495" r:id="rId11"/>
-    <p:sldId id="496" r:id="rId12"/>
-    <p:sldId id="497" r:id="rId13"/>
-    <p:sldId id="498" r:id="rId14"/>
-    <p:sldId id="499" r:id="rId15"/>
-    <p:sldId id="500" r:id="rId16"/>
-    <p:sldId id="501" r:id="rId17"/>
-    <p:sldId id="502" r:id="rId18"/>
-    <p:sldId id="505" r:id="rId19"/>
-    <p:sldId id="503" r:id="rId20"/>
-    <p:sldId id="504" r:id="rId21"/>
-    <p:sldId id="506" r:id="rId22"/>
-    <p:sldId id="507" r:id="rId23"/>
-    <p:sldId id="510" r:id="rId24"/>
-    <p:sldId id="509" r:id="rId25"/>
-    <p:sldId id="508" r:id="rId26"/>
-    <p:sldId id="465" r:id="rId27"/>
+    <p:sldId id="511" r:id="rId5"/>
+    <p:sldId id="489" r:id="rId6"/>
+    <p:sldId id="488" r:id="rId7"/>
+    <p:sldId id="490" r:id="rId8"/>
+    <p:sldId id="491" r:id="rId9"/>
+    <p:sldId id="493" r:id="rId10"/>
+    <p:sldId id="494" r:id="rId11"/>
+    <p:sldId id="495" r:id="rId12"/>
+    <p:sldId id="496" r:id="rId13"/>
+    <p:sldId id="497" r:id="rId14"/>
+    <p:sldId id="498" r:id="rId15"/>
+    <p:sldId id="499" r:id="rId16"/>
+    <p:sldId id="500" r:id="rId17"/>
+    <p:sldId id="501" r:id="rId18"/>
+    <p:sldId id="502" r:id="rId19"/>
+    <p:sldId id="505" r:id="rId20"/>
+    <p:sldId id="503" r:id="rId21"/>
+    <p:sldId id="504" r:id="rId22"/>
+    <p:sldId id="506" r:id="rId23"/>
+    <p:sldId id="507" r:id="rId24"/>
+    <p:sldId id="510" r:id="rId25"/>
+    <p:sldId id="512" r:id="rId26"/>
+    <p:sldId id="509" r:id="rId27"/>
+    <p:sldId id="508" r:id="rId28"/>
+    <p:sldId id="465" r:id="rId29"/>
   </p:sldIdLst>
   <p:sldSz cx="11522075" cy="6483350"/>
   <p:notesSz cx="6858000" cy="9144000"/>
@@ -260,7 +262,7 @@
           <a:p>
             <a:fld id="{2D221E8D-25D8-AF4C-A093-C2A82D5E84AD}" type="datetimeFigureOut">
               <a:rPr kumimoji="1" lang="zh-CN" altLang="en-US" smtClean="0"/>
-              <a:t>2018/1/28</a:t>
+              <a:t>2018/1/31</a:t>
             </a:fld>
             <a:endParaRPr kumimoji="1" lang="zh-CN" altLang="en-US"/>
           </a:p>
@@ -425,7 +427,7 @@
           <a:p>
             <a:fld id="{FFB42849-82B9-482D-AFE1-E5E990AEC528}" type="datetimeFigureOut">
               <a:rPr lang="zh-CN" altLang="en-US" smtClean="0"/>
-              <a:t>2018/1/28</a:t>
+              <a:t>2018/1/31</a:t>
             </a:fld>
             <a:endParaRPr lang="zh-CN" altLang="en-US"/>
           </a:p>
@@ -879,7 +881,7 @@
     </p:spTree>
     <p:extLst>
       <p:ext uri="{BB962C8B-B14F-4D97-AF65-F5344CB8AC3E}">
-        <p14:creationId xmlns:p14="http://schemas.microsoft.com/office/powerpoint/2010/main" val="928208955"/>
+        <p14:creationId xmlns:p14="http://schemas.microsoft.com/office/powerpoint/2010/main" val="1686976875"/>
       </p:ext>
     </p:extLst>
   </p:cSld>
@@ -963,7 +965,7 @@
     </p:spTree>
     <p:extLst>
       <p:ext uri="{BB962C8B-B14F-4D97-AF65-F5344CB8AC3E}">
-        <p14:creationId xmlns:p14="http://schemas.microsoft.com/office/powerpoint/2010/main" val="1952490497"/>
+        <p14:creationId xmlns:p14="http://schemas.microsoft.com/office/powerpoint/2010/main" val="928208955"/>
       </p:ext>
     </p:extLst>
   </p:cSld>
@@ -1047,7 +1049,7 @@
     </p:spTree>
     <p:extLst>
       <p:ext uri="{BB962C8B-B14F-4D97-AF65-F5344CB8AC3E}">
-        <p14:creationId xmlns:p14="http://schemas.microsoft.com/office/powerpoint/2010/main" val="1221058947"/>
+        <p14:creationId xmlns:p14="http://schemas.microsoft.com/office/powerpoint/2010/main" val="1952490497"/>
       </p:ext>
     </p:extLst>
   </p:cSld>
@@ -1131,7 +1133,7 @@
     </p:spTree>
     <p:extLst>
       <p:ext uri="{BB962C8B-B14F-4D97-AF65-F5344CB8AC3E}">
-        <p14:creationId xmlns:p14="http://schemas.microsoft.com/office/powerpoint/2010/main" val="1906388692"/>
+        <p14:creationId xmlns:p14="http://schemas.microsoft.com/office/powerpoint/2010/main" val="1221058947"/>
       </p:ext>
     </p:extLst>
   </p:cSld>
@@ -1215,7 +1217,7 @@
     </p:spTree>
     <p:extLst>
       <p:ext uri="{BB962C8B-B14F-4D97-AF65-F5344CB8AC3E}">
-        <p14:creationId xmlns:p14="http://schemas.microsoft.com/office/powerpoint/2010/main" val="1943907540"/>
+        <p14:creationId xmlns:p14="http://schemas.microsoft.com/office/powerpoint/2010/main" val="1906388692"/>
       </p:ext>
     </p:extLst>
   </p:cSld>
@@ -1299,7 +1301,7 @@
     </p:spTree>
     <p:extLst>
       <p:ext uri="{BB962C8B-B14F-4D97-AF65-F5344CB8AC3E}">
-        <p14:creationId xmlns:p14="http://schemas.microsoft.com/office/powerpoint/2010/main" val="1498862870"/>
+        <p14:creationId xmlns:p14="http://schemas.microsoft.com/office/powerpoint/2010/main" val="1943907540"/>
       </p:ext>
     </p:extLst>
   </p:cSld>
@@ -1383,7 +1385,7 @@
     </p:spTree>
     <p:extLst>
       <p:ext uri="{BB962C8B-B14F-4D97-AF65-F5344CB8AC3E}">
-        <p14:creationId xmlns:p14="http://schemas.microsoft.com/office/powerpoint/2010/main" val="1565563014"/>
+        <p14:creationId xmlns:p14="http://schemas.microsoft.com/office/powerpoint/2010/main" val="1498862870"/>
       </p:ext>
     </p:extLst>
   </p:cSld>
@@ -1467,7 +1469,7 @@
     </p:spTree>
     <p:extLst>
       <p:ext uri="{BB962C8B-B14F-4D97-AF65-F5344CB8AC3E}">
-        <p14:creationId xmlns:p14="http://schemas.microsoft.com/office/powerpoint/2010/main" val="249048471"/>
+        <p14:creationId xmlns:p14="http://schemas.microsoft.com/office/powerpoint/2010/main" val="1565563014"/>
       </p:ext>
     </p:extLst>
   </p:cSld>
@@ -1551,7 +1553,7 @@
     </p:spTree>
     <p:extLst>
       <p:ext uri="{BB962C8B-B14F-4D97-AF65-F5344CB8AC3E}">
-        <p14:creationId xmlns:p14="http://schemas.microsoft.com/office/powerpoint/2010/main" val="1357023647"/>
+        <p14:creationId xmlns:p14="http://schemas.microsoft.com/office/powerpoint/2010/main" val="249048471"/>
       </p:ext>
     </p:extLst>
   </p:cSld>
@@ -1635,7 +1637,7 @@
     </p:spTree>
     <p:extLst>
       <p:ext uri="{BB962C8B-B14F-4D97-AF65-F5344CB8AC3E}">
-        <p14:creationId xmlns:p14="http://schemas.microsoft.com/office/powerpoint/2010/main" val="2025873462"/>
+        <p14:creationId xmlns:p14="http://schemas.microsoft.com/office/powerpoint/2010/main" val="1357023647"/>
       </p:ext>
     </p:extLst>
   </p:cSld>
@@ -1803,7 +1805,7 @@
     </p:spTree>
     <p:extLst>
       <p:ext uri="{BB962C8B-B14F-4D97-AF65-F5344CB8AC3E}">
-        <p14:creationId xmlns:p14="http://schemas.microsoft.com/office/powerpoint/2010/main" val="194241669"/>
+        <p14:creationId xmlns:p14="http://schemas.microsoft.com/office/powerpoint/2010/main" val="2025873462"/>
       </p:ext>
     </p:extLst>
   </p:cSld>
@@ -1887,7 +1889,7 @@
     </p:spTree>
     <p:extLst>
       <p:ext uri="{BB962C8B-B14F-4D97-AF65-F5344CB8AC3E}">
-        <p14:creationId xmlns:p14="http://schemas.microsoft.com/office/powerpoint/2010/main" val="284796084"/>
+        <p14:creationId xmlns:p14="http://schemas.microsoft.com/office/powerpoint/2010/main" val="194241669"/>
       </p:ext>
     </p:extLst>
   </p:cSld>
@@ -1971,7 +1973,7 @@
     </p:spTree>
     <p:extLst>
       <p:ext uri="{BB962C8B-B14F-4D97-AF65-F5344CB8AC3E}">
-        <p14:creationId xmlns:p14="http://schemas.microsoft.com/office/powerpoint/2010/main" val="2782564"/>
+        <p14:creationId xmlns:p14="http://schemas.microsoft.com/office/powerpoint/2010/main" val="284796084"/>
       </p:ext>
     </p:extLst>
   </p:cSld>
@@ -2055,7 +2057,7 @@
     </p:spTree>
     <p:extLst>
       <p:ext uri="{BB962C8B-B14F-4D97-AF65-F5344CB8AC3E}">
-        <p14:creationId xmlns:p14="http://schemas.microsoft.com/office/powerpoint/2010/main" val="1034837333"/>
+        <p14:creationId xmlns:p14="http://schemas.microsoft.com/office/powerpoint/2010/main" val="2782564"/>
       </p:ext>
     </p:extLst>
   </p:cSld>
@@ -2139,6 +2141,174 @@
     </p:spTree>
     <p:extLst>
       <p:ext uri="{BB962C8B-B14F-4D97-AF65-F5344CB8AC3E}">
+        <p14:creationId xmlns:p14="http://schemas.microsoft.com/office/powerpoint/2010/main" val="366377321"/>
+      </p:ext>
+    </p:extLst>
+  </p:cSld>
+  <p:clrMapOvr>
+    <a:masterClrMapping/>
+  </p:clrMapOvr>
+</p:notes>
+</file>
+
+<file path=ppt/notesSlides/notesSlide25.xml><?xml version="1.0" encoding="utf-8"?>
+<p:notes xmlns:a="http://schemas.openxmlformats.org/drawingml/2006/main" xmlns:r="http://schemas.openxmlformats.org/officeDocument/2006/relationships" xmlns:p="http://schemas.openxmlformats.org/presentationml/2006/main">
+  <p:cSld>
+    <p:spTree>
+      <p:nvGrpSpPr>
+        <p:cNvPr id="1" name=""/>
+        <p:cNvGrpSpPr/>
+        <p:nvPr/>
+      </p:nvGrpSpPr>
+      <p:grpSpPr>
+        <a:xfrm>
+          <a:off x="0" y="0"/>
+          <a:ext cx="0" cy="0"/>
+          <a:chOff x="0" y="0"/>
+          <a:chExt cx="0" cy="0"/>
+        </a:xfrm>
+      </p:grpSpPr>
+      <p:sp>
+        <p:nvSpPr>
+          <p:cNvPr id="2" name="幻灯片图像占位符 1"/>
+          <p:cNvSpPr>
+            <a:spLocks noGrp="1" noRot="1" noChangeAspect="1"/>
+          </p:cNvSpPr>
+          <p:nvPr>
+            <p:ph type="sldImg"/>
+          </p:nvPr>
+        </p:nvSpPr>
+        <p:spPr/>
+      </p:sp>
+      <p:sp>
+        <p:nvSpPr>
+          <p:cNvPr id="3" name="备注占位符 2"/>
+          <p:cNvSpPr>
+            <a:spLocks noGrp="1"/>
+          </p:cNvSpPr>
+          <p:nvPr>
+            <p:ph type="body" idx="1"/>
+          </p:nvPr>
+        </p:nvSpPr>
+        <p:spPr/>
+        <p:txBody>
+          <a:bodyPr/>
+          <a:lstStyle/>
+          <a:p>
+            <a:endParaRPr kumimoji="1" lang="zh-CN" altLang="en-US" dirty="0"/>
+          </a:p>
+        </p:txBody>
+      </p:sp>
+      <p:sp>
+        <p:nvSpPr>
+          <p:cNvPr id="4" name="幻灯片编号占位符 3"/>
+          <p:cNvSpPr>
+            <a:spLocks noGrp="1"/>
+          </p:cNvSpPr>
+          <p:nvPr>
+            <p:ph type="sldNum" sz="quarter" idx="10"/>
+          </p:nvPr>
+        </p:nvSpPr>
+        <p:spPr/>
+        <p:txBody>
+          <a:bodyPr/>
+          <a:lstStyle/>
+          <a:p>
+            <a:fld id="{EEC43D9F-348C-4EFA-BA8C-BCBE316224D1}" type="slidenum">
+              <a:rPr lang="zh-CN" altLang="en-US" smtClean="0"/>
+              <a:t>25</a:t>
+            </a:fld>
+            <a:endParaRPr lang="zh-CN" altLang="en-US"/>
+          </a:p>
+        </p:txBody>
+      </p:sp>
+    </p:spTree>
+    <p:extLst>
+      <p:ext uri="{BB962C8B-B14F-4D97-AF65-F5344CB8AC3E}">
+        <p14:creationId xmlns:p14="http://schemas.microsoft.com/office/powerpoint/2010/main" val="1034837333"/>
+      </p:ext>
+    </p:extLst>
+  </p:cSld>
+  <p:clrMapOvr>
+    <a:masterClrMapping/>
+  </p:clrMapOvr>
+</p:notes>
+</file>
+
+<file path=ppt/notesSlides/notesSlide26.xml><?xml version="1.0" encoding="utf-8"?>
+<p:notes xmlns:a="http://schemas.openxmlformats.org/drawingml/2006/main" xmlns:r="http://schemas.openxmlformats.org/officeDocument/2006/relationships" xmlns:p="http://schemas.openxmlformats.org/presentationml/2006/main">
+  <p:cSld>
+    <p:spTree>
+      <p:nvGrpSpPr>
+        <p:cNvPr id="1" name=""/>
+        <p:cNvGrpSpPr/>
+        <p:nvPr/>
+      </p:nvGrpSpPr>
+      <p:grpSpPr>
+        <a:xfrm>
+          <a:off x="0" y="0"/>
+          <a:ext cx="0" cy="0"/>
+          <a:chOff x="0" y="0"/>
+          <a:chExt cx="0" cy="0"/>
+        </a:xfrm>
+      </p:grpSpPr>
+      <p:sp>
+        <p:nvSpPr>
+          <p:cNvPr id="2" name="幻灯片图像占位符 1"/>
+          <p:cNvSpPr>
+            <a:spLocks noGrp="1" noRot="1" noChangeAspect="1"/>
+          </p:cNvSpPr>
+          <p:nvPr>
+            <p:ph type="sldImg"/>
+          </p:nvPr>
+        </p:nvSpPr>
+        <p:spPr/>
+      </p:sp>
+      <p:sp>
+        <p:nvSpPr>
+          <p:cNvPr id="3" name="备注占位符 2"/>
+          <p:cNvSpPr>
+            <a:spLocks noGrp="1"/>
+          </p:cNvSpPr>
+          <p:nvPr>
+            <p:ph type="body" idx="1"/>
+          </p:nvPr>
+        </p:nvSpPr>
+        <p:spPr/>
+        <p:txBody>
+          <a:bodyPr/>
+          <a:lstStyle/>
+          <a:p>
+            <a:endParaRPr kumimoji="1" lang="zh-CN" altLang="en-US" dirty="0"/>
+          </a:p>
+        </p:txBody>
+      </p:sp>
+      <p:sp>
+        <p:nvSpPr>
+          <p:cNvPr id="4" name="幻灯片编号占位符 3"/>
+          <p:cNvSpPr>
+            <a:spLocks noGrp="1"/>
+          </p:cNvSpPr>
+          <p:nvPr>
+            <p:ph type="sldNum" sz="quarter" idx="10"/>
+          </p:nvPr>
+        </p:nvSpPr>
+        <p:spPr/>
+        <p:txBody>
+          <a:bodyPr/>
+          <a:lstStyle/>
+          <a:p>
+            <a:fld id="{EEC43D9F-348C-4EFA-BA8C-BCBE316224D1}" type="slidenum">
+              <a:rPr lang="zh-CN" altLang="en-US" smtClean="0"/>
+              <a:t>26</a:t>
+            </a:fld>
+            <a:endParaRPr lang="zh-CN" altLang="en-US"/>
+          </a:p>
+        </p:txBody>
+      </p:sp>
+    </p:spTree>
+    <p:extLst>
+      <p:ext uri="{BB962C8B-B14F-4D97-AF65-F5344CB8AC3E}">
         <p14:creationId xmlns:p14="http://schemas.microsoft.com/office/powerpoint/2010/main" val="988701718"/>
       </p:ext>
     </p:extLst>
@@ -2149,7 +2319,7 @@
 </p:notes>
 </file>
 
-<file path=ppt/notesSlides/notesSlide25.xml><?xml version="1.0" encoding="utf-8"?>
+<file path=ppt/notesSlides/notesSlide27.xml><?xml version="1.0" encoding="utf-8"?>
 <p:notes xmlns:a="http://schemas.openxmlformats.org/drawingml/2006/main" xmlns:r="http://schemas.openxmlformats.org/officeDocument/2006/relationships" xmlns:p="http://schemas.openxmlformats.org/presentationml/2006/main">
   <p:cSld>
     <p:spTree>
@@ -2230,7 +2400,7 @@
             <a:fld id="{EEC43D9F-348C-4EFA-BA8C-BCBE316224D1}" type="slidenum">
               <a:rPr lang="zh-CN" altLang="en-US" smtClean="0"/>
               <a:pPr/>
-              <a:t>25</a:t>
+              <a:t>27</a:t>
             </a:fld>
             <a:endParaRPr lang="zh-CN" altLang="en-US"/>
           </a:p>
@@ -2323,7 +2493,7 @@
     </p:spTree>
     <p:extLst>
       <p:ext uri="{BB962C8B-B14F-4D97-AF65-F5344CB8AC3E}">
-        <p14:creationId xmlns:p14="http://schemas.microsoft.com/office/powerpoint/2010/main" val="295106957"/>
+        <p14:creationId xmlns:p14="http://schemas.microsoft.com/office/powerpoint/2010/main" val="1288716843"/>
       </p:ext>
     </p:extLst>
   </p:cSld>
@@ -2407,7 +2577,7 @@
     </p:spTree>
     <p:extLst>
       <p:ext uri="{BB962C8B-B14F-4D97-AF65-F5344CB8AC3E}">
-        <p14:creationId xmlns:p14="http://schemas.microsoft.com/office/powerpoint/2010/main" val="1276012673"/>
+        <p14:creationId xmlns:p14="http://schemas.microsoft.com/office/powerpoint/2010/main" val="295106957"/>
       </p:ext>
     </p:extLst>
   </p:cSld>
@@ -2491,7 +2661,7 @@
     </p:spTree>
     <p:extLst>
       <p:ext uri="{BB962C8B-B14F-4D97-AF65-F5344CB8AC3E}">
-        <p14:creationId xmlns:p14="http://schemas.microsoft.com/office/powerpoint/2010/main" val="459197350"/>
+        <p14:creationId xmlns:p14="http://schemas.microsoft.com/office/powerpoint/2010/main" val="1276012673"/>
       </p:ext>
     </p:extLst>
   </p:cSld>
@@ -2575,7 +2745,7 @@
     </p:spTree>
     <p:extLst>
       <p:ext uri="{BB962C8B-B14F-4D97-AF65-F5344CB8AC3E}">
-        <p14:creationId xmlns:p14="http://schemas.microsoft.com/office/powerpoint/2010/main" val="1598018813"/>
+        <p14:creationId xmlns:p14="http://schemas.microsoft.com/office/powerpoint/2010/main" val="459197350"/>
       </p:ext>
     </p:extLst>
   </p:cSld>
@@ -2659,7 +2829,7 @@
     </p:spTree>
     <p:extLst>
       <p:ext uri="{BB962C8B-B14F-4D97-AF65-F5344CB8AC3E}">
-        <p14:creationId xmlns:p14="http://schemas.microsoft.com/office/powerpoint/2010/main" val="1799794525"/>
+        <p14:creationId xmlns:p14="http://schemas.microsoft.com/office/powerpoint/2010/main" val="1598018813"/>
       </p:ext>
     </p:extLst>
   </p:cSld>
@@ -2743,7 +2913,7 @@
     </p:spTree>
     <p:extLst>
       <p:ext uri="{BB962C8B-B14F-4D97-AF65-F5344CB8AC3E}">
-        <p14:creationId xmlns:p14="http://schemas.microsoft.com/office/powerpoint/2010/main" val="235863974"/>
+        <p14:creationId xmlns:p14="http://schemas.microsoft.com/office/powerpoint/2010/main" val="1799794525"/>
       </p:ext>
     </p:extLst>
   </p:cSld>
@@ -2827,7 +2997,7 @@
     </p:spTree>
     <p:extLst>
       <p:ext uri="{BB962C8B-B14F-4D97-AF65-F5344CB8AC3E}">
-        <p14:creationId xmlns:p14="http://schemas.microsoft.com/office/powerpoint/2010/main" val="1686976875"/>
+        <p14:creationId xmlns:p14="http://schemas.microsoft.com/office/powerpoint/2010/main" val="235863974"/>
       </p:ext>
     </p:extLst>
   </p:cSld>
@@ -2965,29 +3135,6 @@
           </a:p>
         </p:txBody>
       </p:sp>
-      <p:pic>
-        <p:nvPicPr>
-          <p:cNvPr id="5" name="图片 4" descr="标识20150225.png"/>
-          <p:cNvPicPr/>
-          <p:nvPr userDrawn="1"/>
-        </p:nvPicPr>
-        <p:blipFill rotWithShape="1">
-          <a:blip r:embed="rId2" cstate="screen"/>
-          <a:srcRect/>
-          <a:stretch>
-            <a:fillRect/>
-          </a:stretch>
-        </p:blipFill>
-        <p:spPr>
-          <a:xfrm>
-            <a:off x="0" y="6084547"/>
-            <a:ext cx="453908" cy="426973"/>
-          </a:xfrm>
-          <a:prstGeom prst="rect">
-            <a:avLst/>
-          </a:prstGeom>
-        </p:spPr>
-      </p:pic>
     </p:spTree>
     <p:extLst>
       <p:ext uri="{BB962C8B-B14F-4D97-AF65-F5344CB8AC3E}">
@@ -3111,29 +3258,6 @@
           </a:p>
         </p:txBody>
       </p:sp>
-      <p:pic>
-        <p:nvPicPr>
-          <p:cNvPr id="5" name="图片 4" descr="标识20150225.png"/>
-          <p:cNvPicPr/>
-          <p:nvPr userDrawn="1"/>
-        </p:nvPicPr>
-        <p:blipFill rotWithShape="1">
-          <a:blip r:embed="rId2" cstate="screen"/>
-          <a:srcRect/>
-          <a:stretch>
-            <a:fillRect/>
-          </a:stretch>
-        </p:blipFill>
-        <p:spPr>
-          <a:xfrm>
-            <a:off x="0" y="6084547"/>
-            <a:ext cx="453908" cy="426973"/>
-          </a:xfrm>
-          <a:prstGeom prst="rect">
-            <a:avLst/>
-          </a:prstGeom>
-        </p:spPr>
-      </p:pic>
     </p:spTree>
     <p:extLst>
       <p:ext uri="{BB962C8B-B14F-4D97-AF65-F5344CB8AC3E}">
@@ -3257,29 +3381,6 @@
           </a:p>
         </p:txBody>
       </p:sp>
-      <p:pic>
-        <p:nvPicPr>
-          <p:cNvPr id="5" name="图片 4" descr="标识20150225.png"/>
-          <p:cNvPicPr/>
-          <p:nvPr userDrawn="1"/>
-        </p:nvPicPr>
-        <p:blipFill rotWithShape="1">
-          <a:blip r:embed="rId2" cstate="screen"/>
-          <a:srcRect/>
-          <a:stretch>
-            <a:fillRect/>
-          </a:stretch>
-        </p:blipFill>
-        <p:spPr>
-          <a:xfrm>
-            <a:off x="0" y="6084547"/>
-            <a:ext cx="453908" cy="426973"/>
-          </a:xfrm>
-          <a:prstGeom prst="rect">
-            <a:avLst/>
-          </a:prstGeom>
-        </p:spPr>
-      </p:pic>
     </p:spTree>
     <p:extLst>
       <p:ext uri="{BB962C8B-B14F-4D97-AF65-F5344CB8AC3E}">
@@ -3403,29 +3504,6 @@
           </a:p>
         </p:txBody>
       </p:sp>
-      <p:pic>
-        <p:nvPicPr>
-          <p:cNvPr id="5" name="图片 4" descr="标识20150225.png"/>
-          <p:cNvPicPr/>
-          <p:nvPr userDrawn="1"/>
-        </p:nvPicPr>
-        <p:blipFill rotWithShape="1">
-          <a:blip r:embed="rId2" cstate="screen"/>
-          <a:srcRect/>
-          <a:stretch>
-            <a:fillRect/>
-          </a:stretch>
-        </p:blipFill>
-        <p:spPr>
-          <a:xfrm>
-            <a:off x="0" y="6084547"/>
-            <a:ext cx="453908" cy="426973"/>
-          </a:xfrm>
-          <a:prstGeom prst="rect">
-            <a:avLst/>
-          </a:prstGeom>
-        </p:spPr>
-      </p:pic>
     </p:spTree>
     <p:extLst>
       <p:ext uri="{BB962C8B-B14F-4D97-AF65-F5344CB8AC3E}">
@@ -3549,29 +3627,6 @@
           </a:p>
         </p:txBody>
       </p:sp>
-      <p:pic>
-        <p:nvPicPr>
-          <p:cNvPr id="5" name="图片 4" descr="标识20150225.png"/>
-          <p:cNvPicPr/>
-          <p:nvPr userDrawn="1"/>
-        </p:nvPicPr>
-        <p:blipFill rotWithShape="1">
-          <a:blip r:embed="rId2" cstate="screen"/>
-          <a:srcRect/>
-          <a:stretch>
-            <a:fillRect/>
-          </a:stretch>
-        </p:blipFill>
-        <p:spPr>
-          <a:xfrm>
-            <a:off x="0" y="6084547"/>
-            <a:ext cx="453908" cy="426973"/>
-          </a:xfrm>
-          <a:prstGeom prst="rect">
-            <a:avLst/>
-          </a:prstGeom>
-        </p:spPr>
-      </p:pic>
     </p:spTree>
     <p:extLst>
       <p:ext uri="{BB962C8B-B14F-4D97-AF65-F5344CB8AC3E}">
@@ -3695,29 +3750,6 @@
           </a:p>
         </p:txBody>
       </p:sp>
-      <p:pic>
-        <p:nvPicPr>
-          <p:cNvPr id="5" name="图片 4" descr="标识20150225.png"/>
-          <p:cNvPicPr/>
-          <p:nvPr userDrawn="1"/>
-        </p:nvPicPr>
-        <p:blipFill rotWithShape="1">
-          <a:blip r:embed="rId2" cstate="screen"/>
-          <a:srcRect/>
-          <a:stretch>
-            <a:fillRect/>
-          </a:stretch>
-        </p:blipFill>
-        <p:spPr>
-          <a:xfrm>
-            <a:off x="0" y="6084547"/>
-            <a:ext cx="453908" cy="426973"/>
-          </a:xfrm>
-          <a:prstGeom prst="rect">
-            <a:avLst/>
-          </a:prstGeom>
-        </p:spPr>
-      </p:pic>
     </p:spTree>
     <p:extLst>
       <p:ext uri="{BB962C8B-B14F-4D97-AF65-F5344CB8AC3E}">
@@ -3841,29 +3873,6 @@
           </a:p>
         </p:txBody>
       </p:sp>
-      <p:pic>
-        <p:nvPicPr>
-          <p:cNvPr id="5" name="图片 4" descr="标识20150225.png"/>
-          <p:cNvPicPr/>
-          <p:nvPr userDrawn="1"/>
-        </p:nvPicPr>
-        <p:blipFill rotWithShape="1">
-          <a:blip r:embed="rId2" cstate="screen"/>
-          <a:srcRect/>
-          <a:stretch>
-            <a:fillRect/>
-          </a:stretch>
-        </p:blipFill>
-        <p:spPr>
-          <a:xfrm>
-            <a:off x="0" y="6084547"/>
-            <a:ext cx="453908" cy="426973"/>
-          </a:xfrm>
-          <a:prstGeom prst="rect">
-            <a:avLst/>
-          </a:prstGeom>
-        </p:spPr>
-      </p:pic>
     </p:spTree>
     <p:extLst>
       <p:ext uri="{BB962C8B-B14F-4D97-AF65-F5344CB8AC3E}">
@@ -3987,29 +3996,6 @@
           </a:p>
         </p:txBody>
       </p:sp>
-      <p:pic>
-        <p:nvPicPr>
-          <p:cNvPr id="5" name="图片 4" descr="标识20150225.png"/>
-          <p:cNvPicPr/>
-          <p:nvPr userDrawn="1"/>
-        </p:nvPicPr>
-        <p:blipFill rotWithShape="1">
-          <a:blip r:embed="rId2" cstate="screen"/>
-          <a:srcRect/>
-          <a:stretch>
-            <a:fillRect/>
-          </a:stretch>
-        </p:blipFill>
-        <p:spPr>
-          <a:xfrm>
-            <a:off x="0" y="6084547"/>
-            <a:ext cx="453908" cy="426973"/>
-          </a:xfrm>
-          <a:prstGeom prst="rect">
-            <a:avLst/>
-          </a:prstGeom>
-        </p:spPr>
-      </p:pic>
     </p:spTree>
     <p:extLst>
       <p:ext uri="{BB962C8B-B14F-4D97-AF65-F5344CB8AC3E}">
@@ -4133,29 +4119,6 @@
           </a:p>
         </p:txBody>
       </p:sp>
-      <p:pic>
-        <p:nvPicPr>
-          <p:cNvPr id="5" name="图片 4" descr="标识20150225.png"/>
-          <p:cNvPicPr/>
-          <p:nvPr userDrawn="1"/>
-        </p:nvPicPr>
-        <p:blipFill rotWithShape="1">
-          <a:blip r:embed="rId2" cstate="screen"/>
-          <a:srcRect/>
-          <a:stretch>
-            <a:fillRect/>
-          </a:stretch>
-        </p:blipFill>
-        <p:spPr>
-          <a:xfrm>
-            <a:off x="0" y="6084547"/>
-            <a:ext cx="453908" cy="426973"/>
-          </a:xfrm>
-          <a:prstGeom prst="rect">
-            <a:avLst/>
-          </a:prstGeom>
-        </p:spPr>
-      </p:pic>
     </p:spTree>
     <p:extLst>
       <p:ext uri="{BB962C8B-B14F-4D97-AF65-F5344CB8AC3E}">
@@ -4279,29 +4242,6 @@
           </a:p>
         </p:txBody>
       </p:sp>
-      <p:pic>
-        <p:nvPicPr>
-          <p:cNvPr id="5" name="图片 4" descr="标识20150225.png"/>
-          <p:cNvPicPr/>
-          <p:nvPr userDrawn="1"/>
-        </p:nvPicPr>
-        <p:blipFill rotWithShape="1">
-          <a:blip r:embed="rId2" cstate="screen"/>
-          <a:srcRect/>
-          <a:stretch>
-            <a:fillRect/>
-          </a:stretch>
-        </p:blipFill>
-        <p:spPr>
-          <a:xfrm>
-            <a:off x="0" y="6084547"/>
-            <a:ext cx="453908" cy="426973"/>
-          </a:xfrm>
-          <a:prstGeom prst="rect">
-            <a:avLst/>
-          </a:prstGeom>
-        </p:spPr>
-      </p:pic>
     </p:spTree>
     <p:extLst>
       <p:ext uri="{BB962C8B-B14F-4D97-AF65-F5344CB8AC3E}">
@@ -4425,29 +4365,6 @@
           </a:p>
         </p:txBody>
       </p:sp>
-      <p:pic>
-        <p:nvPicPr>
-          <p:cNvPr id="5" name="图片 4" descr="标识20150225.png"/>
-          <p:cNvPicPr/>
-          <p:nvPr userDrawn="1"/>
-        </p:nvPicPr>
-        <p:blipFill rotWithShape="1">
-          <a:blip r:embed="rId2" cstate="screen"/>
-          <a:srcRect/>
-          <a:stretch>
-            <a:fillRect/>
-          </a:stretch>
-        </p:blipFill>
-        <p:spPr>
-          <a:xfrm>
-            <a:off x="0" y="6084547"/>
-            <a:ext cx="453908" cy="426973"/>
-          </a:xfrm>
-          <a:prstGeom prst="rect">
-            <a:avLst/>
-          </a:prstGeom>
-        </p:spPr>
-      </p:pic>
     </p:spTree>
     <p:extLst>
       <p:ext uri="{BB962C8B-B14F-4D97-AF65-F5344CB8AC3E}">
@@ -4571,29 +4488,6 @@
           </a:p>
         </p:txBody>
       </p:sp>
-      <p:pic>
-        <p:nvPicPr>
-          <p:cNvPr id="5" name="图片 4" descr="标识20150225.png"/>
-          <p:cNvPicPr/>
-          <p:nvPr userDrawn="1"/>
-        </p:nvPicPr>
-        <p:blipFill rotWithShape="1">
-          <a:blip r:embed="rId2" cstate="screen"/>
-          <a:srcRect/>
-          <a:stretch>
-            <a:fillRect/>
-          </a:stretch>
-        </p:blipFill>
-        <p:spPr>
-          <a:xfrm>
-            <a:off x="0" y="6084547"/>
-            <a:ext cx="453908" cy="426973"/>
-          </a:xfrm>
-          <a:prstGeom prst="rect">
-            <a:avLst/>
-          </a:prstGeom>
-        </p:spPr>
-      </p:pic>
     </p:spTree>
     <p:extLst>
       <p:ext uri="{BB962C8B-B14F-4D97-AF65-F5344CB8AC3E}">
@@ -4717,29 +4611,6 @@
           </a:p>
         </p:txBody>
       </p:sp>
-      <p:pic>
-        <p:nvPicPr>
-          <p:cNvPr id="5" name="图片 4" descr="标识20150225.png"/>
-          <p:cNvPicPr/>
-          <p:nvPr userDrawn="1"/>
-        </p:nvPicPr>
-        <p:blipFill rotWithShape="1">
-          <a:blip r:embed="rId2" cstate="screen"/>
-          <a:srcRect/>
-          <a:stretch>
-            <a:fillRect/>
-          </a:stretch>
-        </p:blipFill>
-        <p:spPr>
-          <a:xfrm>
-            <a:off x="0" y="6084547"/>
-            <a:ext cx="453908" cy="426973"/>
-          </a:xfrm>
-          <a:prstGeom prst="rect">
-            <a:avLst/>
-          </a:prstGeom>
-        </p:spPr>
-      </p:pic>
     </p:spTree>
     <p:extLst>
       <p:ext uri="{BB962C8B-B14F-4D97-AF65-F5344CB8AC3E}">
@@ -4863,29 +4734,6 @@
           </a:p>
         </p:txBody>
       </p:sp>
-      <p:pic>
-        <p:nvPicPr>
-          <p:cNvPr id="5" name="图片 4" descr="标识20150225.png"/>
-          <p:cNvPicPr/>
-          <p:nvPr userDrawn="1"/>
-        </p:nvPicPr>
-        <p:blipFill rotWithShape="1">
-          <a:blip r:embed="rId2" cstate="screen"/>
-          <a:srcRect/>
-          <a:stretch>
-            <a:fillRect/>
-          </a:stretch>
-        </p:blipFill>
-        <p:spPr>
-          <a:xfrm>
-            <a:off x="0" y="6084547"/>
-            <a:ext cx="453908" cy="426973"/>
-          </a:xfrm>
-          <a:prstGeom prst="rect">
-            <a:avLst/>
-          </a:prstGeom>
-        </p:spPr>
-      </p:pic>
     </p:spTree>
     <p:extLst>
       <p:ext uri="{BB962C8B-B14F-4D97-AF65-F5344CB8AC3E}">
@@ -5009,29 +4857,6 @@
           </a:p>
         </p:txBody>
       </p:sp>
-      <p:pic>
-        <p:nvPicPr>
-          <p:cNvPr id="5" name="图片 4" descr="标识20150225.png"/>
-          <p:cNvPicPr/>
-          <p:nvPr userDrawn="1"/>
-        </p:nvPicPr>
-        <p:blipFill rotWithShape="1">
-          <a:blip r:embed="rId2" cstate="screen"/>
-          <a:srcRect/>
-          <a:stretch>
-            <a:fillRect/>
-          </a:stretch>
-        </p:blipFill>
-        <p:spPr>
-          <a:xfrm>
-            <a:off x="0" y="6084547"/>
-            <a:ext cx="453908" cy="426973"/>
-          </a:xfrm>
-          <a:prstGeom prst="rect">
-            <a:avLst/>
-          </a:prstGeom>
-        </p:spPr>
-      </p:pic>
     </p:spTree>
     <p:extLst>
       <p:ext uri="{BB962C8B-B14F-4D97-AF65-F5344CB8AC3E}">
@@ -5155,29 +4980,6 @@
           </a:p>
         </p:txBody>
       </p:sp>
-      <p:pic>
-        <p:nvPicPr>
-          <p:cNvPr id="5" name="图片 4" descr="标识20150225.png"/>
-          <p:cNvPicPr/>
-          <p:nvPr userDrawn="1"/>
-        </p:nvPicPr>
-        <p:blipFill rotWithShape="1">
-          <a:blip r:embed="rId2" cstate="screen"/>
-          <a:srcRect/>
-          <a:stretch>
-            <a:fillRect/>
-          </a:stretch>
-        </p:blipFill>
-        <p:spPr>
-          <a:xfrm>
-            <a:off x="0" y="6084547"/>
-            <a:ext cx="453908" cy="426973"/>
-          </a:xfrm>
-          <a:prstGeom prst="rect">
-            <a:avLst/>
-          </a:prstGeom>
-        </p:spPr>
-      </p:pic>
     </p:spTree>
     <p:extLst>
       <p:ext uri="{BB962C8B-B14F-4D97-AF65-F5344CB8AC3E}">
@@ -5301,29 +5103,6 @@
           </a:p>
         </p:txBody>
       </p:sp>
-      <p:pic>
-        <p:nvPicPr>
-          <p:cNvPr id="5" name="图片 4" descr="标识20150225.png"/>
-          <p:cNvPicPr/>
-          <p:nvPr userDrawn="1"/>
-        </p:nvPicPr>
-        <p:blipFill rotWithShape="1">
-          <a:blip r:embed="rId2" cstate="screen"/>
-          <a:srcRect/>
-          <a:stretch>
-            <a:fillRect/>
-          </a:stretch>
-        </p:blipFill>
-        <p:spPr>
-          <a:xfrm>
-            <a:off x="0" y="6084547"/>
-            <a:ext cx="453908" cy="426973"/>
-          </a:xfrm>
-          <a:prstGeom prst="rect">
-            <a:avLst/>
-          </a:prstGeom>
-        </p:spPr>
-      </p:pic>
     </p:spTree>
     <p:extLst>
       <p:ext uri="{BB962C8B-B14F-4D97-AF65-F5344CB8AC3E}">
@@ -5447,29 +5226,6 @@
           </a:p>
         </p:txBody>
       </p:sp>
-      <p:pic>
-        <p:nvPicPr>
-          <p:cNvPr id="5" name="图片 4" descr="标识20150225.png"/>
-          <p:cNvPicPr/>
-          <p:nvPr userDrawn="1"/>
-        </p:nvPicPr>
-        <p:blipFill rotWithShape="1">
-          <a:blip r:embed="rId2" cstate="screen"/>
-          <a:srcRect/>
-          <a:stretch>
-            <a:fillRect/>
-          </a:stretch>
-        </p:blipFill>
-        <p:spPr>
-          <a:xfrm>
-            <a:off x="0" y="6084547"/>
-            <a:ext cx="453908" cy="426973"/>
-          </a:xfrm>
-          <a:prstGeom prst="rect">
-            <a:avLst/>
-          </a:prstGeom>
-        </p:spPr>
-      </p:pic>
     </p:spTree>
     <p:extLst>
       <p:ext uri="{BB962C8B-B14F-4D97-AF65-F5344CB8AC3E}">
@@ -5593,29 +5349,6 @@
           </a:p>
         </p:txBody>
       </p:sp>
-      <p:pic>
-        <p:nvPicPr>
-          <p:cNvPr id="5" name="图片 4" descr="标识20150225.png"/>
-          <p:cNvPicPr/>
-          <p:nvPr userDrawn="1"/>
-        </p:nvPicPr>
-        <p:blipFill rotWithShape="1">
-          <a:blip r:embed="rId2" cstate="screen"/>
-          <a:srcRect/>
-          <a:stretch>
-            <a:fillRect/>
-          </a:stretch>
-        </p:blipFill>
-        <p:spPr>
-          <a:xfrm>
-            <a:off x="0" y="6084547"/>
-            <a:ext cx="453908" cy="426973"/>
-          </a:xfrm>
-          <a:prstGeom prst="rect">
-            <a:avLst/>
-          </a:prstGeom>
-        </p:spPr>
-      </p:pic>
     </p:spTree>
     <p:extLst>
       <p:ext uri="{BB962C8B-B14F-4D97-AF65-F5344CB8AC3E}">
@@ -5739,29 +5472,6 @@
           </a:p>
         </p:txBody>
       </p:sp>
-      <p:pic>
-        <p:nvPicPr>
-          <p:cNvPr id="5" name="图片 4" descr="标识20150225.png"/>
-          <p:cNvPicPr/>
-          <p:nvPr userDrawn="1"/>
-        </p:nvPicPr>
-        <p:blipFill rotWithShape="1">
-          <a:blip r:embed="rId2" cstate="screen"/>
-          <a:srcRect/>
-          <a:stretch>
-            <a:fillRect/>
-          </a:stretch>
-        </p:blipFill>
-        <p:spPr>
-          <a:xfrm>
-            <a:off x="0" y="6084547"/>
-            <a:ext cx="453908" cy="426973"/>
-          </a:xfrm>
-          <a:prstGeom prst="rect">
-            <a:avLst/>
-          </a:prstGeom>
-        </p:spPr>
-      </p:pic>
     </p:spTree>
     <p:extLst>
       <p:ext uri="{BB962C8B-B14F-4D97-AF65-F5344CB8AC3E}">
@@ -6586,29 +6296,6 @@
           </a:p>
         </p:txBody>
       </p:sp>
-      <p:pic>
-        <p:nvPicPr>
-          <p:cNvPr id="6" name="图片 5" descr="标识20150225.png"/>
-          <p:cNvPicPr/>
-          <p:nvPr userDrawn="1"/>
-        </p:nvPicPr>
-        <p:blipFill rotWithShape="1">
-          <a:blip r:embed="rId2" cstate="screen"/>
-          <a:srcRect/>
-          <a:stretch>
-            <a:fillRect/>
-          </a:stretch>
-        </p:blipFill>
-        <p:spPr>
-          <a:xfrm>
-            <a:off x="0" y="6084547"/>
-            <a:ext cx="453908" cy="426973"/>
-          </a:xfrm>
-          <a:prstGeom prst="rect">
-            <a:avLst/>
-          </a:prstGeom>
-        </p:spPr>
-      </p:pic>
     </p:spTree>
   </p:cSld>
   <p:clrMapOvr>
@@ -8193,29 +7880,6 @@
           </a:p>
         </p:txBody>
       </p:sp>
-      <p:pic>
-        <p:nvPicPr>
-          <p:cNvPr id="8" name="图片 7" descr="标识20150225.png"/>
-          <p:cNvPicPr/>
-          <p:nvPr userDrawn="1"/>
-        </p:nvPicPr>
-        <p:blipFill rotWithShape="1">
-          <a:blip r:embed="rId2" cstate="screen"/>
-          <a:srcRect/>
-          <a:stretch>
-            <a:fillRect/>
-          </a:stretch>
-        </p:blipFill>
-        <p:spPr>
-          <a:xfrm>
-            <a:off x="0" y="6084547"/>
-            <a:ext cx="453908" cy="426973"/>
-          </a:xfrm>
-          <a:prstGeom prst="rect">
-            <a:avLst/>
-          </a:prstGeom>
-        </p:spPr>
-      </p:pic>
     </p:spTree>
   </p:cSld>
   <p:clrMapOvr>
@@ -10002,29 +9666,6 @@
           </a:p>
         </p:txBody>
       </p:sp>
-      <p:pic>
-        <p:nvPicPr>
-          <p:cNvPr id="5" name="图片 4" descr="标识20150225.png"/>
-          <p:cNvPicPr/>
-          <p:nvPr userDrawn="1"/>
-        </p:nvPicPr>
-        <p:blipFill rotWithShape="1">
-          <a:blip r:embed="rId2" cstate="screen"/>
-          <a:srcRect/>
-          <a:stretch>
-            <a:fillRect/>
-          </a:stretch>
-        </p:blipFill>
-        <p:spPr>
-          <a:xfrm>
-            <a:off x="0" y="6084547"/>
-            <a:ext cx="453908" cy="426973"/>
-          </a:xfrm>
-          <a:prstGeom prst="rect">
-            <a:avLst/>
-          </a:prstGeom>
-        </p:spPr>
-      </p:pic>
     </p:spTree>
     <p:extLst>
       <p:ext uri="{BB962C8B-B14F-4D97-AF65-F5344CB8AC3E}">
@@ -10148,29 +9789,6 @@
           </a:p>
         </p:txBody>
       </p:sp>
-      <p:pic>
-        <p:nvPicPr>
-          <p:cNvPr id="5" name="图片 4" descr="标识20150225.png"/>
-          <p:cNvPicPr/>
-          <p:nvPr userDrawn="1"/>
-        </p:nvPicPr>
-        <p:blipFill rotWithShape="1">
-          <a:blip r:embed="rId2" cstate="screen"/>
-          <a:srcRect/>
-          <a:stretch>
-            <a:fillRect/>
-          </a:stretch>
-        </p:blipFill>
-        <p:spPr>
-          <a:xfrm>
-            <a:off x="0" y="6084547"/>
-            <a:ext cx="453908" cy="426973"/>
-          </a:xfrm>
-          <a:prstGeom prst="rect">
-            <a:avLst/>
-          </a:prstGeom>
-        </p:spPr>
-      </p:pic>
     </p:spTree>
     <p:extLst>
       <p:ext uri="{BB962C8B-B14F-4D97-AF65-F5344CB8AC3E}">
@@ -12289,6 +11907,701 @@
         </p:nvSpPr>
         <p:spPr>
           <a:xfrm>
+            <a:off x="46435" y="25228"/>
+            <a:ext cx="9937790" cy="513899"/>
+          </a:xfrm>
+        </p:spPr>
+        <p:txBody>
+          <a:bodyPr/>
+          <a:lstStyle/>
+          <a:p>
+            <a:r>
+              <a:rPr lang="zh-CN" altLang="en-US" dirty="0" smtClean="0">
+                <a:solidFill>
+                  <a:srgbClr val="18A2EF"/>
+                </a:solidFill>
+                <a:latin typeface="+mj-ea"/>
+                <a:ea typeface="+mj-ea"/>
+              </a:rPr>
+              <a:t>客户端负载均衡</a:t>
+            </a:r>
+            <a:endParaRPr lang="zh-CN" altLang="en-US" dirty="0">
+              <a:solidFill>
+                <a:srgbClr val="18A2EF"/>
+              </a:solidFill>
+              <a:latin typeface="+mj-ea"/>
+              <a:ea typeface="+mj-ea"/>
+            </a:endParaRPr>
+          </a:p>
+        </p:txBody>
+      </p:sp>
+      <p:sp>
+        <p:nvSpPr>
+          <p:cNvPr id="50" name="矩形 49"/>
+          <p:cNvSpPr/>
+          <p:nvPr/>
+        </p:nvSpPr>
+        <p:spPr>
+          <a:xfrm>
+            <a:off x="272896" y="736913"/>
+            <a:ext cx="5632157" cy="3170099"/>
+          </a:xfrm>
+          <a:prstGeom prst="rect">
+            <a:avLst/>
+          </a:prstGeom>
+        </p:spPr>
+        <p:txBody>
+          <a:bodyPr wrap="square">
+            <a:spAutoFit/>
+          </a:bodyPr>
+          <a:lstStyle/>
+          <a:p>
+            <a:pPr algn="just"/>
+            <a:endParaRPr lang="en-US" altLang="zh-CN" sz="2000" kern="100" dirty="0">
+              <a:latin typeface="Times New Roman" panose="02020603050405020304" pitchFamily="18" charset="0"/>
+              <a:cs typeface="Times New Roman" panose="02020603050405020304" pitchFamily="18" charset="0"/>
+            </a:endParaRPr>
+          </a:p>
+          <a:p>
+            <a:pPr algn="just"/>
+            <a:r>
+              <a:rPr lang="zh-CN" altLang="en-US" sz="2000" b="1" kern="100" dirty="0" smtClean="0">
+                <a:latin typeface="Times New Roman" panose="02020603050405020304" pitchFamily="18" charset="0"/>
+                <a:cs typeface="Times New Roman" panose="02020603050405020304" pitchFamily="18" charset="0"/>
+              </a:rPr>
+              <a:t>举例</a:t>
+            </a:r>
+            <a:r>
+              <a:rPr lang="zh-CN" altLang="zh-CN" sz="2000" b="1" kern="100" dirty="0" smtClean="0">
+                <a:latin typeface="Times New Roman" panose="02020603050405020304" pitchFamily="18" charset="0"/>
+                <a:cs typeface="Times New Roman" panose="02020603050405020304" pitchFamily="18" charset="0"/>
+              </a:rPr>
+              <a:t>：</a:t>
+            </a:r>
+            <a:endParaRPr lang="en-US" altLang="zh-CN" sz="2000" kern="100" dirty="0" smtClean="0">
+              <a:latin typeface="Times New Roman" panose="02020603050405020304" pitchFamily="18" charset="0"/>
+              <a:cs typeface="Times New Roman" panose="02020603050405020304" pitchFamily="18" charset="0"/>
+            </a:endParaRPr>
+          </a:p>
+          <a:p>
+            <a:pPr algn="just"/>
+            <a:r>
+              <a:rPr lang="en-US" altLang="zh-CN" sz="2000" kern="100" dirty="0" smtClean="0">
+                <a:latin typeface="Times New Roman" panose="02020603050405020304" pitchFamily="18" charset="0"/>
+                <a:cs typeface="Times New Roman" panose="02020603050405020304" pitchFamily="18" charset="0"/>
+              </a:rPr>
+              <a:t>1</a:t>
+            </a:r>
+            <a:r>
+              <a:rPr lang="zh-CN" altLang="en-US" sz="2000" kern="100" dirty="0" smtClean="0">
+                <a:latin typeface="Times New Roman" panose="02020603050405020304" pitchFamily="18" charset="0"/>
+                <a:cs typeface="Times New Roman" panose="02020603050405020304" pitchFamily="18" charset="0"/>
+              </a:rPr>
+              <a:t>、</a:t>
+            </a:r>
+            <a:r>
+              <a:rPr lang="en-US" altLang="zh-CN" sz="2000" i="1" dirty="0" smtClean="0"/>
+              <a:t> ./</a:t>
+            </a:r>
+            <a:r>
+              <a:rPr lang="en-US" altLang="zh-CN" sz="2000" i="1" dirty="0" err="1" smtClean="0"/>
+              <a:t>deploylocal.sh</a:t>
+            </a:r>
+            <a:r>
+              <a:rPr lang="en-US" altLang="zh-CN" sz="2000" i="1" dirty="0" smtClean="0"/>
+              <a:t> -a eureka-ribbon -b 8764 -c 8764 -d eureka-ribbon</a:t>
+            </a:r>
+          </a:p>
+          <a:p>
+            <a:pPr algn="just"/>
+            <a:endParaRPr lang="en-US" altLang="zh-CN" sz="2000" i="1" kern="100" dirty="0">
+              <a:latin typeface="Times New Roman" panose="02020603050405020304" pitchFamily="18" charset="0"/>
+              <a:cs typeface="Times New Roman" panose="02020603050405020304" pitchFamily="18" charset="0"/>
+            </a:endParaRPr>
+          </a:p>
+          <a:p>
+            <a:pPr algn="just"/>
+            <a:r>
+              <a:rPr lang="en-US" altLang="zh-CN" sz="2000" i="1" kern="100" dirty="0" smtClean="0">
+                <a:latin typeface="Times New Roman" panose="02020603050405020304" pitchFamily="18" charset="0"/>
+                <a:cs typeface="Times New Roman" panose="02020603050405020304" pitchFamily="18" charset="0"/>
+              </a:rPr>
+              <a:t>2</a:t>
+            </a:r>
+            <a:r>
+              <a:rPr lang="zh-CN" altLang="en-US" sz="2000" i="1" kern="100" dirty="0" smtClean="0">
+                <a:latin typeface="Times New Roman" panose="02020603050405020304" pitchFamily="18" charset="0"/>
+                <a:cs typeface="Times New Roman" panose="02020603050405020304" pitchFamily="18" charset="0"/>
+              </a:rPr>
+              <a:t>、访问</a:t>
+            </a:r>
+            <a:r>
+              <a:rPr lang="en-US" altLang="zh-CN" sz="2000" i="1" kern="100" dirty="0">
+                <a:latin typeface="Times New Roman" panose="02020603050405020304" pitchFamily="18" charset="0"/>
+                <a:cs typeface="Times New Roman" panose="02020603050405020304" pitchFamily="18" charset="0"/>
+              </a:rPr>
+              <a:t>http://</a:t>
+            </a:r>
+            <a:r>
+              <a:rPr lang="en-US" altLang="zh-CN" sz="2000" i="1" kern="100" dirty="0" smtClean="0">
+                <a:latin typeface="Times New Roman" panose="02020603050405020304" pitchFamily="18" charset="0"/>
+                <a:cs typeface="Times New Roman" panose="02020603050405020304" pitchFamily="18" charset="0"/>
+              </a:rPr>
+              <a:t>localhost:8764/</a:t>
+            </a:r>
+            <a:r>
+              <a:rPr lang="en-US" altLang="zh-CN" sz="2000" i="1" kern="100" dirty="0" err="1" smtClean="0">
+                <a:latin typeface="Times New Roman" panose="02020603050405020304" pitchFamily="18" charset="0"/>
+                <a:cs typeface="Times New Roman" panose="02020603050405020304" pitchFamily="18" charset="0"/>
+              </a:rPr>
+              <a:t>hi?name</a:t>
+            </a:r>
+            <a:r>
+              <a:rPr lang="en-US" altLang="zh-CN" sz="2000" i="1" kern="100" dirty="0" smtClean="0">
+                <a:latin typeface="Times New Roman" panose="02020603050405020304" pitchFamily="18" charset="0"/>
+                <a:cs typeface="Times New Roman" panose="02020603050405020304" pitchFamily="18" charset="0"/>
+              </a:rPr>
+              <a:t>=111</a:t>
+            </a:r>
+            <a:r>
+              <a:rPr lang="zh-CN" altLang="en-US" sz="2000" i="1" kern="100" dirty="0" smtClean="0">
+                <a:latin typeface="Times New Roman" panose="02020603050405020304" pitchFamily="18" charset="0"/>
+                <a:cs typeface="Times New Roman" panose="02020603050405020304" pitchFamily="18" charset="0"/>
+              </a:rPr>
+              <a:t>多次刷新，看到不同的结果</a:t>
+            </a:r>
+            <a:endParaRPr lang="en-US" altLang="zh-CN" sz="2000" i="1" kern="100" dirty="0" smtClean="0">
+              <a:latin typeface="Times New Roman" panose="02020603050405020304" pitchFamily="18" charset="0"/>
+              <a:cs typeface="Times New Roman" panose="02020603050405020304" pitchFamily="18" charset="0"/>
+            </a:endParaRPr>
+          </a:p>
+          <a:p>
+            <a:pPr algn="just"/>
+            <a:endParaRPr lang="en-US" altLang="zh-CN" sz="2000" i="1" kern="100" dirty="0">
+              <a:latin typeface="Times New Roman" panose="02020603050405020304" pitchFamily="18" charset="0"/>
+              <a:cs typeface="Times New Roman" panose="02020603050405020304" pitchFamily="18" charset="0"/>
+            </a:endParaRPr>
+          </a:p>
+          <a:p>
+            <a:pPr algn="just"/>
+            <a:endParaRPr lang="en-US" altLang="zh-CN" sz="2000" i="1" kern="100" dirty="0" smtClean="0">
+              <a:latin typeface="Times New Roman" panose="02020603050405020304" pitchFamily="18" charset="0"/>
+              <a:cs typeface="Times New Roman" panose="02020603050405020304" pitchFamily="18" charset="0"/>
+            </a:endParaRPr>
+          </a:p>
+          <a:p>
+            <a:pPr algn="just"/>
+            <a:r>
+              <a:rPr lang="zh-CN" altLang="en-US" sz="2000" b="1" kern="100" dirty="0">
+                <a:latin typeface="Times New Roman" panose="02020603050405020304" pitchFamily="18" charset="0"/>
+                <a:cs typeface="Times New Roman" panose="02020603050405020304" pitchFamily="18" charset="0"/>
+              </a:rPr>
+              <a:t>小结：微服务引入</a:t>
+            </a:r>
+            <a:r>
+              <a:rPr lang="zh-CN" altLang="en-US" sz="2000" b="1" kern="100" dirty="0" smtClean="0">
+                <a:latin typeface="Times New Roman" panose="02020603050405020304" pitchFamily="18" charset="0"/>
+                <a:cs typeface="Times New Roman" panose="02020603050405020304" pitchFamily="18" charset="0"/>
+              </a:rPr>
+              <a:t>了客户端负载均衡</a:t>
+            </a:r>
+            <a:endParaRPr lang="en-US" altLang="zh-CN" sz="2000" kern="100" dirty="0">
+              <a:latin typeface="Times New Roman" panose="02020603050405020304" pitchFamily="18" charset="0"/>
+              <a:cs typeface="Times New Roman" panose="02020603050405020304" pitchFamily="18" charset="0"/>
+            </a:endParaRPr>
+          </a:p>
+        </p:txBody>
+      </p:sp>
+      <p:pic>
+        <p:nvPicPr>
+          <p:cNvPr id="4" name="图片 3"/>
+          <p:cNvPicPr>
+            <a:picLocks noChangeAspect="1"/>
+          </p:cNvPicPr>
+          <p:nvPr/>
+        </p:nvPicPr>
+        <p:blipFill>
+          <a:blip r:embed="rId3"/>
+          <a:stretch>
+            <a:fillRect/>
+          </a:stretch>
+        </p:blipFill>
+        <p:spPr>
+          <a:xfrm>
+            <a:off x="4846129" y="2665611"/>
+            <a:ext cx="5976664" cy="1257300"/>
+          </a:xfrm>
+          <a:prstGeom prst="rect">
+            <a:avLst/>
+          </a:prstGeom>
+        </p:spPr>
+      </p:pic>
+      <p:pic>
+        <p:nvPicPr>
+          <p:cNvPr id="5" name="图片 4"/>
+          <p:cNvPicPr>
+            <a:picLocks noChangeAspect="1"/>
+          </p:cNvPicPr>
+          <p:nvPr/>
+        </p:nvPicPr>
+        <p:blipFill>
+          <a:blip r:embed="rId4"/>
+          <a:stretch>
+            <a:fillRect/>
+          </a:stretch>
+        </p:blipFill>
+        <p:spPr>
+          <a:xfrm>
+            <a:off x="4846129" y="4309495"/>
+            <a:ext cx="6171492" cy="1739900"/>
+          </a:xfrm>
+          <a:prstGeom prst="rect">
+            <a:avLst/>
+          </a:prstGeom>
+        </p:spPr>
+      </p:pic>
+      <p:grpSp>
+        <p:nvGrpSpPr>
+          <p:cNvPr id="6" name="组 5"/>
+          <p:cNvGrpSpPr/>
+          <p:nvPr/>
+        </p:nvGrpSpPr>
+        <p:grpSpPr>
+          <a:xfrm>
+            <a:off x="1512565" y="4033763"/>
+            <a:ext cx="3001332" cy="1784771"/>
+            <a:chOff x="1512565" y="4033763"/>
+            <a:chExt cx="3001332" cy="1784771"/>
+          </a:xfrm>
+        </p:grpSpPr>
+        <p:grpSp>
+          <p:nvGrpSpPr>
+            <p:cNvPr id="8" name="组 7"/>
+            <p:cNvGrpSpPr/>
+            <p:nvPr/>
+          </p:nvGrpSpPr>
+          <p:grpSpPr>
+            <a:xfrm>
+              <a:off x="1512565" y="4033763"/>
+              <a:ext cx="3001332" cy="1784771"/>
+              <a:chOff x="1872605" y="3641825"/>
+              <a:chExt cx="3001332" cy="1784771"/>
+            </a:xfrm>
+          </p:grpSpPr>
+          <p:sp>
+            <p:nvSpPr>
+              <p:cNvPr id="9" name="矩形 8"/>
+              <p:cNvSpPr/>
+              <p:nvPr/>
+            </p:nvSpPr>
+            <p:spPr>
+              <a:xfrm>
+                <a:off x="1872605" y="3641825"/>
+                <a:ext cx="3001332" cy="1784771"/>
+              </a:xfrm>
+              <a:prstGeom prst="rect">
+                <a:avLst/>
+              </a:prstGeom>
+              <a:ln/>
+            </p:spPr>
+            <p:style>
+              <a:lnRef idx="2">
+                <a:schemeClr val="dk1"/>
+              </a:lnRef>
+              <a:fillRef idx="1">
+                <a:schemeClr val="lt1"/>
+              </a:fillRef>
+              <a:effectRef idx="0">
+                <a:schemeClr val="dk1"/>
+              </a:effectRef>
+              <a:fontRef idx="minor">
+                <a:schemeClr val="dk1"/>
+              </a:fontRef>
+            </p:style>
+            <p:txBody>
+              <a:bodyPr rtlCol="0" anchor="ctr"/>
+              <a:lstStyle/>
+              <a:p>
+                <a:pPr algn="ctr"/>
+                <a:endParaRPr kumimoji="1" lang="zh-CN" altLang="en-US" dirty="0" smtClean="0"/>
+              </a:p>
+            </p:txBody>
+          </p:sp>
+          <p:sp>
+            <p:nvSpPr>
+              <p:cNvPr id="10" name="折角形 9"/>
+              <p:cNvSpPr/>
+              <p:nvPr/>
+            </p:nvSpPr>
+            <p:spPr>
+              <a:xfrm>
+                <a:off x="1973124" y="3846441"/>
+                <a:ext cx="1132823" cy="360040"/>
+              </a:xfrm>
+              <a:prstGeom prst="foldedCorner">
+                <a:avLst/>
+              </a:prstGeom>
+              <a:solidFill>
+                <a:srgbClr val="92D050"/>
+              </a:solidFill>
+              <a:ln>
+                <a:solidFill>
+                  <a:schemeClr val="tx2">
+                    <a:lumMod val="40000"/>
+                    <a:lumOff val="60000"/>
+                  </a:schemeClr>
+                </a:solidFill>
+              </a:ln>
+            </p:spPr>
+            <p:style>
+              <a:lnRef idx="2">
+                <a:schemeClr val="accent1">
+                  <a:shade val="50000"/>
+                </a:schemeClr>
+              </a:lnRef>
+              <a:fillRef idx="1">
+                <a:schemeClr val="accent1"/>
+              </a:fillRef>
+              <a:effectRef idx="0">
+                <a:schemeClr val="accent1"/>
+              </a:effectRef>
+              <a:fontRef idx="minor">
+                <a:schemeClr val="lt1"/>
+              </a:fontRef>
+            </p:style>
+            <p:txBody>
+              <a:bodyPr rtlCol="0" anchor="ctr"/>
+              <a:lstStyle/>
+              <a:p>
+                <a:pPr algn="ctr"/>
+                <a:r>
+                  <a:rPr kumimoji="1" lang="zh-CN" altLang="en-US" sz="1050" dirty="0" smtClean="0"/>
+                  <a:t>服务注册（</a:t>
+                </a:r>
+                <a:r>
+                  <a:rPr kumimoji="1" lang="en-US" altLang="zh-CN" sz="1050" dirty="0" smtClean="0"/>
+                  <a:t>Eureka</a:t>
+                </a:r>
+                <a:r>
+                  <a:rPr kumimoji="1" lang="zh-CN" altLang="en-US" sz="1050" dirty="0" smtClean="0"/>
+                  <a:t> </a:t>
+                </a:r>
+                <a:r>
+                  <a:rPr kumimoji="1" lang="en-US" altLang="zh-CN" sz="1050" dirty="0" smtClean="0"/>
+                  <a:t>Client</a:t>
+                </a:r>
+                <a:r>
+                  <a:rPr kumimoji="1" lang="zh-CN" altLang="en-US" sz="1050" dirty="0" smtClean="0"/>
+                  <a:t>）</a:t>
+                </a:r>
+              </a:p>
+            </p:txBody>
+          </p:sp>
+          <p:grpSp>
+            <p:nvGrpSpPr>
+              <p:cNvPr id="11" name="组 10"/>
+              <p:cNvGrpSpPr/>
+              <p:nvPr/>
+            </p:nvGrpSpPr>
+            <p:grpSpPr>
+              <a:xfrm>
+                <a:off x="3186967" y="3846441"/>
+                <a:ext cx="1571076" cy="1368152"/>
+                <a:chOff x="4115246" y="4105771"/>
+                <a:chExt cx="1597849" cy="1368152"/>
+              </a:xfrm>
+            </p:grpSpPr>
+            <p:sp>
+              <p:nvSpPr>
+                <p:cNvPr id="12" name="矩形 11"/>
+                <p:cNvSpPr/>
+                <p:nvPr/>
+              </p:nvSpPr>
+              <p:spPr>
+                <a:xfrm>
+                  <a:off x="4115246" y="4105771"/>
+                  <a:ext cx="1597849" cy="1368152"/>
+                </a:xfrm>
+                <a:prstGeom prst="rect">
+                  <a:avLst/>
+                </a:prstGeom>
+                <a:ln/>
+              </p:spPr>
+              <p:style>
+                <a:lnRef idx="2">
+                  <a:schemeClr val="accent1"/>
+                </a:lnRef>
+                <a:fillRef idx="1">
+                  <a:schemeClr val="lt1"/>
+                </a:fillRef>
+                <a:effectRef idx="0">
+                  <a:schemeClr val="accent1"/>
+                </a:effectRef>
+                <a:fontRef idx="minor">
+                  <a:schemeClr val="dk1"/>
+                </a:fontRef>
+              </p:style>
+              <p:txBody>
+                <a:bodyPr rtlCol="0" anchor="t"/>
+                <a:lstStyle/>
+                <a:p>
+                  <a:pPr algn="ctr"/>
+                  <a:r>
+                    <a:rPr kumimoji="1" lang="en-US" altLang="zh-CN" sz="1100" dirty="0" smtClean="0"/>
+                    <a:t>MicroService1</a:t>
+                  </a:r>
+                </a:p>
+                <a:p>
+                  <a:pPr algn="ctr"/>
+                  <a:r>
+                    <a:rPr kumimoji="1" lang="en-US" altLang="zh-CN" sz="1100" dirty="0" smtClean="0"/>
+                    <a:t>cluster</a:t>
+                  </a:r>
+                  <a:endParaRPr kumimoji="1" lang="zh-CN" altLang="en-US" sz="1100" dirty="0" smtClean="0"/>
+                </a:p>
+              </p:txBody>
+            </p:sp>
+            <p:sp>
+              <p:nvSpPr>
+                <p:cNvPr id="14" name="矩形 13"/>
+                <p:cNvSpPr/>
+                <p:nvPr/>
+              </p:nvSpPr>
+              <p:spPr>
+                <a:xfrm>
+                  <a:off x="4176861" y="4753843"/>
+                  <a:ext cx="421656" cy="576064"/>
+                </a:xfrm>
+                <a:prstGeom prst="rect">
+                  <a:avLst/>
+                </a:prstGeom>
+                <a:ln/>
+              </p:spPr>
+              <p:style>
+                <a:lnRef idx="2">
+                  <a:schemeClr val="accent1"/>
+                </a:lnRef>
+                <a:fillRef idx="1">
+                  <a:schemeClr val="lt1"/>
+                </a:fillRef>
+                <a:effectRef idx="0">
+                  <a:schemeClr val="accent1"/>
+                </a:effectRef>
+                <a:fontRef idx="minor">
+                  <a:schemeClr val="dk1"/>
+                </a:fontRef>
+              </p:style>
+              <p:txBody>
+                <a:bodyPr rtlCol="0" anchor="ctr"/>
+                <a:lstStyle/>
+                <a:p>
+                  <a:pPr algn="ctr"/>
+                  <a:r>
+                    <a:rPr kumimoji="1" lang="en-US" altLang="zh-CN" sz="1100" smtClean="0"/>
+                    <a:t>N1</a:t>
+                  </a:r>
+                  <a:endParaRPr kumimoji="1" lang="en-US" altLang="zh-CN" sz="1100" dirty="0" smtClean="0"/>
+                </a:p>
+              </p:txBody>
+            </p:sp>
+            <p:sp>
+              <p:nvSpPr>
+                <p:cNvPr id="15" name="矩形 14"/>
+                <p:cNvSpPr/>
+                <p:nvPr/>
+              </p:nvSpPr>
+              <p:spPr>
+                <a:xfrm>
+                  <a:off x="4691309" y="4753843"/>
+                  <a:ext cx="421656" cy="576064"/>
+                </a:xfrm>
+                <a:prstGeom prst="rect">
+                  <a:avLst/>
+                </a:prstGeom>
+                <a:ln/>
+              </p:spPr>
+              <p:style>
+                <a:lnRef idx="2">
+                  <a:schemeClr val="accent1"/>
+                </a:lnRef>
+                <a:fillRef idx="1">
+                  <a:schemeClr val="lt1"/>
+                </a:fillRef>
+                <a:effectRef idx="0">
+                  <a:schemeClr val="accent1"/>
+                </a:effectRef>
+                <a:fontRef idx="minor">
+                  <a:schemeClr val="dk1"/>
+                </a:fontRef>
+              </p:style>
+              <p:txBody>
+                <a:bodyPr rtlCol="0" anchor="ctr"/>
+                <a:lstStyle/>
+                <a:p>
+                  <a:pPr algn="ctr"/>
+                  <a:r>
+                    <a:rPr kumimoji="1" lang="en-US" altLang="zh-CN" sz="1100" dirty="0" smtClean="0"/>
+                    <a:t>N2</a:t>
+                  </a:r>
+                </a:p>
+              </p:txBody>
+            </p:sp>
+            <p:sp>
+              <p:nvSpPr>
+                <p:cNvPr id="16" name="矩形 15"/>
+                <p:cNvSpPr/>
+                <p:nvPr/>
+              </p:nvSpPr>
+              <p:spPr>
+                <a:xfrm>
+                  <a:off x="5195365" y="4753843"/>
+                  <a:ext cx="421656" cy="576064"/>
+                </a:xfrm>
+                <a:prstGeom prst="rect">
+                  <a:avLst/>
+                </a:prstGeom>
+                <a:ln/>
+              </p:spPr>
+              <p:style>
+                <a:lnRef idx="2">
+                  <a:schemeClr val="accent1"/>
+                </a:lnRef>
+                <a:fillRef idx="1">
+                  <a:schemeClr val="lt1"/>
+                </a:fillRef>
+                <a:effectRef idx="0">
+                  <a:schemeClr val="accent1"/>
+                </a:effectRef>
+                <a:fontRef idx="minor">
+                  <a:schemeClr val="dk1"/>
+                </a:fontRef>
+              </p:style>
+              <p:txBody>
+                <a:bodyPr rtlCol="0" anchor="ctr"/>
+                <a:lstStyle/>
+                <a:p>
+                  <a:pPr algn="ctr"/>
+                  <a:r>
+                    <a:rPr kumimoji="1" lang="en-US" altLang="zh-CN" sz="1100" dirty="0" smtClean="0"/>
+                    <a:t>N..</a:t>
+                  </a:r>
+                </a:p>
+              </p:txBody>
+            </p:sp>
+          </p:grpSp>
+        </p:grpSp>
+        <p:sp>
+          <p:nvSpPr>
+            <p:cNvPr id="17" name="折角形 16"/>
+            <p:cNvSpPr/>
+            <p:nvPr/>
+          </p:nvSpPr>
+          <p:spPr>
+            <a:xfrm>
+              <a:off x="1614419" y="4623015"/>
+              <a:ext cx="1152128" cy="360040"/>
+            </a:xfrm>
+            <a:prstGeom prst="foldedCorner">
+              <a:avLst/>
+            </a:prstGeom>
+            <a:solidFill>
+              <a:schemeClr val="accent1"/>
+            </a:solidFill>
+            <a:ln>
+              <a:solidFill>
+                <a:schemeClr val="tx2">
+                  <a:lumMod val="40000"/>
+                  <a:lumOff val="60000"/>
+                </a:schemeClr>
+              </a:solidFill>
+            </a:ln>
+          </p:spPr>
+          <p:style>
+            <a:lnRef idx="2">
+              <a:schemeClr val="accent1">
+                <a:shade val="50000"/>
+              </a:schemeClr>
+            </a:lnRef>
+            <a:fillRef idx="1">
+              <a:schemeClr val="accent1"/>
+            </a:fillRef>
+            <a:effectRef idx="0">
+              <a:schemeClr val="accent1"/>
+            </a:effectRef>
+            <a:fontRef idx="minor">
+              <a:schemeClr val="lt1"/>
+            </a:fontRef>
+          </p:style>
+          <p:txBody>
+            <a:bodyPr rtlCol="0" anchor="ctr"/>
+            <a:lstStyle/>
+            <a:p>
+              <a:pPr algn="ctr"/>
+              <a:r>
+                <a:rPr kumimoji="1" lang="zh-CN" altLang="en-US" sz="1050" dirty="0" smtClean="0"/>
+                <a:t>客户端负载均衡（</a:t>
+              </a:r>
+              <a:r>
+                <a:rPr kumimoji="1" lang="en-US" altLang="zh-CN" sz="1050" dirty="0" smtClean="0"/>
+                <a:t>Ribbon</a:t>
+              </a:r>
+              <a:r>
+                <a:rPr kumimoji="1" lang="zh-CN" altLang="en-US" sz="1050" dirty="0" smtClean="0"/>
+                <a:t>）</a:t>
+              </a:r>
+            </a:p>
+          </p:txBody>
+        </p:sp>
+      </p:grpSp>
+    </p:spTree>
+    <p:extLst>
+      <p:ext uri="{BB962C8B-B14F-4D97-AF65-F5344CB8AC3E}">
+        <p14:creationId xmlns:p14="http://schemas.microsoft.com/office/powerpoint/2010/main" val="1841311735"/>
+      </p:ext>
+    </p:extLst>
+  </p:cSld>
+  <p:clrMapOvr>
+    <a:masterClrMapping/>
+  </p:clrMapOvr>
+  <p:timing>
+    <p:tnLst>
+      <p:par>
+        <p:cTn id="1" dur="indefinite" restart="never" nodeType="tmRoot"/>
+      </p:par>
+    </p:tnLst>
+  </p:timing>
+</p:sld>
+</file>
+
+<file path=ppt/slides/slide11.xml><?xml version="1.0" encoding="utf-8"?>
+<p:sld xmlns:a="http://schemas.openxmlformats.org/drawingml/2006/main" xmlns:r="http://schemas.openxmlformats.org/officeDocument/2006/relationships" xmlns:p="http://schemas.openxmlformats.org/presentationml/2006/main">
+  <p:cSld>
+    <p:spTree>
+      <p:nvGrpSpPr>
+        <p:cNvPr id="1" name=""/>
+        <p:cNvGrpSpPr/>
+        <p:nvPr/>
+      </p:nvGrpSpPr>
+      <p:grpSpPr>
+        <a:xfrm>
+          <a:off x="0" y="0"/>
+          <a:ext cx="0" cy="0"/>
+          <a:chOff x="0" y="0"/>
+          <a:chExt cx="0" cy="0"/>
+        </a:xfrm>
+      </p:grpSpPr>
+      <p:sp>
+        <p:nvSpPr>
+          <p:cNvPr id="13" name="标题 1"/>
+          <p:cNvSpPr>
+            <a:spLocks noGrp="1"/>
+          </p:cNvSpPr>
+          <p:nvPr>
+            <p:ph type="title"/>
+          </p:nvPr>
+        </p:nvSpPr>
+        <p:spPr>
+          <a:xfrm>
             <a:off x="0" y="-12692"/>
             <a:ext cx="9937790" cy="513899"/>
           </a:xfrm>
@@ -12325,7 +12638,7 @@
         </p:nvGrpSpPr>
         <p:grpSpPr>
           <a:xfrm>
-            <a:off x="9645128" y="937419"/>
+            <a:off x="9693844" y="937419"/>
             <a:ext cx="1535192" cy="1368152"/>
             <a:chOff x="6870758" y="2070639"/>
             <a:chExt cx="1535192" cy="1368152"/>
@@ -13172,7 +13485,7 @@
         <p:spPr>
           <a:xfrm>
             <a:off x="8456645" y="1621495"/>
-            <a:ext cx="1188483" cy="0"/>
+            <a:ext cx="1237199" cy="0"/>
           </a:xfrm>
           <a:prstGeom prst="straightConnector1">
             <a:avLst/>
@@ -13206,7 +13519,7 @@
         </p:nvCxnSpPr>
         <p:spPr>
           <a:xfrm>
-            <a:off x="10412724" y="2305571"/>
+            <a:off x="10461440" y="2305571"/>
             <a:ext cx="0" cy="706425"/>
           </a:xfrm>
           <a:prstGeom prst="straightConnector1">
@@ -13287,7 +13600,7 @@
 </p:sld>
 </file>
 
-<file path=ppt/slides/slide11.xml><?xml version="1.0" encoding="utf-8"?>
+<file path=ppt/slides/slide12.xml><?xml version="1.0" encoding="utf-8"?>
 <p:sld xmlns:a="http://schemas.openxmlformats.org/drawingml/2006/main" xmlns:r="http://schemas.openxmlformats.org/officeDocument/2006/relationships" xmlns:p="http://schemas.openxmlformats.org/presentationml/2006/main">
   <p:cSld>
     <p:spTree>
@@ -14449,7 +14762,7 @@
 </p:sld>
 </file>
 
-<file path=ppt/slides/slide12.xml><?xml version="1.0" encoding="utf-8"?>
+<file path=ppt/slides/slide13.xml><?xml version="1.0" encoding="utf-8"?>
 <p:sld xmlns:a="http://schemas.openxmlformats.org/drawingml/2006/main" xmlns:r="http://schemas.openxmlformats.org/officeDocument/2006/relationships" xmlns:p="http://schemas.openxmlformats.org/presentationml/2006/main">
   <p:cSld>
     <p:spTree>
@@ -15423,7 +15736,7 @@
 </p:sld>
 </file>
 
-<file path=ppt/slides/slide13.xml><?xml version="1.0" encoding="utf-8"?>
+<file path=ppt/slides/slide14.xml><?xml version="1.0" encoding="utf-8"?>
 <p:sld xmlns:a="http://schemas.openxmlformats.org/drawingml/2006/main" xmlns:r="http://schemas.openxmlformats.org/officeDocument/2006/relationships" xmlns:p="http://schemas.openxmlformats.org/presentationml/2006/main">
   <p:cSld>
     <p:spTree>
@@ -16841,7 +17154,7 @@
 </p:sld>
 </file>
 
-<file path=ppt/slides/slide14.xml><?xml version="1.0" encoding="utf-8"?>
+<file path=ppt/slides/slide15.xml><?xml version="1.0" encoding="utf-8"?>
 <p:sld xmlns:a="http://schemas.openxmlformats.org/drawingml/2006/main" xmlns:r="http://schemas.openxmlformats.org/officeDocument/2006/relationships" xmlns:p="http://schemas.openxmlformats.org/presentationml/2006/main">
   <p:cSld>
     <p:spTree>
@@ -17551,7 +17864,7 @@
 </p:sld>
 </file>
 
-<file path=ppt/slides/slide15.xml><?xml version="1.0" encoding="utf-8"?>
+<file path=ppt/slides/slide16.xml><?xml version="1.0" encoding="utf-8"?>
 <p:sld xmlns:a="http://schemas.openxmlformats.org/drawingml/2006/main" xmlns:r="http://schemas.openxmlformats.org/officeDocument/2006/relationships" xmlns:p="http://schemas.openxmlformats.org/presentationml/2006/main">
   <p:cSld>
     <p:spTree>
@@ -19450,7 +19763,7 @@
 </p:sld>
 </file>
 
-<file path=ppt/slides/slide16.xml><?xml version="1.0" encoding="utf-8"?>
+<file path=ppt/slides/slide17.xml><?xml version="1.0" encoding="utf-8"?>
 <p:sld xmlns:a="http://schemas.openxmlformats.org/drawingml/2006/main" xmlns:r="http://schemas.openxmlformats.org/officeDocument/2006/relationships" xmlns:p="http://schemas.openxmlformats.org/presentationml/2006/main">
   <p:cSld>
     <p:spTree>
@@ -19673,7 +19986,7 @@
 </p:sld>
 </file>
 
-<file path=ppt/slides/slide17.xml><?xml version="1.0" encoding="utf-8"?>
+<file path=ppt/slides/slide18.xml><?xml version="1.0" encoding="utf-8"?>
 <p:sld xmlns:a="http://schemas.openxmlformats.org/drawingml/2006/main" xmlns:r="http://schemas.openxmlformats.org/officeDocument/2006/relationships" xmlns:p="http://schemas.openxmlformats.org/presentationml/2006/main">
   <p:cSld>
     <p:spTree>
@@ -21242,7 +21555,7 @@
 </p:sld>
 </file>
 
-<file path=ppt/slides/slide18.xml><?xml version="1.0" encoding="utf-8"?>
+<file path=ppt/slides/slide19.xml><?xml version="1.0" encoding="utf-8"?>
 <p:sld xmlns:a="http://schemas.openxmlformats.org/drawingml/2006/main" xmlns:r="http://schemas.openxmlformats.org/officeDocument/2006/relationships" xmlns:p="http://schemas.openxmlformats.org/presentationml/2006/main">
   <p:cSld>
     <p:spTree>
@@ -21358,7 +21671,7 @@
         <p:spPr>
           <a:xfrm>
             <a:off x="190646" y="1023800"/>
-            <a:ext cx="5632157" cy="3170099"/>
+            <a:ext cx="5632157" cy="5632311"/>
           </a:xfrm>
           <a:prstGeom prst="rect">
             <a:avLst/>
@@ -21531,6 +21844,107 @@
                 <a:cs typeface="Times New Roman" panose="02020603050405020304" pitchFamily="18" charset="0"/>
               </a:rPr>
               <a:t>提交，然后重启服务</a:t>
+            </a:r>
+            <a:endParaRPr lang="en-US" altLang="zh-CN" sz="2000" kern="100" dirty="0" smtClean="0">
+              <a:latin typeface="Times New Roman" panose="02020603050405020304" pitchFamily="18" charset="0"/>
+              <a:cs typeface="Times New Roman" panose="02020603050405020304" pitchFamily="18" charset="0"/>
+            </a:endParaRPr>
+          </a:p>
+          <a:p>
+            <a:pPr algn="just"/>
+            <a:endParaRPr lang="en-US" altLang="zh-CN" sz="2000" i="1" kern="100" dirty="0">
+              <a:latin typeface="Times New Roman" panose="02020603050405020304" pitchFamily="18" charset="0"/>
+              <a:cs typeface="Times New Roman" panose="02020603050405020304" pitchFamily="18" charset="0"/>
+            </a:endParaRPr>
+          </a:p>
+          <a:p>
+            <a:pPr algn="just"/>
+            <a:endParaRPr lang="en-US" altLang="zh-CN" sz="2000" i="1" kern="100" dirty="0" smtClean="0">
+              <a:latin typeface="Times New Roman" panose="02020603050405020304" pitchFamily="18" charset="0"/>
+              <a:cs typeface="Times New Roman" panose="02020603050405020304" pitchFamily="18" charset="0"/>
+            </a:endParaRPr>
+          </a:p>
+          <a:p>
+            <a:pPr algn="just"/>
+            <a:r>
+              <a:rPr lang="en-US" altLang="zh-CN" sz="2000" dirty="0"/>
+              <a:t>/{application}/{profile}[/{label}] </a:t>
+            </a:r>
+            <a:endParaRPr lang="en-US" altLang="zh-CN" sz="2000" dirty="0" smtClean="0"/>
+          </a:p>
+          <a:p>
+            <a:pPr algn="just"/>
+            <a:r>
+              <a:rPr lang="en-US" altLang="zh-CN" sz="2000" dirty="0" smtClean="0"/>
+              <a:t>/{</a:t>
+            </a:r>
+            <a:r>
+              <a:rPr lang="en-US" altLang="zh-CN" sz="2000" dirty="0"/>
+              <a:t>application}-{profile}.</a:t>
+            </a:r>
+            <a:r>
+              <a:rPr lang="en-US" altLang="zh-CN" sz="2000" dirty="0" err="1"/>
+              <a:t>yml</a:t>
+            </a:r>
+            <a:r>
+              <a:rPr lang="en-US" altLang="zh-CN" sz="2000" dirty="0"/>
+              <a:t> </a:t>
+            </a:r>
+            <a:endParaRPr lang="en-US" altLang="zh-CN" sz="2000" dirty="0" smtClean="0"/>
+          </a:p>
+          <a:p>
+            <a:pPr algn="just"/>
+            <a:r>
+              <a:rPr lang="en-US" altLang="zh-CN" sz="2000" dirty="0" smtClean="0"/>
+              <a:t>/{</a:t>
+            </a:r>
+            <a:r>
+              <a:rPr lang="en-US" altLang="zh-CN" sz="2000" dirty="0"/>
+              <a:t>label}/{application}-{profile}.</a:t>
+            </a:r>
+            <a:r>
+              <a:rPr lang="en-US" altLang="zh-CN" sz="2000" dirty="0" err="1"/>
+              <a:t>yml</a:t>
+            </a:r>
+            <a:r>
+              <a:rPr lang="en-US" altLang="zh-CN" sz="2000" dirty="0"/>
+              <a:t> </a:t>
+            </a:r>
+            <a:endParaRPr lang="en-US" altLang="zh-CN" sz="2000" dirty="0" smtClean="0"/>
+          </a:p>
+          <a:p>
+            <a:pPr algn="just"/>
+            <a:r>
+              <a:rPr lang="en-US" altLang="zh-CN" sz="2000" dirty="0" smtClean="0"/>
+              <a:t>/{</a:t>
+            </a:r>
+            <a:r>
+              <a:rPr lang="en-US" altLang="zh-CN" sz="2000" dirty="0"/>
+              <a:t>application}-{profile}.properties </a:t>
+            </a:r>
+            <a:endParaRPr lang="en-US" altLang="zh-CN" sz="2000" dirty="0" smtClean="0"/>
+          </a:p>
+          <a:p>
+            <a:pPr algn="just"/>
+            <a:r>
+              <a:rPr lang="en-US" altLang="zh-CN" sz="2000" dirty="0" smtClean="0"/>
+              <a:t>//</a:t>
+            </a:r>
+            <a:r>
+              <a:rPr lang="zh-CN" altLang="en-US" sz="2000" dirty="0"/>
+              <a:t>测试通过，其他没有测试 </a:t>
+            </a:r>
+            <a:endParaRPr lang="en-US" altLang="zh-CN" sz="2000" dirty="0" smtClean="0"/>
+          </a:p>
+          <a:p>
+            <a:pPr algn="just"/>
+            <a:r>
+              <a:rPr lang="en-US" altLang="zh-CN" sz="2000" dirty="0" smtClean="0"/>
+              <a:t>/{</a:t>
+            </a:r>
+            <a:r>
+              <a:rPr lang="en-US" altLang="zh-CN" sz="2000" dirty="0"/>
+              <a:t>label}/{application}-{profile}.properties</a:t>
             </a:r>
             <a:endParaRPr lang="en-US" altLang="zh-CN" sz="2000" i="1" kern="100" dirty="0">
               <a:latin typeface="Times New Roman" panose="02020603050405020304" pitchFamily="18" charset="0"/>
@@ -21950,7 +22364,239 @@
 </p:sld>
 </file>
 
-<file path=ppt/slides/slide19.xml><?xml version="1.0" encoding="utf-8"?>
+<file path=ppt/slides/slide2.xml><?xml version="1.0" encoding="utf-8"?>
+<p:sld xmlns:a="http://schemas.openxmlformats.org/drawingml/2006/main" xmlns:r="http://schemas.openxmlformats.org/officeDocument/2006/relationships" xmlns:p="http://schemas.openxmlformats.org/presentationml/2006/main">
+  <p:cSld>
+    <p:spTree>
+      <p:nvGrpSpPr>
+        <p:cNvPr id="1" name=""/>
+        <p:cNvGrpSpPr/>
+        <p:nvPr/>
+      </p:nvGrpSpPr>
+      <p:grpSpPr>
+        <a:xfrm>
+          <a:off x="0" y="0"/>
+          <a:ext cx="0" cy="0"/>
+          <a:chOff x="0" y="0"/>
+          <a:chExt cx="0" cy="0"/>
+        </a:xfrm>
+      </p:grpSpPr>
+      <p:sp>
+        <p:nvSpPr>
+          <p:cNvPr id="13" name="标题 1"/>
+          <p:cNvSpPr>
+            <a:spLocks noGrp="1"/>
+          </p:cNvSpPr>
+          <p:nvPr>
+            <p:ph type="title"/>
+          </p:nvPr>
+        </p:nvSpPr>
+        <p:spPr/>
+        <p:txBody>
+          <a:bodyPr/>
+          <a:lstStyle/>
+          <a:p>
+            <a:r>
+              <a:rPr lang="zh-CN" altLang="en-US" dirty="0" smtClean="0">
+                <a:solidFill>
+                  <a:srgbClr val="18A2EF"/>
+                </a:solidFill>
+                <a:latin typeface="+mj-ea"/>
+                <a:ea typeface="+mj-ea"/>
+              </a:rPr>
+              <a:t>一、目录</a:t>
+            </a:r>
+            <a:endParaRPr lang="zh-CN" altLang="en-US" dirty="0">
+              <a:solidFill>
+                <a:srgbClr val="18A2EF"/>
+              </a:solidFill>
+              <a:latin typeface="+mj-ea"/>
+              <a:ea typeface="+mj-ea"/>
+            </a:endParaRPr>
+          </a:p>
+        </p:txBody>
+      </p:sp>
+      <p:sp>
+        <p:nvSpPr>
+          <p:cNvPr id="2" name="矩形 1"/>
+          <p:cNvSpPr/>
+          <p:nvPr/>
+        </p:nvSpPr>
+        <p:spPr>
+          <a:xfrm>
+            <a:off x="1008509" y="1153443"/>
+            <a:ext cx="6480720" cy="4247317"/>
+          </a:xfrm>
+          <a:prstGeom prst="rect">
+            <a:avLst/>
+          </a:prstGeom>
+        </p:spPr>
+        <p:txBody>
+          <a:bodyPr wrap="square">
+            <a:spAutoFit/>
+          </a:bodyPr>
+          <a:lstStyle/>
+          <a:p>
+            <a:r>
+              <a:rPr lang="zh-CN" altLang="en-US" dirty="0"/>
+              <a:t>1、微服务架构的特性(服务注册与发行、客户端负载均衡、断路器、服务路由与过滤、服务链路跟踪、集中配置中心、消息总线</a:t>
+            </a:r>
+            <a:r>
+              <a:rPr lang="zh-CN" altLang="en-US" dirty="0" smtClean="0"/>
+              <a:t>)</a:t>
+            </a:r>
+            <a:endParaRPr lang="en-US" altLang="zh-CN" dirty="0" smtClean="0"/>
+          </a:p>
+          <a:p>
+            <a:endParaRPr lang="en-US" altLang="zh-CN" dirty="0" smtClean="0"/>
+          </a:p>
+          <a:p>
+            <a:r>
+              <a:rPr lang="en-US" altLang="zh-CN" dirty="0"/>
+              <a:t>2</a:t>
+            </a:r>
+            <a:r>
+              <a:rPr lang="zh-CN" altLang="en-US" dirty="0" smtClean="0"/>
+              <a:t>、</a:t>
+            </a:r>
+            <a:r>
+              <a:rPr lang="zh-CN" altLang="en-US" dirty="0"/>
+              <a:t>分析架构  </a:t>
+            </a:r>
+            <a:endParaRPr lang="en-US" altLang="zh-CN" dirty="0" smtClean="0"/>
+          </a:p>
+          <a:p>
+            <a:r>
+              <a:rPr lang="zh-CN" altLang="en-US" dirty="0"/>
+              <a:t> </a:t>
+            </a:r>
+            <a:r>
+              <a:rPr lang="zh-CN" altLang="en-US" dirty="0" smtClean="0"/>
+              <a:t>    3.1</a:t>
+            </a:r>
+            <a:r>
+              <a:rPr lang="zh-CN" altLang="en-US" dirty="0"/>
+              <a:t>、总体  </a:t>
+            </a:r>
+            <a:endParaRPr lang="en-US" altLang="zh-CN" dirty="0" smtClean="0"/>
+          </a:p>
+          <a:p>
+            <a:r>
+              <a:rPr lang="zh-CN" altLang="en-US" dirty="0"/>
+              <a:t> </a:t>
+            </a:r>
+            <a:r>
+              <a:rPr lang="zh-CN" altLang="en-US" dirty="0" smtClean="0"/>
+              <a:t>    3.2</a:t>
+            </a:r>
+            <a:r>
+              <a:rPr lang="zh-CN" altLang="en-US" dirty="0"/>
+              <a:t>、细</a:t>
+            </a:r>
+            <a:r>
+              <a:rPr lang="zh-CN" altLang="en-US" dirty="0" smtClean="0"/>
+              <a:t>分</a:t>
+            </a:r>
+            <a:endParaRPr lang="en-US" altLang="zh-CN" dirty="0" smtClean="0"/>
+          </a:p>
+          <a:p>
+            <a:endParaRPr lang="en-US" altLang="zh-CN" dirty="0"/>
+          </a:p>
+          <a:p>
+            <a:r>
+              <a:rPr lang="en-US" altLang="zh-CN" dirty="0"/>
+              <a:t>3</a:t>
+            </a:r>
+            <a:r>
+              <a:rPr lang="zh-CN" altLang="en-US" dirty="0" smtClean="0"/>
+              <a:t>、</a:t>
+            </a:r>
+            <a:r>
+              <a:rPr lang="zh-CN" altLang="en-US" dirty="0"/>
+              <a:t>特性的举例演示  </a:t>
+            </a:r>
+            <a:endParaRPr lang="en-US" altLang="zh-CN" dirty="0" smtClean="0"/>
+          </a:p>
+          <a:p>
+            <a:endParaRPr lang="en-US" altLang="zh-CN" dirty="0"/>
+          </a:p>
+          <a:p>
+            <a:r>
+              <a:rPr lang="en-US" altLang="zh-CN" dirty="0"/>
+              <a:t>4</a:t>
+            </a:r>
+            <a:r>
+              <a:rPr lang="zh-CN" altLang="en-US" dirty="0" smtClean="0"/>
+              <a:t>、</a:t>
+            </a:r>
+            <a:r>
+              <a:rPr lang="zh-CN" altLang="en-US" dirty="0"/>
+              <a:t>spring-boot-</a:t>
+            </a:r>
+            <a:r>
+              <a:rPr lang="zh-CN" altLang="en-US" dirty="0" smtClean="0"/>
+              <a:t>admin</a:t>
+            </a:r>
+            <a:endParaRPr lang="en-US" altLang="zh-CN" dirty="0" smtClean="0"/>
+          </a:p>
+          <a:p>
+            <a:endParaRPr lang="en-US" altLang="zh-CN" dirty="0"/>
+          </a:p>
+          <a:p>
+            <a:r>
+              <a:rPr lang="en-US" altLang="zh-CN" dirty="0"/>
+              <a:t>5</a:t>
+            </a:r>
+            <a:r>
+              <a:rPr lang="zh-CN" altLang="en-US" dirty="0" smtClean="0"/>
+              <a:t>、</a:t>
+            </a:r>
+            <a:r>
+              <a:rPr lang="zh-CN" altLang="en-US" dirty="0"/>
+              <a:t>docker部署spring </a:t>
+            </a:r>
+            <a:r>
+              <a:rPr lang="zh-CN" altLang="en-US" dirty="0" smtClean="0"/>
+              <a:t>cloud</a:t>
+            </a:r>
+            <a:endParaRPr lang="en-US" altLang="zh-CN" dirty="0" smtClean="0"/>
+          </a:p>
+          <a:p>
+            <a:endParaRPr lang="en-US" altLang="zh-CN" dirty="0"/>
+          </a:p>
+          <a:p>
+            <a:r>
+              <a:rPr lang="zh-CN" altLang="en-US" dirty="0" smtClean="0"/>
+              <a:t>.</a:t>
+            </a:r>
+            <a:r>
+              <a:rPr lang="zh-CN" altLang="en-US" dirty="0"/>
+              <a:t>..</a:t>
+            </a:r>
+          </a:p>
+        </p:txBody>
+      </p:sp>
+    </p:spTree>
+    <p:extLst>
+      <p:ext uri="{BB962C8B-B14F-4D97-AF65-F5344CB8AC3E}">
+        <p14:creationId xmlns:p14="http://schemas.microsoft.com/office/powerpoint/2010/main" val="2154587637"/>
+      </p:ext>
+    </p:extLst>
+  </p:cSld>
+  <p:clrMapOvr>
+    <a:masterClrMapping/>
+  </p:clrMapOvr>
+  <p:timing>
+    <p:tnLst>
+      <p:par>
+        <p:cTn id="1" dur="indefinite" restart="never" nodeType="tmRoot"/>
+      </p:par>
+    </p:tnLst>
+  </p:timing>
+</p:sld>
+</file>
+
+<file path=ppt/slides/slide20.xml><?xml version="1.0" encoding="utf-8"?>
 <p:sld xmlns:a="http://schemas.openxmlformats.org/drawingml/2006/main" xmlns:r="http://schemas.openxmlformats.org/officeDocument/2006/relationships" xmlns:p="http://schemas.openxmlformats.org/presentationml/2006/main">
   <p:cSld>
     <p:spTree>
@@ -23554,106 +24200,7 @@
 </p:sld>
 </file>
 
-<file path=ppt/slides/slide2.xml><?xml version="1.0" encoding="utf-8"?>
-<p:sld xmlns:a="http://schemas.openxmlformats.org/drawingml/2006/main" xmlns:r="http://schemas.openxmlformats.org/officeDocument/2006/relationships" xmlns:p="http://schemas.openxmlformats.org/presentationml/2006/main">
-  <p:cSld>
-    <p:spTree>
-      <p:nvGrpSpPr>
-        <p:cNvPr id="1" name=""/>
-        <p:cNvGrpSpPr/>
-        <p:nvPr/>
-      </p:nvGrpSpPr>
-      <p:grpSpPr>
-        <a:xfrm>
-          <a:off x="0" y="0"/>
-          <a:ext cx="0" cy="0"/>
-          <a:chOff x="0" y="0"/>
-          <a:chExt cx="0" cy="0"/>
-        </a:xfrm>
-      </p:grpSpPr>
-      <p:sp>
-        <p:nvSpPr>
-          <p:cNvPr id="13" name="标题 1"/>
-          <p:cNvSpPr>
-            <a:spLocks noGrp="1"/>
-          </p:cNvSpPr>
-          <p:nvPr>
-            <p:ph type="title"/>
-          </p:nvPr>
-        </p:nvSpPr>
-        <p:spPr/>
-        <p:txBody>
-          <a:bodyPr/>
-          <a:lstStyle/>
-          <a:p>
-            <a:r>
-              <a:rPr lang="zh-CN" altLang="en-US" dirty="0" smtClean="0">
-                <a:solidFill>
-                  <a:srgbClr val="18A2EF"/>
-                </a:solidFill>
-                <a:latin typeface="+mj-ea"/>
-                <a:ea typeface="+mj-ea"/>
-              </a:rPr>
-              <a:t>一、系统</a:t>
-            </a:r>
-            <a:r>
-              <a:rPr lang="zh-CN" altLang="en-US" dirty="0">
-                <a:solidFill>
-                  <a:srgbClr val="18A2EF"/>
-                </a:solidFill>
-                <a:latin typeface="+mj-ea"/>
-                <a:ea typeface="+mj-ea"/>
-              </a:rPr>
-              <a:t>架构</a:t>
-            </a:r>
-          </a:p>
-        </p:txBody>
-      </p:sp>
-      <p:pic>
-        <p:nvPicPr>
-          <p:cNvPr id="12" name="图片 11"/>
-          <p:cNvPicPr>
-            <a:picLocks noChangeAspect="1"/>
-          </p:cNvPicPr>
-          <p:nvPr/>
-        </p:nvPicPr>
-        <p:blipFill>
-          <a:blip r:embed="rId3"/>
-          <a:stretch>
-            <a:fillRect/>
-          </a:stretch>
-        </p:blipFill>
-        <p:spPr>
-          <a:xfrm>
-            <a:off x="1316815" y="760307"/>
-            <a:ext cx="9880597" cy="5087917"/>
-          </a:xfrm>
-          <a:prstGeom prst="rect">
-            <a:avLst/>
-          </a:prstGeom>
-        </p:spPr>
-      </p:pic>
-    </p:spTree>
-    <p:extLst>
-      <p:ext uri="{BB962C8B-B14F-4D97-AF65-F5344CB8AC3E}">
-        <p14:creationId xmlns:p14="http://schemas.microsoft.com/office/powerpoint/2010/main" val="2154587637"/>
-      </p:ext>
-    </p:extLst>
-  </p:cSld>
-  <p:clrMapOvr>
-    <a:masterClrMapping/>
-  </p:clrMapOvr>
-  <p:timing>
-    <p:tnLst>
-      <p:par>
-        <p:cTn id="1" dur="indefinite" restart="never" nodeType="tmRoot"/>
-      </p:par>
-    </p:tnLst>
-  </p:timing>
-</p:sld>
-</file>
-
-<file path=ppt/slides/slide20.xml><?xml version="1.0" encoding="utf-8"?>
+<file path=ppt/slides/slide21.xml><?xml version="1.0" encoding="utf-8"?>
 <p:sld xmlns:a="http://schemas.openxmlformats.org/drawingml/2006/main" xmlns:r="http://schemas.openxmlformats.org/officeDocument/2006/relationships" xmlns:p="http://schemas.openxmlformats.org/presentationml/2006/main">
   <p:cSld>
     <p:spTree>
@@ -23969,7 +24516,7 @@
             </a:r>
           </a:p>
           <a:p>
-            <a:pPr algn="just"/>
+            <a:pPr lvl="1" algn="just"/>
             <a:r>
               <a:rPr lang="en-US" altLang="zh-CN" sz="2000" dirty="0"/>
               <a:t>curl -X POST http://localhost:8769/bus/refresh</a:t>
@@ -24392,272 +24939,6 @@
 </p:sld>
 </file>
 
-<file path=ppt/slides/slide21.xml><?xml version="1.0" encoding="utf-8"?>
-<p:sld xmlns:a="http://schemas.openxmlformats.org/drawingml/2006/main" xmlns:r="http://schemas.openxmlformats.org/officeDocument/2006/relationships" xmlns:p="http://schemas.openxmlformats.org/presentationml/2006/main">
-  <p:cSld>
-    <p:spTree>
-      <p:nvGrpSpPr>
-        <p:cNvPr id="1" name=""/>
-        <p:cNvGrpSpPr/>
-        <p:nvPr/>
-      </p:nvGrpSpPr>
-      <p:grpSpPr>
-        <a:xfrm>
-          <a:off x="0" y="0"/>
-          <a:ext cx="0" cy="0"/>
-          <a:chOff x="0" y="0"/>
-          <a:chExt cx="0" cy="0"/>
-        </a:xfrm>
-      </p:grpSpPr>
-      <p:sp>
-        <p:nvSpPr>
-          <p:cNvPr id="13" name="标题 1"/>
-          <p:cNvSpPr>
-            <a:spLocks noGrp="1"/>
-          </p:cNvSpPr>
-          <p:nvPr>
-            <p:ph type="title"/>
-          </p:nvPr>
-        </p:nvSpPr>
-        <p:spPr>
-          <a:xfrm>
-            <a:off x="-30903" y="-25956"/>
-            <a:ext cx="9937790" cy="513899"/>
-          </a:xfrm>
-        </p:spPr>
-        <p:txBody>
-          <a:bodyPr>
-            <a:normAutofit fontScale="90000"/>
-          </a:bodyPr>
-          <a:lstStyle/>
-          <a:p>
-            <a:r>
-              <a:rPr lang="zh-CN" altLang="en-US" dirty="0" smtClean="0">
-                <a:solidFill>
-                  <a:srgbClr val="18A2EF"/>
-                </a:solidFill>
-                <a:latin typeface="+mj-ea"/>
-                <a:ea typeface="+mj-ea"/>
-              </a:rPr>
-              <a:t>九、</a:t>
-            </a:r>
-            <a:r>
-              <a:rPr lang="en-US" altLang="zh-CN" dirty="0" smtClean="0">
-                <a:solidFill>
-                  <a:srgbClr val="18A2EF"/>
-                </a:solidFill>
-                <a:latin typeface="+mj-ea"/>
-                <a:ea typeface="+mj-ea"/>
-              </a:rPr>
-              <a:t>Monitor</a:t>
-            </a:r>
-            <a:r>
-              <a:rPr lang="zh-CN" altLang="en-US" dirty="0" smtClean="0">
-                <a:solidFill>
-                  <a:srgbClr val="18A2EF"/>
-                </a:solidFill>
-                <a:latin typeface="+mj-ea"/>
-                <a:ea typeface="+mj-ea"/>
-              </a:rPr>
-              <a:t>集成</a:t>
-            </a:r>
-            <a:r>
-              <a:rPr lang="en-US" altLang="zh-CN" dirty="0" smtClean="0">
-                <a:solidFill>
-                  <a:srgbClr val="18A2EF"/>
-                </a:solidFill>
-                <a:latin typeface="+mj-ea"/>
-                <a:ea typeface="+mj-ea"/>
-              </a:rPr>
-              <a:t>Spring-boot-admin</a:t>
-            </a:r>
-            <a:r>
-              <a:rPr lang="zh-CN" altLang="en-US" dirty="0" smtClean="0">
-                <a:solidFill>
-                  <a:srgbClr val="18A2EF"/>
-                </a:solidFill>
-                <a:latin typeface="+mj-ea"/>
-                <a:ea typeface="+mj-ea"/>
-              </a:rPr>
-              <a:t> </a:t>
-            </a:r>
-            <a:endParaRPr lang="zh-CN" altLang="en-US" dirty="0">
-              <a:solidFill>
-                <a:srgbClr val="18A2EF"/>
-              </a:solidFill>
-              <a:latin typeface="+mj-ea"/>
-              <a:ea typeface="+mj-ea"/>
-            </a:endParaRPr>
-          </a:p>
-        </p:txBody>
-      </p:sp>
-      <p:sp>
-        <p:nvSpPr>
-          <p:cNvPr id="59" name="矩形 58"/>
-          <p:cNvSpPr/>
-          <p:nvPr/>
-        </p:nvSpPr>
-        <p:spPr>
-          <a:xfrm>
-            <a:off x="190646" y="1023800"/>
-            <a:ext cx="5632157" cy="1015663"/>
-          </a:xfrm>
-          <a:prstGeom prst="rect">
-            <a:avLst/>
-          </a:prstGeom>
-        </p:spPr>
-        <p:txBody>
-          <a:bodyPr wrap="square">
-            <a:spAutoFit/>
-          </a:bodyPr>
-          <a:lstStyle/>
-          <a:p>
-            <a:pPr algn="just"/>
-            <a:r>
-              <a:rPr lang="zh-CN" altLang="en-US" sz="2000" b="1" kern="100" dirty="0" smtClean="0">
-                <a:latin typeface="Times New Roman" panose="02020603050405020304" pitchFamily="18" charset="0"/>
-                <a:cs typeface="Times New Roman" panose="02020603050405020304" pitchFamily="18" charset="0"/>
-              </a:rPr>
-              <a:t>举例</a:t>
-            </a:r>
-            <a:r>
-              <a:rPr lang="zh-CN" altLang="zh-CN" sz="2000" b="1" kern="100" dirty="0" smtClean="0">
-                <a:latin typeface="Times New Roman" panose="02020603050405020304" pitchFamily="18" charset="0"/>
-                <a:cs typeface="Times New Roman" panose="02020603050405020304" pitchFamily="18" charset="0"/>
-              </a:rPr>
-              <a:t>：</a:t>
-            </a:r>
-            <a:endParaRPr lang="en-US" altLang="zh-CN" sz="2000" kern="100" dirty="0" smtClean="0">
-              <a:latin typeface="Times New Roman" panose="02020603050405020304" pitchFamily="18" charset="0"/>
-              <a:cs typeface="Times New Roman" panose="02020603050405020304" pitchFamily="18" charset="0"/>
-            </a:endParaRPr>
-          </a:p>
-          <a:p>
-            <a:pPr algn="just"/>
-            <a:r>
-              <a:rPr lang="zh-CN" altLang="en-US" sz="2000" kern="100" dirty="0" smtClean="0">
-                <a:latin typeface="Times New Roman" panose="02020603050405020304" pitchFamily="18" charset="0"/>
-                <a:cs typeface="Times New Roman" panose="02020603050405020304" pitchFamily="18" charset="0"/>
-              </a:rPr>
-              <a:t>启动</a:t>
-            </a:r>
-            <a:endParaRPr lang="en-US" altLang="zh-CN" sz="2000" kern="100" dirty="0">
-              <a:latin typeface="Times New Roman" panose="02020603050405020304" pitchFamily="18" charset="0"/>
-              <a:cs typeface="Times New Roman" panose="02020603050405020304" pitchFamily="18" charset="0"/>
-            </a:endParaRPr>
-          </a:p>
-          <a:p>
-            <a:pPr algn="just"/>
-            <a:endParaRPr lang="en-US" altLang="zh-CN" sz="2000" kern="100" dirty="0" smtClean="0">
-              <a:latin typeface="Times New Roman" panose="02020603050405020304" pitchFamily="18" charset="0"/>
-              <a:cs typeface="Times New Roman" panose="02020603050405020304" pitchFamily="18" charset="0"/>
-            </a:endParaRPr>
-          </a:p>
-        </p:txBody>
-      </p:sp>
-      <p:sp>
-        <p:nvSpPr>
-          <p:cNvPr id="63" name="矩形 62"/>
-          <p:cNvSpPr/>
-          <p:nvPr/>
-        </p:nvSpPr>
-        <p:spPr>
-          <a:xfrm>
-            <a:off x="190646" y="1023800"/>
-            <a:ext cx="5632157" cy="1631216"/>
-          </a:xfrm>
-          <a:prstGeom prst="rect">
-            <a:avLst/>
-          </a:prstGeom>
-        </p:spPr>
-        <p:txBody>
-          <a:bodyPr wrap="square">
-            <a:spAutoFit/>
-          </a:bodyPr>
-          <a:lstStyle/>
-          <a:p>
-            <a:pPr algn="just"/>
-            <a:r>
-              <a:rPr lang="zh-CN" altLang="en-US" sz="2000" b="1" kern="100" dirty="0" smtClean="0">
-                <a:latin typeface="Times New Roman" panose="02020603050405020304" pitchFamily="18" charset="0"/>
-                <a:cs typeface="Times New Roman" panose="02020603050405020304" pitchFamily="18" charset="0"/>
-              </a:rPr>
-              <a:t>举例</a:t>
-            </a:r>
-            <a:r>
-              <a:rPr lang="zh-CN" altLang="zh-CN" sz="2000" b="1" kern="100" dirty="0" smtClean="0">
-                <a:latin typeface="Times New Roman" panose="02020603050405020304" pitchFamily="18" charset="0"/>
-                <a:cs typeface="Times New Roman" panose="02020603050405020304" pitchFamily="18" charset="0"/>
-              </a:rPr>
-              <a:t>：</a:t>
-            </a:r>
-            <a:endParaRPr lang="en-US" altLang="zh-CN" sz="2000" kern="100" dirty="0" smtClean="0">
-              <a:latin typeface="Times New Roman" panose="02020603050405020304" pitchFamily="18" charset="0"/>
-              <a:cs typeface="Times New Roman" panose="02020603050405020304" pitchFamily="18" charset="0"/>
-            </a:endParaRPr>
-          </a:p>
-          <a:p>
-            <a:pPr algn="just"/>
-            <a:r>
-              <a:rPr lang="zh-CN" altLang="en-US" sz="2000" kern="100" dirty="0" smtClean="0">
-                <a:latin typeface="Times New Roman" panose="02020603050405020304" pitchFamily="18" charset="0"/>
-                <a:cs typeface="Times New Roman" panose="02020603050405020304" pitchFamily="18" charset="0"/>
-              </a:rPr>
-              <a:t>启动</a:t>
-            </a:r>
-            <a:endParaRPr lang="en-US" altLang="zh-CN" sz="2000" kern="100" smtClean="0">
-              <a:latin typeface="Times New Roman" panose="02020603050405020304" pitchFamily="18" charset="0"/>
-              <a:cs typeface="Times New Roman" panose="02020603050405020304" pitchFamily="18" charset="0"/>
-            </a:endParaRPr>
-          </a:p>
-          <a:p>
-            <a:pPr algn="just"/>
-            <a:r>
-              <a:rPr lang="en-US" altLang="zh-CN" sz="2000" i="1" smtClean="0"/>
-              <a:t>./</a:t>
-            </a:r>
-            <a:r>
-              <a:rPr lang="en-US" altLang="zh-CN" sz="2000" i="1" dirty="0" err="1"/>
-              <a:t>deploylocal.sh</a:t>
-            </a:r>
-            <a:r>
-              <a:rPr lang="en-US" altLang="zh-CN" sz="2000" i="1" dirty="0"/>
-              <a:t> -a eureka-monitor -b 6789 -c 6789 -d eureka-monitor</a:t>
-            </a:r>
-            <a:endParaRPr lang="en-US" altLang="zh-CN" sz="2000" kern="100" dirty="0">
-              <a:latin typeface="Times New Roman" panose="02020603050405020304" pitchFamily="18" charset="0"/>
-              <a:cs typeface="Times New Roman" panose="02020603050405020304" pitchFamily="18" charset="0"/>
-            </a:endParaRPr>
-          </a:p>
-          <a:p>
-            <a:pPr algn="just"/>
-            <a:endParaRPr lang="en-US" altLang="zh-CN" sz="2000" kern="100" dirty="0" smtClean="0">
-              <a:latin typeface="Times New Roman" panose="02020603050405020304" pitchFamily="18" charset="0"/>
-              <a:cs typeface="Times New Roman" panose="02020603050405020304" pitchFamily="18" charset="0"/>
-            </a:endParaRPr>
-          </a:p>
-        </p:txBody>
-      </p:sp>
-    </p:spTree>
-    <p:extLst>
-      <p:ext uri="{BB962C8B-B14F-4D97-AF65-F5344CB8AC3E}">
-        <p14:creationId xmlns:p14="http://schemas.microsoft.com/office/powerpoint/2010/main" val="1998261531"/>
-      </p:ext>
-    </p:extLst>
-  </p:cSld>
-  <p:clrMapOvr>
-    <a:masterClrMapping/>
-  </p:clrMapOvr>
-  <p:timing>
-    <p:tnLst>
-      <p:par>
-        <p:cTn id="1" dur="indefinite" restart="never" nodeType="tmRoot"/>
-      </p:par>
-    </p:tnLst>
-  </p:timing>
-</p:sld>
-</file>
-
 <file path=ppt/slides/slide22.xml><?xml version="1.0" encoding="utf-8"?>
 <p:sld xmlns:a="http://schemas.openxmlformats.org/drawingml/2006/main" xmlns:r="http://schemas.openxmlformats.org/officeDocument/2006/relationships" xmlns:p="http://schemas.openxmlformats.org/presentationml/2006/main">
   <p:cSld>
@@ -24705,17 +24986,17 @@
                 <a:latin typeface="+mj-ea"/>
                 <a:ea typeface="+mj-ea"/>
               </a:rPr>
-              <a:t>十、</a:t>
-            </a:r>
-            <a:r>
-              <a:rPr lang="en-US" altLang="zh-CN" dirty="0" err="1" smtClean="0">
+              <a:t>九、</a:t>
+            </a:r>
+            <a:r>
+              <a:rPr lang="en-US" altLang="zh-CN" dirty="0" smtClean="0">
                 <a:solidFill>
                   <a:srgbClr val="18A2EF"/>
                 </a:solidFill>
                 <a:latin typeface="+mj-ea"/>
                 <a:ea typeface="+mj-ea"/>
               </a:rPr>
-              <a:t>Docker</a:t>
+              <a:t>Monitor</a:t>
             </a:r>
             <a:r>
               <a:rPr lang="zh-CN" altLang="en-US" dirty="0" smtClean="0">
@@ -24725,7 +25006,27 @@
                 <a:latin typeface="+mj-ea"/>
                 <a:ea typeface="+mj-ea"/>
               </a:rPr>
-              <a:t>部署</a:t>
+              <a:t>集成</a:t>
+            </a:r>
+            <a:r>
+              <a:rPr lang="en-US" altLang="zh-CN" dirty="0" smtClean="0">
+                <a:solidFill>
+                  <a:srgbClr val="18A2EF"/>
+                </a:solidFill>
+                <a:latin typeface="+mj-ea"/>
+                <a:ea typeface="+mj-ea"/>
+              </a:rPr>
+              <a:t>Spring-boot-admin</a:t>
+            </a:r>
+            <a:r>
+              <a:rPr lang="zh-CN" altLang="en-US" dirty="0" smtClean="0">
+                <a:solidFill>
+                  <a:srgbClr val="18A2EF"/>
+                </a:solidFill>
+                <a:latin typeface="+mj-ea"/>
+                <a:ea typeface="+mj-ea"/>
+              </a:rPr>
+              <a:t> </a:t>
             </a:r>
             <a:endParaRPr lang="zh-CN" altLang="en-US" dirty="0">
               <a:solidFill>
@@ -24851,7 +25152,7 @@
               </a:rPr>
               <a:t>启动</a:t>
             </a:r>
-            <a:endParaRPr lang="en-US" altLang="zh-CN" sz="2000" kern="100" smtClean="0">
+            <a:endParaRPr lang="en-US" altLang="zh-CN" sz="2000" kern="100" dirty="0" smtClean="0">
               <a:latin typeface="Times New Roman" panose="02020603050405020304" pitchFamily="18" charset="0"/>
               <a:cs typeface="Times New Roman" panose="02020603050405020304" pitchFamily="18" charset="0"/>
             </a:endParaRPr>
@@ -24859,7 +25160,7 @@
           <a:p>
             <a:pPr algn="just"/>
             <a:r>
-              <a:rPr lang="en-US" altLang="zh-CN" sz="2000" i="1" smtClean="0"/>
+              <a:rPr lang="en-US" altLang="zh-CN" sz="2000" i="1" dirty="0" smtClean="0"/>
               <a:t>./</a:t>
             </a:r>
             <a:r>
@@ -24887,7 +25188,7 @@
     </p:spTree>
     <p:extLst>
       <p:ext uri="{BB962C8B-B14F-4D97-AF65-F5344CB8AC3E}">
-        <p14:creationId xmlns:p14="http://schemas.microsoft.com/office/powerpoint/2010/main" val="1301242116"/>
+        <p14:creationId xmlns:p14="http://schemas.microsoft.com/office/powerpoint/2010/main" val="1998261531"/>
       </p:ext>
     </p:extLst>
   </p:cSld>
@@ -24951,7 +25252,17 @@
                 <a:latin typeface="+mj-ea"/>
                 <a:ea typeface="+mj-ea"/>
               </a:rPr>
-              <a:t>十一</a:t>
+              <a:t>十、</a:t>
+            </a:r>
+            <a:r>
+              <a:rPr lang="en-US" altLang="zh-CN" dirty="0" err="1" smtClean="0">
+                <a:solidFill>
+                  <a:srgbClr val="18A2EF"/>
+                </a:solidFill>
+                <a:latin typeface="+mj-ea"/>
+                <a:ea typeface="+mj-ea"/>
+              </a:rPr>
+              <a:t>Docker</a:t>
             </a:r>
             <a:r>
               <a:rPr lang="zh-CN" altLang="en-US" dirty="0" smtClean="0">
@@ -24961,7 +25272,374 @@
                 <a:latin typeface="+mj-ea"/>
                 <a:ea typeface="+mj-ea"/>
               </a:rPr>
+              <a:t>部署</a:t>
+            </a:r>
+            <a:endParaRPr lang="zh-CN" altLang="en-US" dirty="0">
+              <a:solidFill>
+                <a:srgbClr val="18A2EF"/>
+              </a:solidFill>
+              <a:latin typeface="+mj-ea"/>
+              <a:ea typeface="+mj-ea"/>
+            </a:endParaRPr>
+          </a:p>
+        </p:txBody>
+      </p:sp>
+      <p:pic>
+        <p:nvPicPr>
+          <p:cNvPr id="2" name="图片 1"/>
+          <p:cNvPicPr>
+            <a:picLocks noChangeAspect="1"/>
+          </p:cNvPicPr>
+          <p:nvPr/>
+        </p:nvPicPr>
+        <p:blipFill>
+          <a:blip r:embed="rId3"/>
+          <a:stretch>
+            <a:fillRect/>
+          </a:stretch>
+        </p:blipFill>
+        <p:spPr>
+          <a:xfrm>
+            <a:off x="5473005" y="865411"/>
+            <a:ext cx="4270561" cy="3488432"/>
+          </a:xfrm>
+          <a:prstGeom prst="rect">
+            <a:avLst/>
+          </a:prstGeom>
+        </p:spPr>
+      </p:pic>
+      <p:sp>
+        <p:nvSpPr>
+          <p:cNvPr id="3" name="文本框 2"/>
+          <p:cNvSpPr txBox="1"/>
+          <p:nvPr/>
+        </p:nvSpPr>
+        <p:spPr>
+          <a:xfrm>
+            <a:off x="6553125" y="4753574"/>
+            <a:ext cx="1340816" cy="369332"/>
+          </a:xfrm>
+          <a:prstGeom prst="rect">
+            <a:avLst/>
+          </a:prstGeom>
+          <a:noFill/>
+        </p:spPr>
+        <p:txBody>
+          <a:bodyPr wrap="none" rtlCol="0">
+            <a:spAutoFit/>
+          </a:bodyPr>
+          <a:lstStyle/>
+          <a:p>
+            <a:r>
+              <a:rPr kumimoji="1" lang="en-US" altLang="zh-CN" dirty="0" smtClean="0"/>
+              <a:t>Swarm</a:t>
+            </a:r>
+            <a:r>
+              <a:rPr kumimoji="1" lang="zh-CN" altLang="en-US" dirty="0" smtClean="0"/>
+              <a:t> 原理</a:t>
+            </a:r>
+            <a:endParaRPr kumimoji="1" lang="zh-CN" altLang="en-US" dirty="0"/>
+          </a:p>
+        </p:txBody>
+      </p:sp>
+      <p:sp>
+        <p:nvSpPr>
+          <p:cNvPr id="4" name="文本框 3"/>
+          <p:cNvSpPr txBox="1"/>
+          <p:nvPr/>
+        </p:nvSpPr>
+        <p:spPr>
+          <a:xfrm>
+            <a:off x="688622" y="1140178"/>
+            <a:ext cx="3870931" cy="2585323"/>
+          </a:xfrm>
+          <a:prstGeom prst="rect">
+            <a:avLst/>
+          </a:prstGeom>
+          <a:noFill/>
+        </p:spPr>
+        <p:txBody>
+          <a:bodyPr wrap="none" rtlCol="0">
+            <a:spAutoFit/>
+          </a:bodyPr>
+          <a:lstStyle/>
+          <a:p>
+            <a:r>
+              <a:rPr kumimoji="1" lang="en-US" altLang="zh-CN" dirty="0" err="1" smtClean="0"/>
+              <a:t>Docker</a:t>
+            </a:r>
+            <a:r>
+              <a:rPr kumimoji="1" lang="zh-CN" altLang="en-US" dirty="0" smtClean="0"/>
+              <a:t>常用指令：</a:t>
+            </a:r>
+            <a:endParaRPr kumimoji="1" lang="en-US" altLang="zh-CN" dirty="0" smtClean="0"/>
+          </a:p>
+          <a:p>
+            <a:endParaRPr kumimoji="1" lang="en-US" altLang="zh-CN" dirty="0"/>
+          </a:p>
+          <a:p>
+            <a:r>
+              <a:rPr kumimoji="1" lang="en-US" altLang="zh-CN" dirty="0" smtClean="0"/>
+              <a:t>1</a:t>
+            </a:r>
+            <a:r>
+              <a:rPr kumimoji="1" lang="zh-CN" altLang="en-US" dirty="0" smtClean="0"/>
               <a:t>、</a:t>
+            </a:r>
+            <a:r>
+              <a:rPr kumimoji="1" lang="en-US" altLang="zh-CN" dirty="0" err="1" smtClean="0"/>
+              <a:t>docker</a:t>
+            </a:r>
+            <a:r>
+              <a:rPr kumimoji="1" lang="zh-CN" altLang="en-US" dirty="0" smtClean="0"/>
+              <a:t> </a:t>
+            </a:r>
+            <a:r>
+              <a:rPr kumimoji="1" lang="en-US" altLang="zh-CN" dirty="0" smtClean="0"/>
+              <a:t>search</a:t>
+            </a:r>
+          </a:p>
+          <a:p>
+            <a:r>
+              <a:rPr kumimoji="1" lang="en-US" altLang="zh-CN" dirty="0" smtClean="0"/>
+              <a:t>2</a:t>
+            </a:r>
+            <a:r>
+              <a:rPr kumimoji="1" lang="zh-CN" altLang="en-US" dirty="0" smtClean="0"/>
+              <a:t>、</a:t>
+            </a:r>
+            <a:r>
+              <a:rPr kumimoji="1" lang="en-US" altLang="zh-CN" dirty="0" err="1" smtClean="0"/>
+              <a:t>docker</a:t>
+            </a:r>
+            <a:r>
+              <a:rPr kumimoji="1" lang="zh-CN" altLang="en-US" dirty="0" smtClean="0"/>
+              <a:t> </a:t>
+            </a:r>
+            <a:r>
+              <a:rPr kumimoji="1" lang="en-US" altLang="zh-CN" dirty="0" smtClean="0"/>
+              <a:t>run</a:t>
+            </a:r>
+          </a:p>
+          <a:p>
+            <a:r>
+              <a:rPr kumimoji="1" lang="en-US" altLang="zh-CN" dirty="0" smtClean="0"/>
+              <a:t>3</a:t>
+            </a:r>
+            <a:r>
+              <a:rPr kumimoji="1" lang="zh-CN" altLang="en-US" dirty="0" smtClean="0"/>
+              <a:t>、</a:t>
+            </a:r>
+            <a:r>
+              <a:rPr kumimoji="1" lang="en-US" altLang="zh-CN" dirty="0" err="1" smtClean="0"/>
+              <a:t>docker</a:t>
+            </a:r>
+            <a:r>
+              <a:rPr kumimoji="1" lang="zh-CN" altLang="en-US" dirty="0" smtClean="0"/>
+              <a:t> </a:t>
+            </a:r>
+            <a:r>
+              <a:rPr kumimoji="1" lang="en-US" altLang="zh-CN" dirty="0" smtClean="0"/>
+              <a:t>images</a:t>
+            </a:r>
+          </a:p>
+          <a:p>
+            <a:r>
+              <a:rPr kumimoji="1" lang="en-US" altLang="zh-CN" dirty="0" smtClean="0"/>
+              <a:t>4</a:t>
+            </a:r>
+            <a:r>
+              <a:rPr kumimoji="1" lang="zh-CN" altLang="en-US" dirty="0" smtClean="0"/>
+              <a:t>、</a:t>
+            </a:r>
+            <a:r>
+              <a:rPr kumimoji="1" lang="en-US" altLang="zh-CN" dirty="0" err="1" smtClean="0"/>
+              <a:t>docker</a:t>
+            </a:r>
+            <a:r>
+              <a:rPr kumimoji="1" lang="zh-CN" altLang="en-US" dirty="0" smtClean="0"/>
+              <a:t> </a:t>
+            </a:r>
+            <a:r>
+              <a:rPr kumimoji="1" lang="en-US" altLang="zh-CN" dirty="0" err="1" smtClean="0"/>
+              <a:t>rm</a:t>
+            </a:r>
+            <a:endParaRPr kumimoji="1" lang="en-US" altLang="zh-CN" dirty="0" smtClean="0"/>
+          </a:p>
+          <a:p>
+            <a:r>
+              <a:rPr kumimoji="1" lang="en-US" altLang="zh-CN" dirty="0" smtClean="0"/>
+              <a:t>5</a:t>
+            </a:r>
+            <a:r>
+              <a:rPr kumimoji="1" lang="zh-CN" altLang="en-US" dirty="0" smtClean="0"/>
+              <a:t>、</a:t>
+            </a:r>
+            <a:r>
+              <a:rPr kumimoji="1" lang="en-US" altLang="zh-CN" dirty="0" err="1" smtClean="0"/>
+              <a:t>docker</a:t>
+            </a:r>
+            <a:r>
+              <a:rPr kumimoji="1" lang="zh-CN" altLang="en-US" dirty="0" smtClean="0"/>
+              <a:t> </a:t>
+            </a:r>
+            <a:r>
+              <a:rPr kumimoji="1" lang="en-US" altLang="zh-CN" dirty="0" err="1" smtClean="0"/>
+              <a:t>rmi</a:t>
+            </a:r>
+            <a:endParaRPr kumimoji="1" lang="en-US" altLang="zh-CN" dirty="0" smtClean="0"/>
+          </a:p>
+          <a:p>
+            <a:r>
+              <a:rPr kumimoji="1" lang="en-US" altLang="zh-CN" dirty="0" smtClean="0"/>
+              <a:t>6</a:t>
+            </a:r>
+            <a:r>
+              <a:rPr kumimoji="1" lang="zh-CN" altLang="en-US" dirty="0" smtClean="0"/>
+              <a:t>、</a:t>
+            </a:r>
+            <a:r>
+              <a:rPr kumimoji="1" lang="en-US" altLang="zh-CN" dirty="0" err="1" smtClean="0"/>
+              <a:t>docker</a:t>
+            </a:r>
+            <a:r>
+              <a:rPr kumimoji="1" lang="zh-CN" altLang="en-US" dirty="0" smtClean="0"/>
+              <a:t> </a:t>
+            </a:r>
+            <a:r>
+              <a:rPr kumimoji="1" lang="en-US" altLang="zh-CN" dirty="0" smtClean="0"/>
+              <a:t>exec</a:t>
+            </a:r>
+            <a:r>
+              <a:rPr kumimoji="1" lang="zh-CN" altLang="en-US" dirty="0" smtClean="0"/>
+              <a:t> </a:t>
+            </a:r>
+            <a:r>
+              <a:rPr kumimoji="1" lang="mr-IN" altLang="zh-CN" dirty="0" smtClean="0"/>
+              <a:t>–</a:t>
+            </a:r>
+            <a:r>
+              <a:rPr kumimoji="1" lang="en-US" altLang="zh-CN" dirty="0" smtClean="0"/>
+              <a:t>it</a:t>
+            </a:r>
+            <a:r>
+              <a:rPr kumimoji="1" lang="zh-CN" altLang="en-US" dirty="0" smtClean="0"/>
+              <a:t> </a:t>
+            </a:r>
+            <a:r>
+              <a:rPr kumimoji="1" lang="en-US" altLang="zh-CN" dirty="0" err="1" smtClean="0"/>
+              <a:t>counterId</a:t>
+            </a:r>
+            <a:r>
+              <a:rPr kumimoji="1" lang="zh-CN" altLang="en-US" dirty="0" smtClean="0"/>
+              <a:t> </a:t>
+            </a:r>
+            <a:r>
+              <a:rPr kumimoji="1" lang="en-US" altLang="zh-CN" dirty="0" smtClean="0"/>
+              <a:t>/bin/bash</a:t>
+            </a:r>
+          </a:p>
+          <a:p>
+            <a:r>
+              <a:rPr kumimoji="1" lang="en-US" altLang="zh-CN" dirty="0" smtClean="0"/>
+              <a:t>7</a:t>
+            </a:r>
+            <a:r>
+              <a:rPr kumimoji="1" lang="zh-CN" altLang="en-US" dirty="0" smtClean="0"/>
+              <a:t>、</a:t>
+            </a:r>
+            <a:r>
+              <a:rPr kumimoji="1" lang="en-US" altLang="zh-CN" dirty="0" err="1" smtClean="0"/>
+              <a:t>docker</a:t>
+            </a:r>
+            <a:r>
+              <a:rPr kumimoji="1" lang="zh-CN" altLang="en-US" dirty="0" smtClean="0"/>
+              <a:t> </a:t>
+            </a:r>
+            <a:r>
+              <a:rPr kumimoji="1" lang="en-US" altLang="zh-CN" dirty="0" smtClean="0"/>
+              <a:t>logs</a:t>
+            </a:r>
+            <a:r>
+              <a:rPr kumimoji="1" lang="zh-CN" altLang="en-US" dirty="0" smtClean="0"/>
+              <a:t> </a:t>
+            </a:r>
+            <a:r>
+              <a:rPr kumimoji="1" lang="en-US" altLang="zh-CN" dirty="0" err="1" smtClean="0"/>
+              <a:t>counterid</a:t>
+            </a:r>
+            <a:endParaRPr kumimoji="1" lang="zh-CN" altLang="en-US" dirty="0"/>
+          </a:p>
+        </p:txBody>
+      </p:sp>
+    </p:spTree>
+    <p:extLst>
+      <p:ext uri="{BB962C8B-B14F-4D97-AF65-F5344CB8AC3E}">
+        <p14:creationId xmlns:p14="http://schemas.microsoft.com/office/powerpoint/2010/main" val="1301242116"/>
+      </p:ext>
+    </p:extLst>
+  </p:cSld>
+  <p:clrMapOvr>
+    <a:masterClrMapping/>
+  </p:clrMapOvr>
+  <p:timing>
+    <p:tnLst>
+      <p:par>
+        <p:cTn id="1" dur="indefinite" restart="never" nodeType="tmRoot"/>
+      </p:par>
+    </p:tnLst>
+  </p:timing>
+</p:sld>
+</file>
+
+<file path=ppt/slides/slide24.xml><?xml version="1.0" encoding="utf-8"?>
+<p:sld xmlns:a="http://schemas.openxmlformats.org/drawingml/2006/main" xmlns:r="http://schemas.openxmlformats.org/officeDocument/2006/relationships" xmlns:p="http://schemas.openxmlformats.org/presentationml/2006/main">
+  <p:cSld>
+    <p:spTree>
+      <p:nvGrpSpPr>
+        <p:cNvPr id="1" name=""/>
+        <p:cNvGrpSpPr/>
+        <p:nvPr/>
+      </p:nvGrpSpPr>
+      <p:grpSpPr>
+        <a:xfrm>
+          <a:off x="0" y="0"/>
+          <a:ext cx="0" cy="0"/>
+          <a:chOff x="0" y="0"/>
+          <a:chExt cx="0" cy="0"/>
+        </a:xfrm>
+      </p:grpSpPr>
+      <p:sp>
+        <p:nvSpPr>
+          <p:cNvPr id="13" name="标题 1"/>
+          <p:cNvSpPr>
+            <a:spLocks noGrp="1"/>
+          </p:cNvSpPr>
+          <p:nvPr>
+            <p:ph type="title"/>
+          </p:nvPr>
+        </p:nvSpPr>
+        <p:spPr>
+          <a:xfrm>
+            <a:off x="-30903" y="-25956"/>
+            <a:ext cx="9937790" cy="513899"/>
+          </a:xfrm>
+        </p:spPr>
+        <p:txBody>
+          <a:bodyPr>
+            <a:normAutofit fontScale="90000"/>
+          </a:bodyPr>
+          <a:lstStyle/>
+          <a:p>
+            <a:r>
+              <a:rPr lang="en-US" altLang="zh-CN" dirty="0" err="1" smtClean="0">
+                <a:solidFill>
+                  <a:srgbClr val="18A2EF"/>
+                </a:solidFill>
+                <a:latin typeface="+mj-ea"/>
+                <a:ea typeface="+mj-ea"/>
+              </a:rPr>
+              <a:t>Docker</a:t>
             </a:r>
             <a:r>
               <a:rPr lang="zh-CN" altLang="en-US" dirty="0" smtClean="0">
@@ -24971,7 +25649,1234 @@
                 <a:latin typeface="+mj-ea"/>
                 <a:ea typeface="+mj-ea"/>
               </a:rPr>
-              <a:t>下一步</a:t>
+              <a:t>部署</a:t>
+            </a:r>
+            <a:endParaRPr lang="zh-CN" altLang="en-US" dirty="0">
+              <a:solidFill>
+                <a:srgbClr val="18A2EF"/>
+              </a:solidFill>
+              <a:latin typeface="+mj-ea"/>
+              <a:ea typeface="+mj-ea"/>
+            </a:endParaRPr>
+          </a:p>
+        </p:txBody>
+      </p:sp>
+      <p:sp>
+        <p:nvSpPr>
+          <p:cNvPr id="4" name="文本框 3"/>
+          <p:cNvSpPr txBox="1"/>
+          <p:nvPr/>
+        </p:nvSpPr>
+        <p:spPr>
+          <a:xfrm>
+            <a:off x="360437" y="824017"/>
+            <a:ext cx="4931350" cy="923330"/>
+          </a:xfrm>
+          <a:prstGeom prst="rect">
+            <a:avLst/>
+          </a:prstGeom>
+          <a:noFill/>
+        </p:spPr>
+        <p:txBody>
+          <a:bodyPr wrap="none" rtlCol="0">
+            <a:spAutoFit/>
+          </a:bodyPr>
+          <a:lstStyle/>
+          <a:p>
+            <a:r>
+              <a:rPr kumimoji="1" lang="en-US" altLang="zh-CN" dirty="0" err="1" smtClean="0"/>
+              <a:t>Docker</a:t>
+            </a:r>
+            <a:r>
+              <a:rPr kumimoji="1" lang="zh-CN" altLang="en-US" dirty="0" smtClean="0"/>
+              <a:t> </a:t>
+            </a:r>
+            <a:r>
+              <a:rPr kumimoji="1" lang="en-US" altLang="zh-CN" dirty="0" smtClean="0"/>
+              <a:t>service</a:t>
+            </a:r>
+          </a:p>
+          <a:p>
+            <a:r>
+              <a:rPr lang="en-US" altLang="zh-CN" dirty="0"/>
+              <a:t>swarm</a:t>
+            </a:r>
+            <a:r>
+              <a:rPr lang="zh-CN" altLang="en-US" dirty="0"/>
+              <a:t>把容器封装为</a:t>
+            </a:r>
+            <a:r>
+              <a:rPr lang="en-US" altLang="zh-CN" dirty="0"/>
+              <a:t>service</a:t>
+            </a:r>
+            <a:r>
+              <a:rPr lang="zh-CN" altLang="en-US" dirty="0" smtClean="0"/>
+              <a:t>，</a:t>
+            </a:r>
+            <a:endParaRPr lang="en-US" altLang="zh-CN" dirty="0" smtClean="0"/>
+          </a:p>
+          <a:p>
+            <a:r>
+              <a:rPr lang="zh-CN" altLang="en-US" dirty="0" smtClean="0"/>
+              <a:t>一</a:t>
+            </a:r>
+            <a:r>
+              <a:rPr lang="zh-CN" altLang="en-US" dirty="0"/>
+              <a:t>个</a:t>
+            </a:r>
+            <a:r>
+              <a:rPr lang="en-US" altLang="zh-CN" dirty="0"/>
+              <a:t>service</a:t>
+            </a:r>
+            <a:r>
+              <a:rPr lang="zh-CN" altLang="en-US" dirty="0"/>
+              <a:t>是一个可供</a:t>
+            </a:r>
+            <a:r>
+              <a:rPr lang="en-US" altLang="zh-CN" dirty="0"/>
+              <a:t>swarm</a:t>
+            </a:r>
+            <a:r>
+              <a:rPr lang="zh-CN" altLang="en-US" dirty="0"/>
+              <a:t>调度的容器组合。</a:t>
+            </a:r>
+            <a:endParaRPr kumimoji="1" lang="en-US" altLang="zh-CN" dirty="0"/>
+          </a:p>
+        </p:txBody>
+      </p:sp>
+      <p:grpSp>
+        <p:nvGrpSpPr>
+          <p:cNvPr id="6" name="组 5"/>
+          <p:cNvGrpSpPr/>
+          <p:nvPr/>
+        </p:nvGrpSpPr>
+        <p:grpSpPr>
+          <a:xfrm>
+            <a:off x="7089319" y="1560091"/>
+            <a:ext cx="1490665" cy="1180361"/>
+            <a:chOff x="7103253" y="1305223"/>
+            <a:chExt cx="1490665" cy="1180361"/>
+          </a:xfrm>
+        </p:grpSpPr>
+        <p:sp>
+          <p:nvSpPr>
+            <p:cNvPr id="9" name="矩形 8"/>
+            <p:cNvSpPr/>
+            <p:nvPr/>
+          </p:nvSpPr>
+          <p:spPr>
+            <a:xfrm>
+              <a:off x="7103253" y="1305223"/>
+              <a:ext cx="1490665" cy="1180361"/>
+            </a:xfrm>
+            <a:prstGeom prst="rect">
+              <a:avLst/>
+            </a:prstGeom>
+            <a:ln/>
+          </p:spPr>
+          <p:style>
+            <a:lnRef idx="2">
+              <a:schemeClr val="accent1"/>
+            </a:lnRef>
+            <a:fillRef idx="1">
+              <a:schemeClr val="lt1"/>
+            </a:fillRef>
+            <a:effectRef idx="0">
+              <a:schemeClr val="accent1"/>
+            </a:effectRef>
+            <a:fontRef idx="minor">
+              <a:schemeClr val="dk1"/>
+            </a:fontRef>
+          </p:style>
+          <p:txBody>
+            <a:bodyPr rtlCol="0" anchor="t"/>
+            <a:lstStyle/>
+            <a:p>
+              <a:pPr algn="ctr"/>
+              <a:r>
+                <a:rPr kumimoji="1" lang="en-US" altLang="zh-CN" sz="1100" dirty="0" smtClean="0"/>
+                <a:t>Swarm</a:t>
+              </a:r>
+              <a:r>
+                <a:rPr kumimoji="1" lang="zh-CN" altLang="en-US" sz="1100" dirty="0" smtClean="0"/>
+                <a:t> </a:t>
+              </a:r>
+              <a:r>
+                <a:rPr kumimoji="1" lang="en-US" altLang="zh-CN" sz="1100" dirty="0" smtClean="0"/>
+                <a:t>Manager</a:t>
+              </a:r>
+              <a:endParaRPr kumimoji="1" lang="en-US" altLang="zh-CN" sz="1100" dirty="0" smtClean="0"/>
+            </a:p>
+          </p:txBody>
+        </p:sp>
+        <p:sp>
+          <p:nvSpPr>
+            <p:cNvPr id="7" name="矩形 6"/>
+            <p:cNvSpPr/>
+            <p:nvPr/>
+          </p:nvSpPr>
+          <p:spPr>
+            <a:xfrm>
+              <a:off x="7272521" y="1837828"/>
+              <a:ext cx="1152128" cy="327047"/>
+            </a:xfrm>
+            <a:prstGeom prst="rect">
+              <a:avLst/>
+            </a:prstGeom>
+            <a:ln/>
+          </p:spPr>
+          <p:style>
+            <a:lnRef idx="2">
+              <a:schemeClr val="accent1"/>
+            </a:lnRef>
+            <a:fillRef idx="1">
+              <a:schemeClr val="lt1"/>
+            </a:fillRef>
+            <a:effectRef idx="0">
+              <a:schemeClr val="accent1"/>
+            </a:effectRef>
+            <a:fontRef idx="minor">
+              <a:schemeClr val="dk1"/>
+            </a:fontRef>
+          </p:style>
+          <p:txBody>
+            <a:bodyPr rtlCol="0" anchor="ctr"/>
+            <a:lstStyle/>
+            <a:p>
+              <a:pPr algn="ctr"/>
+              <a:r>
+                <a:rPr kumimoji="1" lang="en-US" altLang="zh-CN" sz="1100" dirty="0" smtClean="0"/>
+                <a:t>Discovery</a:t>
+              </a:r>
+              <a:r>
+                <a:rPr kumimoji="1" lang="zh-CN" altLang="en-US" sz="1100" dirty="0" smtClean="0"/>
+                <a:t> </a:t>
+              </a:r>
+              <a:r>
+                <a:rPr kumimoji="1" lang="en-US" altLang="zh-CN" sz="1100" dirty="0" smtClean="0"/>
+                <a:t>Service</a:t>
+              </a:r>
+              <a:endParaRPr kumimoji="1" lang="en-US" altLang="zh-CN" sz="1100" dirty="0" smtClean="0"/>
+            </a:p>
+          </p:txBody>
+        </p:sp>
+      </p:grpSp>
+      <p:sp>
+        <p:nvSpPr>
+          <p:cNvPr id="24" name="矩形 23"/>
+          <p:cNvSpPr/>
+          <p:nvPr/>
+        </p:nvSpPr>
+        <p:spPr>
+          <a:xfrm>
+            <a:off x="5523275" y="2008198"/>
+            <a:ext cx="934944" cy="284146"/>
+          </a:xfrm>
+          <a:prstGeom prst="rect">
+            <a:avLst/>
+          </a:prstGeom>
+          <a:ln/>
+        </p:spPr>
+        <p:style>
+          <a:lnRef idx="2">
+            <a:schemeClr val="accent1"/>
+          </a:lnRef>
+          <a:fillRef idx="1">
+            <a:schemeClr val="lt1"/>
+          </a:fillRef>
+          <a:effectRef idx="0">
+            <a:schemeClr val="accent1"/>
+          </a:effectRef>
+          <a:fontRef idx="minor">
+            <a:schemeClr val="dk1"/>
+          </a:fontRef>
+        </p:style>
+        <p:txBody>
+          <a:bodyPr rtlCol="0" anchor="ctr"/>
+          <a:lstStyle/>
+          <a:p>
+            <a:pPr algn="ctr"/>
+            <a:r>
+              <a:rPr kumimoji="1" lang="en-US" altLang="zh-CN" sz="1100" dirty="0" err="1" smtClean="0"/>
+              <a:t>Docker</a:t>
+            </a:r>
+            <a:r>
+              <a:rPr kumimoji="1" lang="zh-CN" altLang="en-US" sz="1100" dirty="0" smtClean="0"/>
+              <a:t> </a:t>
+            </a:r>
+            <a:r>
+              <a:rPr kumimoji="1" lang="en-US" altLang="zh-CN" sz="1100" dirty="0" smtClean="0"/>
+              <a:t>Client</a:t>
+            </a:r>
+            <a:endParaRPr kumimoji="1" lang="en-US" altLang="zh-CN" sz="1100" dirty="0" smtClean="0"/>
+          </a:p>
+        </p:txBody>
+      </p:sp>
+      <p:sp>
+        <p:nvSpPr>
+          <p:cNvPr id="25" name="矩形 24"/>
+          <p:cNvSpPr/>
+          <p:nvPr/>
+        </p:nvSpPr>
+        <p:spPr>
+          <a:xfrm>
+            <a:off x="5523275" y="5063614"/>
+            <a:ext cx="4558242" cy="284146"/>
+          </a:xfrm>
+          <a:prstGeom prst="rect">
+            <a:avLst/>
+          </a:prstGeom>
+          <a:ln/>
+        </p:spPr>
+        <p:style>
+          <a:lnRef idx="2">
+            <a:schemeClr val="accent1"/>
+          </a:lnRef>
+          <a:fillRef idx="1">
+            <a:schemeClr val="lt1"/>
+          </a:fillRef>
+          <a:effectRef idx="0">
+            <a:schemeClr val="accent1"/>
+          </a:effectRef>
+          <a:fontRef idx="minor">
+            <a:schemeClr val="dk1"/>
+          </a:fontRef>
+        </p:style>
+        <p:txBody>
+          <a:bodyPr rtlCol="0" anchor="ctr"/>
+          <a:lstStyle/>
+          <a:p>
+            <a:pPr algn="ctr"/>
+            <a:r>
+              <a:rPr kumimoji="1" lang="en-US" altLang="zh-CN" sz="1100" dirty="0" err="1" smtClean="0"/>
+              <a:t>Docker</a:t>
+            </a:r>
+            <a:r>
+              <a:rPr kumimoji="1" lang="zh-CN" altLang="en-US" sz="1100" dirty="0" smtClean="0"/>
+              <a:t> </a:t>
+            </a:r>
+            <a:r>
+              <a:rPr kumimoji="1" lang="en-US" altLang="zh-CN" sz="1100" dirty="0" smtClean="0"/>
+              <a:t>Service</a:t>
+            </a:r>
+            <a:endParaRPr kumimoji="1" lang="en-US" altLang="zh-CN" sz="1100" dirty="0" smtClean="0"/>
+          </a:p>
+        </p:txBody>
+      </p:sp>
+      <p:grpSp>
+        <p:nvGrpSpPr>
+          <p:cNvPr id="10" name="组 9"/>
+          <p:cNvGrpSpPr/>
+          <p:nvPr/>
+        </p:nvGrpSpPr>
+        <p:grpSpPr>
+          <a:xfrm>
+            <a:off x="5523275" y="3529707"/>
+            <a:ext cx="1209665" cy="1025526"/>
+            <a:chOff x="5523275" y="3529707"/>
+            <a:chExt cx="1209665" cy="1025526"/>
+          </a:xfrm>
+        </p:grpSpPr>
+        <p:grpSp>
+          <p:nvGrpSpPr>
+            <p:cNvPr id="15" name="组 14"/>
+            <p:cNvGrpSpPr/>
+            <p:nvPr/>
+          </p:nvGrpSpPr>
+          <p:grpSpPr>
+            <a:xfrm>
+              <a:off x="5523275" y="3529707"/>
+              <a:ext cx="1209665" cy="1025526"/>
+              <a:chOff x="7103253" y="1305223"/>
+              <a:chExt cx="1490665" cy="1180361"/>
+            </a:xfrm>
+          </p:grpSpPr>
+          <p:sp>
+            <p:nvSpPr>
+              <p:cNvPr id="16" name="矩形 15"/>
+              <p:cNvSpPr/>
+              <p:nvPr/>
+            </p:nvSpPr>
+            <p:spPr>
+              <a:xfrm>
+                <a:off x="7103253" y="1305223"/>
+                <a:ext cx="1490665" cy="1180361"/>
+              </a:xfrm>
+              <a:prstGeom prst="rect">
+                <a:avLst/>
+              </a:prstGeom>
+              <a:ln/>
+            </p:spPr>
+            <p:style>
+              <a:lnRef idx="2">
+                <a:schemeClr val="accent1"/>
+              </a:lnRef>
+              <a:fillRef idx="1">
+                <a:schemeClr val="lt1"/>
+              </a:fillRef>
+              <a:effectRef idx="0">
+                <a:schemeClr val="accent1"/>
+              </a:effectRef>
+              <a:fontRef idx="minor">
+                <a:schemeClr val="dk1"/>
+              </a:fontRef>
+            </p:style>
+            <p:txBody>
+              <a:bodyPr rtlCol="0" anchor="t"/>
+              <a:lstStyle/>
+              <a:p>
+                <a:pPr algn="ctr"/>
+                <a:r>
+                  <a:rPr kumimoji="1" lang="en-US" altLang="zh-CN" sz="1100" dirty="0" err="1" smtClean="0"/>
+                  <a:t>Docker</a:t>
+                </a:r>
+                <a:r>
+                  <a:rPr kumimoji="1" lang="zh-CN" altLang="en-US" sz="1100" dirty="0" smtClean="0"/>
+                  <a:t> </a:t>
+                </a:r>
+                <a:r>
+                  <a:rPr kumimoji="1" lang="en-US" altLang="zh-CN" sz="1100" dirty="0" err="1" smtClean="0"/>
+                  <a:t>Deamon</a:t>
+                </a:r>
+                <a:endParaRPr kumimoji="1" lang="en-US" altLang="zh-CN" sz="1100" dirty="0" smtClean="0"/>
+              </a:p>
+            </p:txBody>
+          </p:sp>
+          <p:sp>
+            <p:nvSpPr>
+              <p:cNvPr id="17" name="矩形 16"/>
+              <p:cNvSpPr/>
+              <p:nvPr/>
+            </p:nvSpPr>
+            <p:spPr>
+              <a:xfrm>
+                <a:off x="7272521" y="1646762"/>
+                <a:ext cx="1152127" cy="735899"/>
+              </a:xfrm>
+              <a:prstGeom prst="rect">
+                <a:avLst/>
+              </a:prstGeom>
+              <a:ln/>
+            </p:spPr>
+            <p:style>
+              <a:lnRef idx="2">
+                <a:schemeClr val="accent1"/>
+              </a:lnRef>
+              <a:fillRef idx="1">
+                <a:schemeClr val="lt1"/>
+              </a:fillRef>
+              <a:effectRef idx="0">
+                <a:schemeClr val="accent1"/>
+              </a:effectRef>
+              <a:fontRef idx="minor">
+                <a:schemeClr val="dk1"/>
+              </a:fontRef>
+            </p:style>
+            <p:txBody>
+              <a:bodyPr rtlCol="0" anchor="t"/>
+              <a:lstStyle/>
+              <a:p>
+                <a:pPr algn="ctr"/>
+                <a:r>
+                  <a:rPr kumimoji="1" lang="en-US" altLang="zh-CN" sz="1100" dirty="0" smtClean="0"/>
+                  <a:t>Swarm</a:t>
+                </a:r>
+                <a:r>
+                  <a:rPr kumimoji="1" lang="zh-CN" altLang="en-US" sz="1100" dirty="0" smtClean="0"/>
+                  <a:t> </a:t>
+                </a:r>
+                <a:r>
+                  <a:rPr kumimoji="1" lang="en-US" altLang="zh-CN" sz="1100" dirty="0" smtClean="0"/>
+                  <a:t>Node</a:t>
+                </a:r>
+                <a:endParaRPr kumimoji="1" lang="en-US" altLang="zh-CN" sz="1100" dirty="0" smtClean="0"/>
+              </a:p>
+            </p:txBody>
+          </p:sp>
+        </p:grpSp>
+        <p:sp>
+          <p:nvSpPr>
+            <p:cNvPr id="27" name="矩形 26"/>
+            <p:cNvSpPr/>
+            <p:nvPr/>
+          </p:nvSpPr>
+          <p:spPr>
+            <a:xfrm>
+              <a:off x="5761037" y="4061401"/>
+              <a:ext cx="288032" cy="368747"/>
+            </a:xfrm>
+            <a:prstGeom prst="rect">
+              <a:avLst/>
+            </a:prstGeom>
+            <a:ln/>
+          </p:spPr>
+          <p:style>
+            <a:lnRef idx="2">
+              <a:schemeClr val="accent1"/>
+            </a:lnRef>
+            <a:fillRef idx="1">
+              <a:schemeClr val="lt1"/>
+            </a:fillRef>
+            <a:effectRef idx="0">
+              <a:schemeClr val="accent1"/>
+            </a:effectRef>
+            <a:fontRef idx="minor">
+              <a:schemeClr val="dk1"/>
+            </a:fontRef>
+          </p:style>
+          <p:txBody>
+            <a:bodyPr rtlCol="0" anchor="ctr"/>
+            <a:lstStyle/>
+            <a:p>
+              <a:pPr algn="ctr"/>
+              <a:r>
+                <a:rPr kumimoji="1" lang="zh-CN" altLang="en-US" sz="1100" dirty="0" smtClean="0"/>
+                <a:t>容</a:t>
+              </a:r>
+              <a:endParaRPr kumimoji="1" lang="en-US" altLang="zh-CN" sz="1100" dirty="0" smtClean="0"/>
+            </a:p>
+            <a:p>
+              <a:pPr algn="ctr"/>
+              <a:r>
+                <a:rPr kumimoji="1" lang="zh-CN" altLang="en-US" sz="1100" dirty="0" smtClean="0"/>
+                <a:t>器</a:t>
+              </a:r>
+              <a:endParaRPr kumimoji="1" lang="en-US" altLang="zh-CN" sz="1100" dirty="0" smtClean="0"/>
+            </a:p>
+          </p:txBody>
+        </p:sp>
+        <p:sp>
+          <p:nvSpPr>
+            <p:cNvPr id="28" name="矩形 27"/>
+            <p:cNvSpPr/>
+            <p:nvPr/>
+          </p:nvSpPr>
+          <p:spPr>
+            <a:xfrm>
+              <a:off x="6149471" y="4054519"/>
+              <a:ext cx="288032" cy="368747"/>
+            </a:xfrm>
+            <a:prstGeom prst="rect">
+              <a:avLst/>
+            </a:prstGeom>
+            <a:ln/>
+          </p:spPr>
+          <p:style>
+            <a:lnRef idx="2">
+              <a:schemeClr val="accent1"/>
+            </a:lnRef>
+            <a:fillRef idx="1">
+              <a:schemeClr val="lt1"/>
+            </a:fillRef>
+            <a:effectRef idx="0">
+              <a:schemeClr val="accent1"/>
+            </a:effectRef>
+            <a:fontRef idx="minor">
+              <a:schemeClr val="dk1"/>
+            </a:fontRef>
+          </p:style>
+          <p:txBody>
+            <a:bodyPr rtlCol="0" anchor="ctr"/>
+            <a:lstStyle/>
+            <a:p>
+              <a:pPr algn="ctr"/>
+              <a:r>
+                <a:rPr kumimoji="1" lang="zh-CN" altLang="en-US" sz="1100" dirty="0" smtClean="0"/>
+                <a:t>容</a:t>
+              </a:r>
+              <a:endParaRPr kumimoji="1" lang="en-US" altLang="zh-CN" sz="1100" dirty="0" smtClean="0"/>
+            </a:p>
+            <a:p>
+              <a:pPr algn="ctr"/>
+              <a:r>
+                <a:rPr kumimoji="1" lang="zh-CN" altLang="en-US" sz="1100" dirty="0" smtClean="0"/>
+                <a:t>器</a:t>
+              </a:r>
+              <a:endParaRPr kumimoji="1" lang="en-US" altLang="zh-CN" sz="1100" dirty="0" smtClean="0"/>
+            </a:p>
+          </p:txBody>
+        </p:sp>
+      </p:grpSp>
+      <p:grpSp>
+        <p:nvGrpSpPr>
+          <p:cNvPr id="29" name="组 28"/>
+          <p:cNvGrpSpPr/>
+          <p:nvPr/>
+        </p:nvGrpSpPr>
+        <p:grpSpPr>
+          <a:xfrm>
+            <a:off x="7229818" y="3548638"/>
+            <a:ext cx="1209665" cy="1025526"/>
+            <a:chOff x="5523275" y="3529707"/>
+            <a:chExt cx="1209665" cy="1025526"/>
+          </a:xfrm>
+        </p:grpSpPr>
+        <p:grpSp>
+          <p:nvGrpSpPr>
+            <p:cNvPr id="30" name="组 29"/>
+            <p:cNvGrpSpPr/>
+            <p:nvPr/>
+          </p:nvGrpSpPr>
+          <p:grpSpPr>
+            <a:xfrm>
+              <a:off x="5523275" y="3529707"/>
+              <a:ext cx="1209665" cy="1025526"/>
+              <a:chOff x="7103253" y="1305223"/>
+              <a:chExt cx="1490665" cy="1180361"/>
+            </a:xfrm>
+          </p:grpSpPr>
+          <p:sp>
+            <p:nvSpPr>
+              <p:cNvPr id="33" name="矩形 32"/>
+              <p:cNvSpPr/>
+              <p:nvPr/>
+            </p:nvSpPr>
+            <p:spPr>
+              <a:xfrm>
+                <a:off x="7103253" y="1305223"/>
+                <a:ext cx="1490665" cy="1180361"/>
+              </a:xfrm>
+              <a:prstGeom prst="rect">
+                <a:avLst/>
+              </a:prstGeom>
+              <a:ln/>
+            </p:spPr>
+            <p:style>
+              <a:lnRef idx="2">
+                <a:schemeClr val="accent1"/>
+              </a:lnRef>
+              <a:fillRef idx="1">
+                <a:schemeClr val="lt1"/>
+              </a:fillRef>
+              <a:effectRef idx="0">
+                <a:schemeClr val="accent1"/>
+              </a:effectRef>
+              <a:fontRef idx="minor">
+                <a:schemeClr val="dk1"/>
+              </a:fontRef>
+            </p:style>
+            <p:txBody>
+              <a:bodyPr rtlCol="0" anchor="t"/>
+              <a:lstStyle/>
+              <a:p>
+                <a:pPr algn="ctr"/>
+                <a:r>
+                  <a:rPr kumimoji="1" lang="en-US" altLang="zh-CN" sz="1100" dirty="0" err="1" smtClean="0"/>
+                  <a:t>Docker</a:t>
+                </a:r>
+                <a:r>
+                  <a:rPr kumimoji="1" lang="zh-CN" altLang="en-US" sz="1100" dirty="0" smtClean="0"/>
+                  <a:t> </a:t>
+                </a:r>
+                <a:r>
+                  <a:rPr kumimoji="1" lang="en-US" altLang="zh-CN" sz="1100" dirty="0" err="1" smtClean="0"/>
+                  <a:t>Deamon</a:t>
+                </a:r>
+                <a:endParaRPr kumimoji="1" lang="en-US" altLang="zh-CN" sz="1100" dirty="0" smtClean="0"/>
+              </a:p>
+            </p:txBody>
+          </p:sp>
+          <p:sp>
+            <p:nvSpPr>
+              <p:cNvPr id="34" name="矩形 33"/>
+              <p:cNvSpPr/>
+              <p:nvPr/>
+            </p:nvSpPr>
+            <p:spPr>
+              <a:xfrm>
+                <a:off x="7272521" y="1646762"/>
+                <a:ext cx="1152127" cy="735899"/>
+              </a:xfrm>
+              <a:prstGeom prst="rect">
+                <a:avLst/>
+              </a:prstGeom>
+              <a:ln/>
+            </p:spPr>
+            <p:style>
+              <a:lnRef idx="2">
+                <a:schemeClr val="accent1"/>
+              </a:lnRef>
+              <a:fillRef idx="1">
+                <a:schemeClr val="lt1"/>
+              </a:fillRef>
+              <a:effectRef idx="0">
+                <a:schemeClr val="accent1"/>
+              </a:effectRef>
+              <a:fontRef idx="minor">
+                <a:schemeClr val="dk1"/>
+              </a:fontRef>
+            </p:style>
+            <p:txBody>
+              <a:bodyPr rtlCol="0" anchor="t"/>
+              <a:lstStyle/>
+              <a:p>
+                <a:pPr algn="ctr"/>
+                <a:r>
+                  <a:rPr kumimoji="1" lang="en-US" altLang="zh-CN" sz="1100" dirty="0" smtClean="0"/>
+                  <a:t>Swarm</a:t>
+                </a:r>
+                <a:r>
+                  <a:rPr kumimoji="1" lang="zh-CN" altLang="en-US" sz="1100" dirty="0" smtClean="0"/>
+                  <a:t> </a:t>
+                </a:r>
+                <a:r>
+                  <a:rPr kumimoji="1" lang="en-US" altLang="zh-CN" sz="1100" dirty="0" smtClean="0"/>
+                  <a:t>Node</a:t>
+                </a:r>
+                <a:endParaRPr kumimoji="1" lang="en-US" altLang="zh-CN" sz="1100" dirty="0" smtClean="0"/>
+              </a:p>
+            </p:txBody>
+          </p:sp>
+        </p:grpSp>
+        <p:sp>
+          <p:nvSpPr>
+            <p:cNvPr id="31" name="矩形 30"/>
+            <p:cNvSpPr/>
+            <p:nvPr/>
+          </p:nvSpPr>
+          <p:spPr>
+            <a:xfrm>
+              <a:off x="5761037" y="4061401"/>
+              <a:ext cx="288032" cy="368747"/>
+            </a:xfrm>
+            <a:prstGeom prst="rect">
+              <a:avLst/>
+            </a:prstGeom>
+            <a:ln/>
+          </p:spPr>
+          <p:style>
+            <a:lnRef idx="2">
+              <a:schemeClr val="accent1"/>
+            </a:lnRef>
+            <a:fillRef idx="1">
+              <a:schemeClr val="lt1"/>
+            </a:fillRef>
+            <a:effectRef idx="0">
+              <a:schemeClr val="accent1"/>
+            </a:effectRef>
+            <a:fontRef idx="minor">
+              <a:schemeClr val="dk1"/>
+            </a:fontRef>
+          </p:style>
+          <p:txBody>
+            <a:bodyPr rtlCol="0" anchor="ctr"/>
+            <a:lstStyle/>
+            <a:p>
+              <a:pPr algn="ctr"/>
+              <a:r>
+                <a:rPr kumimoji="1" lang="zh-CN" altLang="en-US" sz="1100" dirty="0" smtClean="0"/>
+                <a:t>容</a:t>
+              </a:r>
+              <a:endParaRPr kumimoji="1" lang="en-US" altLang="zh-CN" sz="1100" dirty="0" smtClean="0"/>
+            </a:p>
+            <a:p>
+              <a:pPr algn="ctr"/>
+              <a:r>
+                <a:rPr kumimoji="1" lang="zh-CN" altLang="en-US" sz="1100" dirty="0" smtClean="0"/>
+                <a:t>器</a:t>
+              </a:r>
+              <a:endParaRPr kumimoji="1" lang="en-US" altLang="zh-CN" sz="1100" dirty="0" smtClean="0"/>
+            </a:p>
+          </p:txBody>
+        </p:sp>
+        <p:sp>
+          <p:nvSpPr>
+            <p:cNvPr id="32" name="矩形 31"/>
+            <p:cNvSpPr/>
+            <p:nvPr/>
+          </p:nvSpPr>
+          <p:spPr>
+            <a:xfrm>
+              <a:off x="6149471" y="4054519"/>
+              <a:ext cx="288032" cy="368747"/>
+            </a:xfrm>
+            <a:prstGeom prst="rect">
+              <a:avLst/>
+            </a:prstGeom>
+            <a:ln/>
+          </p:spPr>
+          <p:style>
+            <a:lnRef idx="2">
+              <a:schemeClr val="accent1"/>
+            </a:lnRef>
+            <a:fillRef idx="1">
+              <a:schemeClr val="lt1"/>
+            </a:fillRef>
+            <a:effectRef idx="0">
+              <a:schemeClr val="accent1"/>
+            </a:effectRef>
+            <a:fontRef idx="minor">
+              <a:schemeClr val="dk1"/>
+            </a:fontRef>
+          </p:style>
+          <p:txBody>
+            <a:bodyPr rtlCol="0" anchor="ctr"/>
+            <a:lstStyle/>
+            <a:p>
+              <a:pPr algn="ctr"/>
+              <a:r>
+                <a:rPr kumimoji="1" lang="zh-CN" altLang="en-US" sz="1100" dirty="0" smtClean="0"/>
+                <a:t>容</a:t>
+              </a:r>
+              <a:endParaRPr kumimoji="1" lang="en-US" altLang="zh-CN" sz="1100" dirty="0" smtClean="0"/>
+            </a:p>
+            <a:p>
+              <a:pPr algn="ctr"/>
+              <a:r>
+                <a:rPr kumimoji="1" lang="zh-CN" altLang="en-US" sz="1100" dirty="0" smtClean="0"/>
+                <a:t>器</a:t>
+              </a:r>
+              <a:endParaRPr kumimoji="1" lang="en-US" altLang="zh-CN" sz="1100" dirty="0" smtClean="0"/>
+            </a:p>
+          </p:txBody>
+        </p:sp>
+      </p:grpSp>
+      <p:grpSp>
+        <p:nvGrpSpPr>
+          <p:cNvPr id="35" name="组 34"/>
+          <p:cNvGrpSpPr/>
+          <p:nvPr/>
+        </p:nvGrpSpPr>
+        <p:grpSpPr>
+          <a:xfrm>
+            <a:off x="8769596" y="3529707"/>
+            <a:ext cx="1209665" cy="1025526"/>
+            <a:chOff x="5523275" y="3529707"/>
+            <a:chExt cx="1209665" cy="1025526"/>
+          </a:xfrm>
+        </p:grpSpPr>
+        <p:grpSp>
+          <p:nvGrpSpPr>
+            <p:cNvPr id="36" name="组 35"/>
+            <p:cNvGrpSpPr/>
+            <p:nvPr/>
+          </p:nvGrpSpPr>
+          <p:grpSpPr>
+            <a:xfrm>
+              <a:off x="5523275" y="3529707"/>
+              <a:ext cx="1209665" cy="1025526"/>
+              <a:chOff x="7103253" y="1305223"/>
+              <a:chExt cx="1490665" cy="1180361"/>
+            </a:xfrm>
+          </p:grpSpPr>
+          <p:sp>
+            <p:nvSpPr>
+              <p:cNvPr id="39" name="矩形 38"/>
+              <p:cNvSpPr/>
+              <p:nvPr/>
+            </p:nvSpPr>
+            <p:spPr>
+              <a:xfrm>
+                <a:off x="7103253" y="1305223"/>
+                <a:ext cx="1490665" cy="1180361"/>
+              </a:xfrm>
+              <a:prstGeom prst="rect">
+                <a:avLst/>
+              </a:prstGeom>
+              <a:ln/>
+            </p:spPr>
+            <p:style>
+              <a:lnRef idx="2">
+                <a:schemeClr val="accent1"/>
+              </a:lnRef>
+              <a:fillRef idx="1">
+                <a:schemeClr val="lt1"/>
+              </a:fillRef>
+              <a:effectRef idx="0">
+                <a:schemeClr val="accent1"/>
+              </a:effectRef>
+              <a:fontRef idx="minor">
+                <a:schemeClr val="dk1"/>
+              </a:fontRef>
+            </p:style>
+            <p:txBody>
+              <a:bodyPr rtlCol="0" anchor="t"/>
+              <a:lstStyle/>
+              <a:p>
+                <a:pPr algn="ctr"/>
+                <a:r>
+                  <a:rPr kumimoji="1" lang="en-US" altLang="zh-CN" sz="1100" dirty="0" err="1" smtClean="0"/>
+                  <a:t>Docker</a:t>
+                </a:r>
+                <a:r>
+                  <a:rPr kumimoji="1" lang="zh-CN" altLang="en-US" sz="1100" dirty="0" smtClean="0"/>
+                  <a:t> </a:t>
+                </a:r>
+                <a:r>
+                  <a:rPr kumimoji="1" lang="en-US" altLang="zh-CN" sz="1100" dirty="0" err="1" smtClean="0"/>
+                  <a:t>Deamon</a:t>
+                </a:r>
+                <a:endParaRPr kumimoji="1" lang="en-US" altLang="zh-CN" sz="1100" dirty="0" smtClean="0"/>
+              </a:p>
+            </p:txBody>
+          </p:sp>
+          <p:sp>
+            <p:nvSpPr>
+              <p:cNvPr id="40" name="矩形 39"/>
+              <p:cNvSpPr/>
+              <p:nvPr/>
+            </p:nvSpPr>
+            <p:spPr>
+              <a:xfrm>
+                <a:off x="7272521" y="1646762"/>
+                <a:ext cx="1152127" cy="735899"/>
+              </a:xfrm>
+              <a:prstGeom prst="rect">
+                <a:avLst/>
+              </a:prstGeom>
+              <a:ln/>
+            </p:spPr>
+            <p:style>
+              <a:lnRef idx="2">
+                <a:schemeClr val="accent1"/>
+              </a:lnRef>
+              <a:fillRef idx="1">
+                <a:schemeClr val="lt1"/>
+              </a:fillRef>
+              <a:effectRef idx="0">
+                <a:schemeClr val="accent1"/>
+              </a:effectRef>
+              <a:fontRef idx="minor">
+                <a:schemeClr val="dk1"/>
+              </a:fontRef>
+            </p:style>
+            <p:txBody>
+              <a:bodyPr rtlCol="0" anchor="t"/>
+              <a:lstStyle/>
+              <a:p>
+                <a:pPr algn="ctr"/>
+                <a:r>
+                  <a:rPr kumimoji="1" lang="en-US" altLang="zh-CN" sz="1100" dirty="0" smtClean="0"/>
+                  <a:t>Swarm</a:t>
+                </a:r>
+                <a:r>
+                  <a:rPr kumimoji="1" lang="zh-CN" altLang="en-US" sz="1100" dirty="0" smtClean="0"/>
+                  <a:t> </a:t>
+                </a:r>
+                <a:r>
+                  <a:rPr kumimoji="1" lang="en-US" altLang="zh-CN" sz="1100" dirty="0" smtClean="0"/>
+                  <a:t>Node</a:t>
+                </a:r>
+                <a:endParaRPr kumimoji="1" lang="en-US" altLang="zh-CN" sz="1100" dirty="0" smtClean="0"/>
+              </a:p>
+            </p:txBody>
+          </p:sp>
+        </p:grpSp>
+        <p:sp>
+          <p:nvSpPr>
+            <p:cNvPr id="37" name="矩形 36"/>
+            <p:cNvSpPr/>
+            <p:nvPr/>
+          </p:nvSpPr>
+          <p:spPr>
+            <a:xfrm>
+              <a:off x="5761037" y="4061401"/>
+              <a:ext cx="288032" cy="368747"/>
+            </a:xfrm>
+            <a:prstGeom prst="rect">
+              <a:avLst/>
+            </a:prstGeom>
+            <a:ln/>
+          </p:spPr>
+          <p:style>
+            <a:lnRef idx="2">
+              <a:schemeClr val="accent1"/>
+            </a:lnRef>
+            <a:fillRef idx="1">
+              <a:schemeClr val="lt1"/>
+            </a:fillRef>
+            <a:effectRef idx="0">
+              <a:schemeClr val="accent1"/>
+            </a:effectRef>
+            <a:fontRef idx="minor">
+              <a:schemeClr val="dk1"/>
+            </a:fontRef>
+          </p:style>
+          <p:txBody>
+            <a:bodyPr rtlCol="0" anchor="ctr"/>
+            <a:lstStyle/>
+            <a:p>
+              <a:pPr algn="ctr"/>
+              <a:r>
+                <a:rPr kumimoji="1" lang="zh-CN" altLang="en-US" sz="1100" dirty="0" smtClean="0"/>
+                <a:t>容</a:t>
+              </a:r>
+              <a:endParaRPr kumimoji="1" lang="en-US" altLang="zh-CN" sz="1100" dirty="0" smtClean="0"/>
+            </a:p>
+            <a:p>
+              <a:pPr algn="ctr"/>
+              <a:r>
+                <a:rPr kumimoji="1" lang="zh-CN" altLang="en-US" sz="1100" dirty="0" smtClean="0"/>
+                <a:t>器</a:t>
+              </a:r>
+              <a:endParaRPr kumimoji="1" lang="en-US" altLang="zh-CN" sz="1100" dirty="0" smtClean="0"/>
+            </a:p>
+          </p:txBody>
+        </p:sp>
+        <p:sp>
+          <p:nvSpPr>
+            <p:cNvPr id="38" name="矩形 37"/>
+            <p:cNvSpPr/>
+            <p:nvPr/>
+          </p:nvSpPr>
+          <p:spPr>
+            <a:xfrm>
+              <a:off x="6149471" y="4054519"/>
+              <a:ext cx="288032" cy="368747"/>
+            </a:xfrm>
+            <a:prstGeom prst="rect">
+              <a:avLst/>
+            </a:prstGeom>
+            <a:ln/>
+          </p:spPr>
+          <p:style>
+            <a:lnRef idx="2">
+              <a:schemeClr val="accent1"/>
+            </a:lnRef>
+            <a:fillRef idx="1">
+              <a:schemeClr val="lt1"/>
+            </a:fillRef>
+            <a:effectRef idx="0">
+              <a:schemeClr val="accent1"/>
+            </a:effectRef>
+            <a:fontRef idx="minor">
+              <a:schemeClr val="dk1"/>
+            </a:fontRef>
+          </p:style>
+          <p:txBody>
+            <a:bodyPr rtlCol="0" anchor="ctr"/>
+            <a:lstStyle/>
+            <a:p>
+              <a:pPr algn="ctr"/>
+              <a:r>
+                <a:rPr kumimoji="1" lang="zh-CN" altLang="en-US" sz="1100" dirty="0" smtClean="0"/>
+                <a:t>容</a:t>
+              </a:r>
+              <a:endParaRPr kumimoji="1" lang="en-US" altLang="zh-CN" sz="1100" dirty="0" smtClean="0"/>
+            </a:p>
+            <a:p>
+              <a:pPr algn="ctr"/>
+              <a:r>
+                <a:rPr kumimoji="1" lang="zh-CN" altLang="en-US" sz="1100" dirty="0" smtClean="0"/>
+                <a:t>器</a:t>
+              </a:r>
+              <a:endParaRPr kumimoji="1" lang="en-US" altLang="zh-CN" sz="1100" dirty="0" smtClean="0"/>
+            </a:p>
+          </p:txBody>
+        </p:sp>
+      </p:grpSp>
+      <p:cxnSp>
+        <p:nvCxnSpPr>
+          <p:cNvPr id="42" name="肘形连接符 41"/>
+          <p:cNvCxnSpPr>
+            <a:stCxn id="9" idx="2"/>
+            <a:endCxn id="16" idx="0"/>
+          </p:cNvCxnSpPr>
+          <p:nvPr/>
+        </p:nvCxnSpPr>
+        <p:spPr>
+          <a:xfrm rot="5400000">
+            <a:off x="6586753" y="2281807"/>
+            <a:ext cx="789255" cy="1706544"/>
+          </a:xfrm>
+          <a:prstGeom prst="bentConnector3">
+            <a:avLst/>
+          </a:prstGeom>
+          <a:ln>
+            <a:tailEnd type="triangle"/>
+          </a:ln>
+        </p:spPr>
+        <p:style>
+          <a:lnRef idx="2">
+            <a:schemeClr val="accent1"/>
+          </a:lnRef>
+          <a:fillRef idx="0">
+            <a:schemeClr val="accent1"/>
+          </a:fillRef>
+          <a:effectRef idx="1">
+            <a:schemeClr val="accent1"/>
+          </a:effectRef>
+          <a:fontRef idx="minor">
+            <a:schemeClr val="tx1"/>
+          </a:fontRef>
+        </p:style>
+      </p:cxnSp>
+      <p:cxnSp>
+        <p:nvCxnSpPr>
+          <p:cNvPr id="44" name="肘形连接符 43"/>
+          <p:cNvCxnSpPr>
+            <a:stCxn id="9" idx="2"/>
+            <a:endCxn id="33" idx="0"/>
+          </p:cNvCxnSpPr>
+          <p:nvPr/>
+        </p:nvCxnSpPr>
+        <p:spPr>
+          <a:xfrm rot="5400000">
+            <a:off x="7430559" y="3144545"/>
+            <a:ext cx="808186" cy="1"/>
+          </a:xfrm>
+          <a:prstGeom prst="bentConnector3">
+            <a:avLst/>
+          </a:prstGeom>
+          <a:ln>
+            <a:tailEnd type="triangle"/>
+          </a:ln>
+        </p:spPr>
+        <p:style>
+          <a:lnRef idx="2">
+            <a:schemeClr val="accent1"/>
+          </a:lnRef>
+          <a:fillRef idx="0">
+            <a:schemeClr val="accent1"/>
+          </a:fillRef>
+          <a:effectRef idx="1">
+            <a:schemeClr val="accent1"/>
+          </a:effectRef>
+          <a:fontRef idx="minor">
+            <a:schemeClr val="tx1"/>
+          </a:fontRef>
+        </p:style>
+      </p:cxnSp>
+      <p:cxnSp>
+        <p:nvCxnSpPr>
+          <p:cNvPr id="46" name="肘形连接符 45"/>
+          <p:cNvCxnSpPr>
+            <a:stCxn id="9" idx="2"/>
+            <a:endCxn id="39" idx="0"/>
+          </p:cNvCxnSpPr>
+          <p:nvPr/>
+        </p:nvCxnSpPr>
+        <p:spPr>
+          <a:xfrm rot="16200000" flipH="1">
+            <a:off x="8209913" y="2365190"/>
+            <a:ext cx="789255" cy="1539777"/>
+          </a:xfrm>
+          <a:prstGeom prst="bentConnector3">
+            <a:avLst/>
+          </a:prstGeom>
+          <a:ln>
+            <a:tailEnd type="triangle"/>
+          </a:ln>
+        </p:spPr>
+        <p:style>
+          <a:lnRef idx="2">
+            <a:schemeClr val="accent1"/>
+          </a:lnRef>
+          <a:fillRef idx="0">
+            <a:schemeClr val="accent1"/>
+          </a:fillRef>
+          <a:effectRef idx="1">
+            <a:schemeClr val="accent1"/>
+          </a:effectRef>
+          <a:fontRef idx="minor">
+            <a:schemeClr val="tx1"/>
+          </a:fontRef>
+        </p:style>
+      </p:cxnSp>
+      <p:cxnSp>
+        <p:nvCxnSpPr>
+          <p:cNvPr id="48" name="肘形连接符 47"/>
+          <p:cNvCxnSpPr>
+            <a:stCxn id="24" idx="3"/>
+            <a:endCxn id="9" idx="1"/>
+          </p:cNvCxnSpPr>
+          <p:nvPr/>
+        </p:nvCxnSpPr>
+        <p:spPr>
+          <a:xfrm>
+            <a:off x="6458219" y="2150271"/>
+            <a:ext cx="631100" cy="1"/>
+          </a:xfrm>
+          <a:prstGeom prst="bentConnector3">
+            <a:avLst/>
+          </a:prstGeom>
+          <a:ln>
+            <a:tailEnd type="triangle"/>
+          </a:ln>
+        </p:spPr>
+        <p:style>
+          <a:lnRef idx="2">
+            <a:schemeClr val="accent1"/>
+          </a:lnRef>
+          <a:fillRef idx="0">
+            <a:schemeClr val="accent1"/>
+          </a:fillRef>
+          <a:effectRef idx="1">
+            <a:schemeClr val="accent1"/>
+          </a:effectRef>
+          <a:fontRef idx="minor">
+            <a:schemeClr val="tx1"/>
+          </a:fontRef>
+        </p:style>
+      </p:cxnSp>
+    </p:spTree>
+    <p:extLst>
+      <p:ext uri="{BB962C8B-B14F-4D97-AF65-F5344CB8AC3E}">
+        <p14:creationId xmlns:p14="http://schemas.microsoft.com/office/powerpoint/2010/main" val="1299347152"/>
+      </p:ext>
+    </p:extLst>
+  </p:cSld>
+  <p:clrMapOvr>
+    <a:masterClrMapping/>
+  </p:clrMapOvr>
+  <p:timing>
+    <p:tnLst>
+      <p:par>
+        <p:cTn id="1" dur="indefinite" restart="never" nodeType="tmRoot"/>
+      </p:par>
+    </p:tnLst>
+  </p:timing>
+</p:sld>
+</file>
+
+<file path=ppt/slides/slide25.xml><?xml version="1.0" encoding="utf-8"?>
+<p:sld xmlns:a="http://schemas.openxmlformats.org/drawingml/2006/main" xmlns:r="http://schemas.openxmlformats.org/officeDocument/2006/relationships" xmlns:p="http://schemas.openxmlformats.org/presentationml/2006/main">
+  <p:cSld>
+    <p:spTree>
+      <p:nvGrpSpPr>
+        <p:cNvPr id="1" name=""/>
+        <p:cNvGrpSpPr/>
+        <p:nvPr/>
+      </p:nvGrpSpPr>
+      <p:grpSpPr>
+        <a:xfrm>
+          <a:off x="0" y="0"/>
+          <a:ext cx="0" cy="0"/>
+          <a:chOff x="0" y="0"/>
+          <a:chExt cx="0" cy="0"/>
+        </a:xfrm>
+      </p:grpSpPr>
+      <p:sp>
+        <p:nvSpPr>
+          <p:cNvPr id="13" name="标题 1"/>
+          <p:cNvSpPr>
+            <a:spLocks noGrp="1"/>
+          </p:cNvSpPr>
+          <p:nvPr>
+            <p:ph type="title"/>
+          </p:nvPr>
+        </p:nvSpPr>
+        <p:spPr>
+          <a:xfrm>
+            <a:off x="-30903" y="-25956"/>
+            <a:ext cx="9937790" cy="513899"/>
+          </a:xfrm>
+        </p:spPr>
+        <p:txBody>
+          <a:bodyPr>
+            <a:normAutofit fontScale="90000"/>
+          </a:bodyPr>
+          <a:lstStyle/>
+          <a:p>
+            <a:r>
+              <a:rPr lang="zh-CN" altLang="en-US" dirty="0" smtClean="0">
+                <a:solidFill>
+                  <a:srgbClr val="18A2EF"/>
+                </a:solidFill>
+                <a:latin typeface="+mj-ea"/>
+                <a:ea typeface="+mj-ea"/>
+              </a:rPr>
+              <a:t>十一、下一步</a:t>
             </a:r>
             <a:endParaRPr lang="zh-CN" altLang="en-US" dirty="0">
               <a:solidFill>
@@ -25217,7 +27122,7 @@
 </p:sld>
 </file>
 
-<file path=ppt/slides/slide24.xml><?xml version="1.0" encoding="utf-8"?>
+<file path=ppt/slides/slide26.xml><?xml version="1.0" encoding="utf-8"?>
 <p:sld xmlns:a="http://schemas.openxmlformats.org/drawingml/2006/main" xmlns:r="http://schemas.openxmlformats.org/officeDocument/2006/relationships" xmlns:p="http://schemas.openxmlformats.org/presentationml/2006/main">
   <p:cSld>
     <p:spTree>
@@ -26122,7 +28027,7 @@
 </p:sld>
 </file>
 
-<file path=ppt/slides/slide25.xml><?xml version="1.0" encoding="utf-8"?>
+<file path=ppt/slides/slide27.xml><?xml version="1.0" encoding="utf-8"?>
 <p:sld xmlns:a="http://schemas.openxmlformats.org/drawingml/2006/main" xmlns:r="http://schemas.openxmlformats.org/officeDocument/2006/relationships" xmlns:p="http://schemas.openxmlformats.org/presentationml/2006/main">
   <p:cSld>
     <p:spTree>
@@ -26184,6 +28089,105 @@
 </file>
 
 <file path=ppt/slides/slide3.xml><?xml version="1.0" encoding="utf-8"?>
+<p:sld xmlns:a="http://schemas.openxmlformats.org/drawingml/2006/main" xmlns:r="http://schemas.openxmlformats.org/officeDocument/2006/relationships" xmlns:p="http://schemas.openxmlformats.org/presentationml/2006/main">
+  <p:cSld>
+    <p:spTree>
+      <p:nvGrpSpPr>
+        <p:cNvPr id="1" name=""/>
+        <p:cNvGrpSpPr/>
+        <p:nvPr/>
+      </p:nvGrpSpPr>
+      <p:grpSpPr>
+        <a:xfrm>
+          <a:off x="0" y="0"/>
+          <a:ext cx="0" cy="0"/>
+          <a:chOff x="0" y="0"/>
+          <a:chExt cx="0" cy="0"/>
+        </a:xfrm>
+      </p:grpSpPr>
+      <p:sp>
+        <p:nvSpPr>
+          <p:cNvPr id="13" name="标题 1"/>
+          <p:cNvSpPr>
+            <a:spLocks noGrp="1"/>
+          </p:cNvSpPr>
+          <p:nvPr>
+            <p:ph type="title"/>
+          </p:nvPr>
+        </p:nvSpPr>
+        <p:spPr/>
+        <p:txBody>
+          <a:bodyPr/>
+          <a:lstStyle/>
+          <a:p>
+            <a:r>
+              <a:rPr lang="zh-CN" altLang="en-US" dirty="0" smtClean="0">
+                <a:solidFill>
+                  <a:srgbClr val="18A2EF"/>
+                </a:solidFill>
+                <a:latin typeface="+mj-ea"/>
+                <a:ea typeface="+mj-ea"/>
+              </a:rPr>
+              <a:t>一、系统</a:t>
+            </a:r>
+            <a:r>
+              <a:rPr lang="zh-CN" altLang="en-US" dirty="0">
+                <a:solidFill>
+                  <a:srgbClr val="18A2EF"/>
+                </a:solidFill>
+                <a:latin typeface="+mj-ea"/>
+                <a:ea typeface="+mj-ea"/>
+              </a:rPr>
+              <a:t>架构</a:t>
+            </a:r>
+          </a:p>
+        </p:txBody>
+      </p:sp>
+      <p:pic>
+        <p:nvPicPr>
+          <p:cNvPr id="12" name="图片 11"/>
+          <p:cNvPicPr>
+            <a:picLocks noChangeAspect="1"/>
+          </p:cNvPicPr>
+          <p:nvPr/>
+        </p:nvPicPr>
+        <p:blipFill>
+          <a:blip r:embed="rId3"/>
+          <a:stretch>
+            <a:fillRect/>
+          </a:stretch>
+        </p:blipFill>
+        <p:spPr>
+          <a:xfrm>
+            <a:off x="1296541" y="782123"/>
+            <a:ext cx="9880597" cy="5087917"/>
+          </a:xfrm>
+          <a:prstGeom prst="rect">
+            <a:avLst/>
+          </a:prstGeom>
+        </p:spPr>
+      </p:pic>
+    </p:spTree>
+    <p:extLst>
+      <p:ext uri="{BB962C8B-B14F-4D97-AF65-F5344CB8AC3E}">
+        <p14:creationId xmlns:p14="http://schemas.microsoft.com/office/powerpoint/2010/main" val="808497516"/>
+      </p:ext>
+    </p:extLst>
+  </p:cSld>
+  <p:clrMapOvr>
+    <a:masterClrMapping/>
+  </p:clrMapOvr>
+  <p:timing>
+    <p:tnLst>
+      <p:par>
+        <p:cTn id="1" dur="indefinite" restart="never" nodeType="tmRoot"/>
+      </p:par>
+    </p:tnLst>
+  </p:timing>
+</p:sld>
+</file>
+
+<file path=ppt/slides/slide4.xml><?xml version="1.0" encoding="utf-8"?>
 <p:sld xmlns:a="http://schemas.openxmlformats.org/drawingml/2006/main" xmlns:r="http://schemas.openxmlformats.org/officeDocument/2006/relationships" xmlns:p="http://schemas.openxmlformats.org/presentationml/2006/main">
   <p:cSld>
     <p:spTree>
@@ -26721,7 +28725,7 @@
         </p:nvGrpSpPr>
         <p:grpSpPr>
           <a:xfrm>
-            <a:off x="8713365" y="2003733"/>
+            <a:off x="8763600" y="1966321"/>
             <a:ext cx="2376264" cy="1185380"/>
             <a:chOff x="8713365" y="2003733"/>
             <a:chExt cx="2376264" cy="1185380"/>
@@ -27686,9 +29690,9 @@
           <p:nvPr/>
         </p:nvCxnSpPr>
         <p:spPr>
-          <a:xfrm flipH="1" flipV="1">
-            <a:off x="7297543" y="2587450"/>
-            <a:ext cx="1415822" cy="8973"/>
+          <a:xfrm flipH="1">
+            <a:off x="7297543" y="2559011"/>
+            <a:ext cx="1466057" cy="28439"/>
           </a:xfrm>
           <a:prstGeom prst="straightConnector1">
             <a:avLst/>
@@ -28499,7 +30503,7 @@
         </p:nvCxnSpPr>
         <p:spPr>
           <a:xfrm flipH="1" flipV="1">
-            <a:off x="10369549" y="2596423"/>
+            <a:off x="10419784" y="2559011"/>
             <a:ext cx="468052" cy="8216"/>
           </a:xfrm>
           <a:prstGeom prst="straightConnector1">
@@ -28534,7 +30538,7 @@
         </p:nvCxnSpPr>
         <p:spPr>
           <a:xfrm flipH="1">
-            <a:off x="9500508" y="3189113"/>
+            <a:off x="9550743" y="3151701"/>
             <a:ext cx="40949" cy="2484784"/>
           </a:xfrm>
           <a:prstGeom prst="straightConnector1">
@@ -28755,7 +30759,7 @@
 </p:sld>
 </file>
 
-<file path=ppt/slides/slide4.xml><?xml version="1.0" encoding="utf-8"?>
+<file path=ppt/slides/slide5.xml><?xml version="1.0" encoding="utf-8"?>
 <p:sld xmlns:a="http://schemas.openxmlformats.org/drawingml/2006/main" xmlns:r="http://schemas.openxmlformats.org/officeDocument/2006/relationships" xmlns:p="http://schemas.openxmlformats.org/presentationml/2006/main">
   <p:cSld>
     <p:spTree>
@@ -31015,7 +33019,7 @@
 </p:sld>
 </file>
 
-<file path=ppt/slides/slide5.xml><?xml version="1.0" encoding="utf-8"?>
+<file path=ppt/slides/slide6.xml><?xml version="1.0" encoding="utf-8"?>
 <p:sld xmlns:a="http://schemas.openxmlformats.org/drawingml/2006/main" xmlns:r="http://schemas.openxmlformats.org/officeDocument/2006/relationships" xmlns:p="http://schemas.openxmlformats.org/presentationml/2006/main">
   <p:cSld>
     <p:spTree>
@@ -32297,6 +34301,48 @@
           </p:txBody>
         </p:sp>
       </p:grpSp>
+      <p:sp>
+        <p:nvSpPr>
+          <p:cNvPr id="32" name="矩形 31"/>
+          <p:cNvSpPr/>
+          <p:nvPr/>
+        </p:nvSpPr>
+        <p:spPr>
+          <a:xfrm>
+            <a:off x="8594258" y="5009892"/>
+            <a:ext cx="405121" cy="576064"/>
+          </a:xfrm>
+          <a:prstGeom prst="rect">
+            <a:avLst/>
+          </a:prstGeom>
+          <a:ln/>
+        </p:spPr>
+        <p:style>
+          <a:lnRef idx="2">
+            <a:schemeClr val="accent1"/>
+          </a:lnRef>
+          <a:fillRef idx="1">
+            <a:schemeClr val="lt1"/>
+          </a:fillRef>
+          <a:effectRef idx="0">
+            <a:schemeClr val="accent1"/>
+          </a:effectRef>
+          <a:fontRef idx="minor">
+            <a:schemeClr val="dk1"/>
+          </a:fontRef>
+        </p:style>
+        <p:txBody>
+          <a:bodyPr rtlCol="0" anchor="ctr"/>
+          <a:lstStyle/>
+          <a:p>
+            <a:pPr algn="ctr"/>
+            <a:r>
+              <a:rPr kumimoji="1" lang="en-US" altLang="zh-CN" sz="1100" dirty="0" smtClean="0"/>
+              <a:t>N..</a:t>
+            </a:r>
+          </a:p>
+        </p:txBody>
+      </p:sp>
     </p:spTree>
     <p:extLst>
       <p:ext uri="{BB962C8B-B14F-4D97-AF65-F5344CB8AC3E}">
@@ -32317,7 +34363,7 @@
 </p:sld>
 </file>
 
-<file path=ppt/slides/slide6.xml><?xml version="1.0" encoding="utf-8"?>
+<file path=ppt/slides/slide7.xml><?xml version="1.0" encoding="utf-8"?>
 <p:sld xmlns:a="http://schemas.openxmlformats.org/drawingml/2006/main" xmlns:r="http://schemas.openxmlformats.org/officeDocument/2006/relationships" xmlns:p="http://schemas.openxmlformats.org/presentationml/2006/main">
   <p:cSld>
     <p:spTree>
@@ -33320,7 +35366,7 @@
 </p:sld>
 </file>
 
-<file path=ppt/slides/slide7.xml><?xml version="1.0" encoding="utf-8"?>
+<file path=ppt/slides/slide8.xml><?xml version="1.0" encoding="utf-8"?>
 <p:sld xmlns:a="http://schemas.openxmlformats.org/drawingml/2006/main" xmlns:r="http://schemas.openxmlformats.org/officeDocument/2006/relationships" xmlns:p="http://schemas.openxmlformats.org/presentationml/2006/main">
   <p:cSld>
     <p:spTree>
@@ -33990,7 +36036,7 @@
 </p:sld>
 </file>
 
-<file path=ppt/slides/slide8.xml><?xml version="1.0" encoding="utf-8"?>
+<file path=ppt/slides/slide9.xml><?xml version="1.0" encoding="utf-8"?>
 <p:sld xmlns:a="http://schemas.openxmlformats.org/drawingml/2006/main" xmlns:r="http://schemas.openxmlformats.org/officeDocument/2006/relationships" xmlns:p="http://schemas.openxmlformats.org/presentationml/2006/main">
   <p:cSld>
     <p:spTree>
@@ -34424,7 +36470,7 @@
         </p:nvGrpSpPr>
         <p:grpSpPr>
           <a:xfrm>
-            <a:off x="6921453" y="1599146"/>
+            <a:off x="6948566" y="1599146"/>
             <a:ext cx="1535192" cy="1368152"/>
             <a:chOff x="6870758" y="2070639"/>
             <a:chExt cx="1535192" cy="1368152"/>
@@ -34830,7 +36876,7 @@
         </p:nvCxnSpPr>
         <p:spPr>
           <a:xfrm flipH="1">
-            <a:off x="8161777" y="2809627"/>
+            <a:off x="8188890" y="2809627"/>
             <a:ext cx="1" cy="1367665"/>
           </a:xfrm>
           <a:prstGeom prst="straightConnector1">
@@ -35027,8 +37073,8 @@
         </p:nvCxnSpPr>
         <p:spPr>
           <a:xfrm rot="16200000" flipH="1">
-            <a:off x="6440484" y="3566011"/>
-            <a:ext cx="1979733" cy="494274"/>
+            <a:off x="6454040" y="3579567"/>
+            <a:ext cx="1979733" cy="467161"/>
           </a:xfrm>
           <a:prstGeom prst="bentConnector2">
             <a:avLst/>
@@ -35068,8 +37114,8 @@
         </p:nvCxnSpPr>
         <p:spPr>
           <a:xfrm rot="16200000" flipH="1">
-            <a:off x="9274642" y="1120698"/>
-            <a:ext cx="13655" cy="2239385"/>
+            <a:off x="9288199" y="1134254"/>
+            <a:ext cx="13655" cy="2212272"/>
           </a:xfrm>
           <a:prstGeom prst="bentConnector3">
             <a:avLst>
@@ -35106,8 +37152,8 @@
         </p:nvCxnSpPr>
         <p:spPr>
           <a:xfrm rot="16200000" flipH="1">
-            <a:off x="9516787" y="878553"/>
-            <a:ext cx="13655" cy="2723675"/>
+            <a:off x="9530344" y="892109"/>
+            <a:ext cx="13655" cy="2696562"/>
           </a:xfrm>
           <a:prstGeom prst="bentConnector3">
             <a:avLst>
@@ -35144,8 +37190,8 @@
         </p:nvCxnSpPr>
         <p:spPr>
           <a:xfrm rot="16200000" flipH="1">
-            <a:off x="9027505" y="1367835"/>
-            <a:ext cx="13655" cy="1745110"/>
+            <a:off x="9041061" y="1381392"/>
+            <a:ext cx="13655" cy="1717997"/>
           </a:xfrm>
           <a:prstGeom prst="bentConnector3">
             <a:avLst>
@@ -35175,701 +37221,6 @@
     <p:extLst>
       <p:ext uri="{BB962C8B-B14F-4D97-AF65-F5344CB8AC3E}">
         <p14:creationId xmlns:p14="http://schemas.microsoft.com/office/powerpoint/2010/main" val="739309588"/>
-      </p:ext>
-    </p:extLst>
-  </p:cSld>
-  <p:clrMapOvr>
-    <a:masterClrMapping/>
-  </p:clrMapOvr>
-  <p:timing>
-    <p:tnLst>
-      <p:par>
-        <p:cTn id="1" dur="indefinite" restart="never" nodeType="tmRoot"/>
-      </p:par>
-    </p:tnLst>
-  </p:timing>
-</p:sld>
-</file>
-
-<file path=ppt/slides/slide9.xml><?xml version="1.0" encoding="utf-8"?>
-<p:sld xmlns:a="http://schemas.openxmlformats.org/drawingml/2006/main" xmlns:r="http://schemas.openxmlformats.org/officeDocument/2006/relationships" xmlns:p="http://schemas.openxmlformats.org/presentationml/2006/main">
-  <p:cSld>
-    <p:spTree>
-      <p:nvGrpSpPr>
-        <p:cNvPr id="1" name=""/>
-        <p:cNvGrpSpPr/>
-        <p:nvPr/>
-      </p:nvGrpSpPr>
-      <p:grpSpPr>
-        <a:xfrm>
-          <a:off x="0" y="0"/>
-          <a:ext cx="0" cy="0"/>
-          <a:chOff x="0" y="0"/>
-          <a:chExt cx="0" cy="0"/>
-        </a:xfrm>
-      </p:grpSpPr>
-      <p:sp>
-        <p:nvSpPr>
-          <p:cNvPr id="13" name="标题 1"/>
-          <p:cNvSpPr>
-            <a:spLocks noGrp="1"/>
-          </p:cNvSpPr>
-          <p:nvPr>
-            <p:ph type="title"/>
-          </p:nvPr>
-        </p:nvSpPr>
-        <p:spPr>
-          <a:xfrm>
-            <a:off x="46435" y="25228"/>
-            <a:ext cx="9937790" cy="513899"/>
-          </a:xfrm>
-        </p:spPr>
-        <p:txBody>
-          <a:bodyPr/>
-          <a:lstStyle/>
-          <a:p>
-            <a:r>
-              <a:rPr lang="zh-CN" altLang="en-US" dirty="0" smtClean="0">
-                <a:solidFill>
-                  <a:srgbClr val="18A2EF"/>
-                </a:solidFill>
-                <a:latin typeface="+mj-ea"/>
-                <a:ea typeface="+mj-ea"/>
-              </a:rPr>
-              <a:t>客户端负载均衡</a:t>
-            </a:r>
-            <a:endParaRPr lang="zh-CN" altLang="en-US" dirty="0">
-              <a:solidFill>
-                <a:srgbClr val="18A2EF"/>
-              </a:solidFill>
-              <a:latin typeface="+mj-ea"/>
-              <a:ea typeface="+mj-ea"/>
-            </a:endParaRPr>
-          </a:p>
-        </p:txBody>
-      </p:sp>
-      <p:sp>
-        <p:nvSpPr>
-          <p:cNvPr id="50" name="矩形 49"/>
-          <p:cNvSpPr/>
-          <p:nvPr/>
-        </p:nvSpPr>
-        <p:spPr>
-          <a:xfrm>
-            <a:off x="272896" y="736913"/>
-            <a:ext cx="5632157" cy="3170099"/>
-          </a:xfrm>
-          <a:prstGeom prst="rect">
-            <a:avLst/>
-          </a:prstGeom>
-        </p:spPr>
-        <p:txBody>
-          <a:bodyPr wrap="square">
-            <a:spAutoFit/>
-          </a:bodyPr>
-          <a:lstStyle/>
-          <a:p>
-            <a:pPr algn="just"/>
-            <a:endParaRPr lang="en-US" altLang="zh-CN" sz="2000" kern="100" dirty="0">
-              <a:latin typeface="Times New Roman" panose="02020603050405020304" pitchFamily="18" charset="0"/>
-              <a:cs typeface="Times New Roman" panose="02020603050405020304" pitchFamily="18" charset="0"/>
-            </a:endParaRPr>
-          </a:p>
-          <a:p>
-            <a:pPr algn="just"/>
-            <a:r>
-              <a:rPr lang="zh-CN" altLang="en-US" sz="2000" b="1" kern="100" dirty="0" smtClean="0">
-                <a:latin typeface="Times New Roman" panose="02020603050405020304" pitchFamily="18" charset="0"/>
-                <a:cs typeface="Times New Roman" panose="02020603050405020304" pitchFamily="18" charset="0"/>
-              </a:rPr>
-              <a:t>举例</a:t>
-            </a:r>
-            <a:r>
-              <a:rPr lang="zh-CN" altLang="zh-CN" sz="2000" b="1" kern="100" dirty="0" smtClean="0">
-                <a:latin typeface="Times New Roman" panose="02020603050405020304" pitchFamily="18" charset="0"/>
-                <a:cs typeface="Times New Roman" panose="02020603050405020304" pitchFamily="18" charset="0"/>
-              </a:rPr>
-              <a:t>：</a:t>
-            </a:r>
-            <a:endParaRPr lang="en-US" altLang="zh-CN" sz="2000" kern="100" dirty="0" smtClean="0">
-              <a:latin typeface="Times New Roman" panose="02020603050405020304" pitchFamily="18" charset="0"/>
-              <a:cs typeface="Times New Roman" panose="02020603050405020304" pitchFamily="18" charset="0"/>
-            </a:endParaRPr>
-          </a:p>
-          <a:p>
-            <a:pPr algn="just"/>
-            <a:r>
-              <a:rPr lang="en-US" altLang="zh-CN" sz="2000" kern="100" dirty="0" smtClean="0">
-                <a:latin typeface="Times New Roman" panose="02020603050405020304" pitchFamily="18" charset="0"/>
-                <a:cs typeface="Times New Roman" panose="02020603050405020304" pitchFamily="18" charset="0"/>
-              </a:rPr>
-              <a:t>1</a:t>
-            </a:r>
-            <a:r>
-              <a:rPr lang="zh-CN" altLang="en-US" sz="2000" kern="100" dirty="0" smtClean="0">
-                <a:latin typeface="Times New Roman" panose="02020603050405020304" pitchFamily="18" charset="0"/>
-                <a:cs typeface="Times New Roman" panose="02020603050405020304" pitchFamily="18" charset="0"/>
-              </a:rPr>
-              <a:t>、</a:t>
-            </a:r>
-            <a:r>
-              <a:rPr lang="en-US" altLang="zh-CN" sz="2000" i="1" dirty="0" smtClean="0"/>
-              <a:t> ./</a:t>
-            </a:r>
-            <a:r>
-              <a:rPr lang="en-US" altLang="zh-CN" sz="2000" i="1" dirty="0" err="1" smtClean="0"/>
-              <a:t>deploylocal.sh</a:t>
-            </a:r>
-            <a:r>
-              <a:rPr lang="en-US" altLang="zh-CN" sz="2000" i="1" dirty="0" smtClean="0"/>
-              <a:t> -a eureka-ribbon -b 8764 -c 8764 -d eureka-ribbon</a:t>
-            </a:r>
-          </a:p>
-          <a:p>
-            <a:pPr algn="just"/>
-            <a:endParaRPr lang="en-US" altLang="zh-CN" sz="2000" i="1" kern="100" dirty="0">
-              <a:latin typeface="Times New Roman" panose="02020603050405020304" pitchFamily="18" charset="0"/>
-              <a:cs typeface="Times New Roman" panose="02020603050405020304" pitchFamily="18" charset="0"/>
-            </a:endParaRPr>
-          </a:p>
-          <a:p>
-            <a:pPr algn="just"/>
-            <a:r>
-              <a:rPr lang="en-US" altLang="zh-CN" sz="2000" i="1" kern="100" dirty="0" smtClean="0">
-                <a:latin typeface="Times New Roman" panose="02020603050405020304" pitchFamily="18" charset="0"/>
-                <a:cs typeface="Times New Roman" panose="02020603050405020304" pitchFamily="18" charset="0"/>
-              </a:rPr>
-              <a:t>2</a:t>
-            </a:r>
-            <a:r>
-              <a:rPr lang="zh-CN" altLang="en-US" sz="2000" i="1" kern="100" dirty="0" smtClean="0">
-                <a:latin typeface="Times New Roman" panose="02020603050405020304" pitchFamily="18" charset="0"/>
-                <a:cs typeface="Times New Roman" panose="02020603050405020304" pitchFamily="18" charset="0"/>
-              </a:rPr>
-              <a:t>、访问</a:t>
-            </a:r>
-            <a:r>
-              <a:rPr lang="en-US" altLang="zh-CN" sz="2000" i="1" kern="100" dirty="0">
-                <a:latin typeface="Times New Roman" panose="02020603050405020304" pitchFamily="18" charset="0"/>
-                <a:cs typeface="Times New Roman" panose="02020603050405020304" pitchFamily="18" charset="0"/>
-              </a:rPr>
-              <a:t>http://</a:t>
-            </a:r>
-            <a:r>
-              <a:rPr lang="en-US" altLang="zh-CN" sz="2000" i="1" kern="100" dirty="0" smtClean="0">
-                <a:latin typeface="Times New Roman" panose="02020603050405020304" pitchFamily="18" charset="0"/>
-                <a:cs typeface="Times New Roman" panose="02020603050405020304" pitchFamily="18" charset="0"/>
-              </a:rPr>
-              <a:t>localhost:8764/</a:t>
-            </a:r>
-            <a:r>
-              <a:rPr lang="en-US" altLang="zh-CN" sz="2000" i="1" kern="100" dirty="0" err="1" smtClean="0">
-                <a:latin typeface="Times New Roman" panose="02020603050405020304" pitchFamily="18" charset="0"/>
-                <a:cs typeface="Times New Roman" panose="02020603050405020304" pitchFamily="18" charset="0"/>
-              </a:rPr>
-              <a:t>hi?name</a:t>
-            </a:r>
-            <a:r>
-              <a:rPr lang="en-US" altLang="zh-CN" sz="2000" i="1" kern="100" dirty="0" smtClean="0">
-                <a:latin typeface="Times New Roman" panose="02020603050405020304" pitchFamily="18" charset="0"/>
-                <a:cs typeface="Times New Roman" panose="02020603050405020304" pitchFamily="18" charset="0"/>
-              </a:rPr>
-              <a:t>=111</a:t>
-            </a:r>
-            <a:r>
-              <a:rPr lang="zh-CN" altLang="en-US" sz="2000" i="1" kern="100" dirty="0" smtClean="0">
-                <a:latin typeface="Times New Roman" panose="02020603050405020304" pitchFamily="18" charset="0"/>
-                <a:cs typeface="Times New Roman" panose="02020603050405020304" pitchFamily="18" charset="0"/>
-              </a:rPr>
-              <a:t>多次刷新，看到不同的结果</a:t>
-            </a:r>
-            <a:endParaRPr lang="en-US" altLang="zh-CN" sz="2000" i="1" kern="100" dirty="0" smtClean="0">
-              <a:latin typeface="Times New Roman" panose="02020603050405020304" pitchFamily="18" charset="0"/>
-              <a:cs typeface="Times New Roman" panose="02020603050405020304" pitchFamily="18" charset="0"/>
-            </a:endParaRPr>
-          </a:p>
-          <a:p>
-            <a:pPr algn="just"/>
-            <a:endParaRPr lang="en-US" altLang="zh-CN" sz="2000" i="1" kern="100" dirty="0">
-              <a:latin typeface="Times New Roman" panose="02020603050405020304" pitchFamily="18" charset="0"/>
-              <a:cs typeface="Times New Roman" panose="02020603050405020304" pitchFamily="18" charset="0"/>
-            </a:endParaRPr>
-          </a:p>
-          <a:p>
-            <a:pPr algn="just"/>
-            <a:endParaRPr lang="en-US" altLang="zh-CN" sz="2000" i="1" kern="100" dirty="0" smtClean="0">
-              <a:latin typeface="Times New Roman" panose="02020603050405020304" pitchFamily="18" charset="0"/>
-              <a:cs typeface="Times New Roman" panose="02020603050405020304" pitchFamily="18" charset="0"/>
-            </a:endParaRPr>
-          </a:p>
-          <a:p>
-            <a:pPr algn="just"/>
-            <a:r>
-              <a:rPr lang="zh-CN" altLang="en-US" sz="2000" b="1" kern="100" dirty="0">
-                <a:latin typeface="Times New Roman" panose="02020603050405020304" pitchFamily="18" charset="0"/>
-                <a:cs typeface="Times New Roman" panose="02020603050405020304" pitchFamily="18" charset="0"/>
-              </a:rPr>
-              <a:t>小结：微服务引入</a:t>
-            </a:r>
-            <a:r>
-              <a:rPr lang="zh-CN" altLang="en-US" sz="2000" b="1" kern="100" dirty="0" smtClean="0">
-                <a:latin typeface="Times New Roman" panose="02020603050405020304" pitchFamily="18" charset="0"/>
-                <a:cs typeface="Times New Roman" panose="02020603050405020304" pitchFamily="18" charset="0"/>
-              </a:rPr>
-              <a:t>了客户端负载均衡</a:t>
-            </a:r>
-            <a:endParaRPr lang="en-US" altLang="zh-CN" sz="2000" kern="100" dirty="0">
-              <a:latin typeface="Times New Roman" panose="02020603050405020304" pitchFamily="18" charset="0"/>
-              <a:cs typeface="Times New Roman" panose="02020603050405020304" pitchFamily="18" charset="0"/>
-            </a:endParaRPr>
-          </a:p>
-        </p:txBody>
-      </p:sp>
-      <p:pic>
-        <p:nvPicPr>
-          <p:cNvPr id="4" name="图片 3"/>
-          <p:cNvPicPr>
-            <a:picLocks noChangeAspect="1"/>
-          </p:cNvPicPr>
-          <p:nvPr/>
-        </p:nvPicPr>
-        <p:blipFill>
-          <a:blip r:embed="rId3"/>
-          <a:stretch>
-            <a:fillRect/>
-          </a:stretch>
-        </p:blipFill>
-        <p:spPr>
-          <a:xfrm>
-            <a:off x="4846129" y="2665611"/>
-            <a:ext cx="5976664" cy="1257300"/>
-          </a:xfrm>
-          <a:prstGeom prst="rect">
-            <a:avLst/>
-          </a:prstGeom>
-        </p:spPr>
-      </p:pic>
-      <p:pic>
-        <p:nvPicPr>
-          <p:cNvPr id="5" name="图片 4"/>
-          <p:cNvPicPr>
-            <a:picLocks noChangeAspect="1"/>
-          </p:cNvPicPr>
-          <p:nvPr/>
-        </p:nvPicPr>
-        <p:blipFill>
-          <a:blip r:embed="rId4"/>
-          <a:stretch>
-            <a:fillRect/>
-          </a:stretch>
-        </p:blipFill>
-        <p:spPr>
-          <a:xfrm>
-            <a:off x="4846129" y="4309495"/>
-            <a:ext cx="6171492" cy="1739900"/>
-          </a:xfrm>
-          <a:prstGeom prst="rect">
-            <a:avLst/>
-          </a:prstGeom>
-        </p:spPr>
-      </p:pic>
-      <p:grpSp>
-        <p:nvGrpSpPr>
-          <p:cNvPr id="6" name="组 5"/>
-          <p:cNvGrpSpPr/>
-          <p:nvPr/>
-        </p:nvGrpSpPr>
-        <p:grpSpPr>
-          <a:xfrm>
-            <a:off x="1512565" y="4033763"/>
-            <a:ext cx="3001332" cy="1784771"/>
-            <a:chOff x="1512565" y="4033763"/>
-            <a:chExt cx="3001332" cy="1784771"/>
-          </a:xfrm>
-        </p:grpSpPr>
-        <p:grpSp>
-          <p:nvGrpSpPr>
-            <p:cNvPr id="8" name="组 7"/>
-            <p:cNvGrpSpPr/>
-            <p:nvPr/>
-          </p:nvGrpSpPr>
-          <p:grpSpPr>
-            <a:xfrm>
-              <a:off x="1512565" y="4033763"/>
-              <a:ext cx="3001332" cy="1784771"/>
-              <a:chOff x="1872605" y="3641825"/>
-              <a:chExt cx="3001332" cy="1784771"/>
-            </a:xfrm>
-          </p:grpSpPr>
-          <p:sp>
-            <p:nvSpPr>
-              <p:cNvPr id="9" name="矩形 8"/>
-              <p:cNvSpPr/>
-              <p:nvPr/>
-            </p:nvSpPr>
-            <p:spPr>
-              <a:xfrm>
-                <a:off x="1872605" y="3641825"/>
-                <a:ext cx="3001332" cy="1784771"/>
-              </a:xfrm>
-              <a:prstGeom prst="rect">
-                <a:avLst/>
-              </a:prstGeom>
-              <a:ln/>
-            </p:spPr>
-            <p:style>
-              <a:lnRef idx="2">
-                <a:schemeClr val="dk1"/>
-              </a:lnRef>
-              <a:fillRef idx="1">
-                <a:schemeClr val="lt1"/>
-              </a:fillRef>
-              <a:effectRef idx="0">
-                <a:schemeClr val="dk1"/>
-              </a:effectRef>
-              <a:fontRef idx="minor">
-                <a:schemeClr val="dk1"/>
-              </a:fontRef>
-            </p:style>
-            <p:txBody>
-              <a:bodyPr rtlCol="0" anchor="ctr"/>
-              <a:lstStyle/>
-              <a:p>
-                <a:pPr algn="ctr"/>
-                <a:endParaRPr kumimoji="1" lang="zh-CN" altLang="en-US" dirty="0" smtClean="0"/>
-              </a:p>
-            </p:txBody>
-          </p:sp>
-          <p:sp>
-            <p:nvSpPr>
-              <p:cNvPr id="10" name="折角形 9"/>
-              <p:cNvSpPr/>
-              <p:nvPr/>
-            </p:nvSpPr>
-            <p:spPr>
-              <a:xfrm>
-                <a:off x="1973124" y="3846441"/>
-                <a:ext cx="1132823" cy="360040"/>
-              </a:xfrm>
-              <a:prstGeom prst="foldedCorner">
-                <a:avLst/>
-              </a:prstGeom>
-              <a:solidFill>
-                <a:srgbClr val="92D050"/>
-              </a:solidFill>
-              <a:ln>
-                <a:solidFill>
-                  <a:schemeClr val="tx2">
-                    <a:lumMod val="40000"/>
-                    <a:lumOff val="60000"/>
-                  </a:schemeClr>
-                </a:solidFill>
-              </a:ln>
-            </p:spPr>
-            <p:style>
-              <a:lnRef idx="2">
-                <a:schemeClr val="accent1">
-                  <a:shade val="50000"/>
-                </a:schemeClr>
-              </a:lnRef>
-              <a:fillRef idx="1">
-                <a:schemeClr val="accent1"/>
-              </a:fillRef>
-              <a:effectRef idx="0">
-                <a:schemeClr val="accent1"/>
-              </a:effectRef>
-              <a:fontRef idx="minor">
-                <a:schemeClr val="lt1"/>
-              </a:fontRef>
-            </p:style>
-            <p:txBody>
-              <a:bodyPr rtlCol="0" anchor="ctr"/>
-              <a:lstStyle/>
-              <a:p>
-                <a:pPr algn="ctr"/>
-                <a:r>
-                  <a:rPr kumimoji="1" lang="zh-CN" altLang="en-US" sz="1050" dirty="0" smtClean="0"/>
-                  <a:t>服务注册（</a:t>
-                </a:r>
-                <a:r>
-                  <a:rPr kumimoji="1" lang="en-US" altLang="zh-CN" sz="1050" dirty="0" smtClean="0"/>
-                  <a:t>Eureka</a:t>
-                </a:r>
-                <a:r>
-                  <a:rPr kumimoji="1" lang="zh-CN" altLang="en-US" sz="1050" dirty="0" smtClean="0"/>
-                  <a:t> </a:t>
-                </a:r>
-                <a:r>
-                  <a:rPr kumimoji="1" lang="en-US" altLang="zh-CN" sz="1050" dirty="0" smtClean="0"/>
-                  <a:t>Client</a:t>
-                </a:r>
-                <a:r>
-                  <a:rPr kumimoji="1" lang="zh-CN" altLang="en-US" sz="1050" dirty="0" smtClean="0"/>
-                  <a:t>）</a:t>
-                </a:r>
-              </a:p>
-            </p:txBody>
-          </p:sp>
-          <p:grpSp>
-            <p:nvGrpSpPr>
-              <p:cNvPr id="11" name="组 10"/>
-              <p:cNvGrpSpPr/>
-              <p:nvPr/>
-            </p:nvGrpSpPr>
-            <p:grpSpPr>
-              <a:xfrm>
-                <a:off x="3186967" y="3846441"/>
-                <a:ext cx="1571076" cy="1368152"/>
-                <a:chOff x="4115246" y="4105771"/>
-                <a:chExt cx="1597849" cy="1368152"/>
-              </a:xfrm>
-            </p:grpSpPr>
-            <p:sp>
-              <p:nvSpPr>
-                <p:cNvPr id="12" name="矩形 11"/>
-                <p:cNvSpPr/>
-                <p:nvPr/>
-              </p:nvSpPr>
-              <p:spPr>
-                <a:xfrm>
-                  <a:off x="4115246" y="4105771"/>
-                  <a:ext cx="1597849" cy="1368152"/>
-                </a:xfrm>
-                <a:prstGeom prst="rect">
-                  <a:avLst/>
-                </a:prstGeom>
-                <a:ln/>
-              </p:spPr>
-              <p:style>
-                <a:lnRef idx="2">
-                  <a:schemeClr val="accent1"/>
-                </a:lnRef>
-                <a:fillRef idx="1">
-                  <a:schemeClr val="lt1"/>
-                </a:fillRef>
-                <a:effectRef idx="0">
-                  <a:schemeClr val="accent1"/>
-                </a:effectRef>
-                <a:fontRef idx="minor">
-                  <a:schemeClr val="dk1"/>
-                </a:fontRef>
-              </p:style>
-              <p:txBody>
-                <a:bodyPr rtlCol="0" anchor="t"/>
-                <a:lstStyle/>
-                <a:p>
-                  <a:pPr algn="ctr"/>
-                  <a:r>
-                    <a:rPr kumimoji="1" lang="en-US" altLang="zh-CN" sz="1100" dirty="0" smtClean="0"/>
-                    <a:t>MicroService1</a:t>
-                  </a:r>
-                </a:p>
-                <a:p>
-                  <a:pPr algn="ctr"/>
-                  <a:r>
-                    <a:rPr kumimoji="1" lang="en-US" altLang="zh-CN" sz="1100" dirty="0" smtClean="0"/>
-                    <a:t>cluster</a:t>
-                  </a:r>
-                  <a:endParaRPr kumimoji="1" lang="zh-CN" altLang="en-US" sz="1100" dirty="0" smtClean="0"/>
-                </a:p>
-              </p:txBody>
-            </p:sp>
-            <p:sp>
-              <p:nvSpPr>
-                <p:cNvPr id="14" name="矩形 13"/>
-                <p:cNvSpPr/>
-                <p:nvPr/>
-              </p:nvSpPr>
-              <p:spPr>
-                <a:xfrm>
-                  <a:off x="4176861" y="4753843"/>
-                  <a:ext cx="421656" cy="576064"/>
-                </a:xfrm>
-                <a:prstGeom prst="rect">
-                  <a:avLst/>
-                </a:prstGeom>
-                <a:ln/>
-              </p:spPr>
-              <p:style>
-                <a:lnRef idx="2">
-                  <a:schemeClr val="accent1"/>
-                </a:lnRef>
-                <a:fillRef idx="1">
-                  <a:schemeClr val="lt1"/>
-                </a:fillRef>
-                <a:effectRef idx="0">
-                  <a:schemeClr val="accent1"/>
-                </a:effectRef>
-                <a:fontRef idx="minor">
-                  <a:schemeClr val="dk1"/>
-                </a:fontRef>
-              </p:style>
-              <p:txBody>
-                <a:bodyPr rtlCol="0" anchor="ctr"/>
-                <a:lstStyle/>
-                <a:p>
-                  <a:pPr algn="ctr"/>
-                  <a:r>
-                    <a:rPr kumimoji="1" lang="en-US" altLang="zh-CN" sz="1100" smtClean="0"/>
-                    <a:t>N1</a:t>
-                  </a:r>
-                  <a:endParaRPr kumimoji="1" lang="en-US" altLang="zh-CN" sz="1100" dirty="0" smtClean="0"/>
-                </a:p>
-              </p:txBody>
-            </p:sp>
-            <p:sp>
-              <p:nvSpPr>
-                <p:cNvPr id="15" name="矩形 14"/>
-                <p:cNvSpPr/>
-                <p:nvPr/>
-              </p:nvSpPr>
-              <p:spPr>
-                <a:xfrm>
-                  <a:off x="4691309" y="4753843"/>
-                  <a:ext cx="421656" cy="576064"/>
-                </a:xfrm>
-                <a:prstGeom prst="rect">
-                  <a:avLst/>
-                </a:prstGeom>
-                <a:ln/>
-              </p:spPr>
-              <p:style>
-                <a:lnRef idx="2">
-                  <a:schemeClr val="accent1"/>
-                </a:lnRef>
-                <a:fillRef idx="1">
-                  <a:schemeClr val="lt1"/>
-                </a:fillRef>
-                <a:effectRef idx="0">
-                  <a:schemeClr val="accent1"/>
-                </a:effectRef>
-                <a:fontRef idx="minor">
-                  <a:schemeClr val="dk1"/>
-                </a:fontRef>
-              </p:style>
-              <p:txBody>
-                <a:bodyPr rtlCol="0" anchor="ctr"/>
-                <a:lstStyle/>
-                <a:p>
-                  <a:pPr algn="ctr"/>
-                  <a:r>
-                    <a:rPr kumimoji="1" lang="en-US" altLang="zh-CN" sz="1100" dirty="0" smtClean="0"/>
-                    <a:t>N2</a:t>
-                  </a:r>
-                </a:p>
-              </p:txBody>
-            </p:sp>
-            <p:sp>
-              <p:nvSpPr>
-                <p:cNvPr id="16" name="矩形 15"/>
-                <p:cNvSpPr/>
-                <p:nvPr/>
-              </p:nvSpPr>
-              <p:spPr>
-                <a:xfrm>
-                  <a:off x="5195365" y="4753843"/>
-                  <a:ext cx="421656" cy="576064"/>
-                </a:xfrm>
-                <a:prstGeom prst="rect">
-                  <a:avLst/>
-                </a:prstGeom>
-                <a:ln/>
-              </p:spPr>
-              <p:style>
-                <a:lnRef idx="2">
-                  <a:schemeClr val="accent1"/>
-                </a:lnRef>
-                <a:fillRef idx="1">
-                  <a:schemeClr val="lt1"/>
-                </a:fillRef>
-                <a:effectRef idx="0">
-                  <a:schemeClr val="accent1"/>
-                </a:effectRef>
-                <a:fontRef idx="minor">
-                  <a:schemeClr val="dk1"/>
-                </a:fontRef>
-              </p:style>
-              <p:txBody>
-                <a:bodyPr rtlCol="0" anchor="ctr"/>
-                <a:lstStyle/>
-                <a:p>
-                  <a:pPr algn="ctr"/>
-                  <a:r>
-                    <a:rPr kumimoji="1" lang="en-US" altLang="zh-CN" sz="1100" dirty="0" smtClean="0"/>
-                    <a:t>N..</a:t>
-                  </a:r>
-                </a:p>
-              </p:txBody>
-            </p:sp>
-          </p:grpSp>
-        </p:grpSp>
-        <p:sp>
-          <p:nvSpPr>
-            <p:cNvPr id="17" name="折角形 16"/>
-            <p:cNvSpPr/>
-            <p:nvPr/>
-          </p:nvSpPr>
-          <p:spPr>
-            <a:xfrm>
-              <a:off x="1614419" y="4623015"/>
-              <a:ext cx="1152128" cy="360040"/>
-            </a:xfrm>
-            <a:prstGeom prst="foldedCorner">
-              <a:avLst/>
-            </a:prstGeom>
-            <a:solidFill>
-              <a:schemeClr val="accent1"/>
-            </a:solidFill>
-            <a:ln>
-              <a:solidFill>
-                <a:schemeClr val="tx2">
-                  <a:lumMod val="40000"/>
-                  <a:lumOff val="60000"/>
-                </a:schemeClr>
-              </a:solidFill>
-            </a:ln>
-          </p:spPr>
-          <p:style>
-            <a:lnRef idx="2">
-              <a:schemeClr val="accent1">
-                <a:shade val="50000"/>
-              </a:schemeClr>
-            </a:lnRef>
-            <a:fillRef idx="1">
-              <a:schemeClr val="accent1"/>
-            </a:fillRef>
-            <a:effectRef idx="0">
-              <a:schemeClr val="accent1"/>
-            </a:effectRef>
-            <a:fontRef idx="minor">
-              <a:schemeClr val="lt1"/>
-            </a:fontRef>
-          </p:style>
-          <p:txBody>
-            <a:bodyPr rtlCol="0" anchor="ctr"/>
-            <a:lstStyle/>
-            <a:p>
-              <a:pPr algn="ctr"/>
-              <a:r>
-                <a:rPr kumimoji="1" lang="zh-CN" altLang="en-US" sz="1050" dirty="0" smtClean="0"/>
-                <a:t>客户端负载均衡（</a:t>
-              </a:r>
-              <a:r>
-                <a:rPr kumimoji="1" lang="en-US" altLang="zh-CN" sz="1050" dirty="0" smtClean="0"/>
-                <a:t>Ribbon</a:t>
-              </a:r>
-              <a:r>
-                <a:rPr kumimoji="1" lang="zh-CN" altLang="en-US" sz="1050" dirty="0" smtClean="0"/>
-                <a:t>）</a:t>
-              </a:r>
-            </a:p>
-          </p:txBody>
-        </p:sp>
-      </p:grpSp>
-    </p:spTree>
-    <p:extLst>
-      <p:ext uri="{BB962C8B-B14F-4D97-AF65-F5344CB8AC3E}">
-        <p14:creationId xmlns:p14="http://schemas.microsoft.com/office/powerpoint/2010/main" val="1841311735"/>
       </p:ext>
     </p:extLst>
   </p:cSld>

--- a/spring cloud/spring cloud.pptx
+++ b/spring cloud/spring cloud.pptx
@@ -262,7 +262,7 @@
           <a:p>
             <a:fld id="{2D221E8D-25D8-AF4C-A093-C2A82D5E84AD}" type="datetimeFigureOut">
               <a:rPr kumimoji="1" lang="zh-CN" altLang="en-US" smtClean="0"/>
-              <a:t>2018/1/31</a:t>
+              <a:t>2018/3/8</a:t>
             </a:fld>
             <a:endParaRPr kumimoji="1" lang="zh-CN" altLang="en-US"/>
           </a:p>
@@ -427,7 +427,7 @@
           <a:p>
             <a:fld id="{FFB42849-82B9-482D-AFE1-E5E990AEC528}" type="datetimeFigureOut">
               <a:rPr lang="zh-CN" altLang="en-US" smtClean="0"/>
-              <a:t>2018/1/31</a:t>
+              <a:t>2018/3/8</a:t>
             </a:fld>
             <a:endParaRPr lang="zh-CN" altLang="en-US"/>
           </a:p>
@@ -25805,7 +25805,6 @@
                 <a:rPr kumimoji="1" lang="en-US" altLang="zh-CN" sz="1100" dirty="0" smtClean="0"/>
                 <a:t>Manager</a:t>
               </a:r>
-              <a:endParaRPr kumimoji="1" lang="en-US" altLang="zh-CN" sz="1100" dirty="0" smtClean="0"/>
             </a:p>
           </p:txBody>
         </p:sp>
@@ -25856,7 +25855,6 @@
                 <a:rPr kumimoji="1" lang="en-US" altLang="zh-CN" sz="1100" dirty="0" smtClean="0"/>
                 <a:t>Service</a:t>
               </a:r>
-              <a:endParaRPr kumimoji="1" lang="en-US" altLang="zh-CN" sz="1100" dirty="0" smtClean="0"/>
             </a:p>
           </p:txBody>
         </p:sp>
@@ -25908,7 +25906,6 @@
               <a:rPr kumimoji="1" lang="en-US" altLang="zh-CN" sz="1100" dirty="0" smtClean="0"/>
               <a:t>Client</a:t>
             </a:r>
-            <a:endParaRPr kumimoji="1" lang="en-US" altLang="zh-CN" sz="1100" dirty="0" smtClean="0"/>
           </a:p>
         </p:txBody>
       </p:sp>
@@ -25959,7 +25956,6 @@
               <a:rPr kumimoji="1" lang="en-US" altLang="zh-CN" sz="1100" dirty="0" smtClean="0"/>
               <a:t>Service</a:t>
             </a:r>
-            <a:endParaRPr kumimoji="1" lang="en-US" altLang="zh-CN" sz="1100" dirty="0" smtClean="0"/>
           </a:p>
         </p:txBody>
       </p:sp>
@@ -26089,7 +26085,6 @@
                   <a:rPr kumimoji="1" lang="en-US" altLang="zh-CN" sz="1100" dirty="0" smtClean="0"/>
                   <a:t>Node</a:t>
                 </a:r>
-                <a:endParaRPr kumimoji="1" lang="en-US" altLang="zh-CN" sz="1100" dirty="0" smtClean="0"/>
               </a:p>
             </p:txBody>
           </p:sp>
@@ -26323,7 +26318,6 @@
                   <a:rPr kumimoji="1" lang="en-US" altLang="zh-CN" sz="1100" dirty="0" smtClean="0"/>
                   <a:t>Node</a:t>
                 </a:r>
-                <a:endParaRPr kumimoji="1" lang="en-US" altLang="zh-CN" sz="1100" dirty="0" smtClean="0"/>
               </a:p>
             </p:txBody>
           </p:sp>
@@ -26557,7 +26551,6 @@
                   <a:rPr kumimoji="1" lang="en-US" altLang="zh-CN" sz="1100" dirty="0" smtClean="0"/>
                   <a:t>Node</a:t>
                 </a:r>
-                <a:endParaRPr kumimoji="1" lang="en-US" altLang="zh-CN" sz="1100" dirty="0" smtClean="0"/>
               </a:p>
             </p:txBody>
           </p:sp>
